--- a/DEMO.pptx
+++ b/DEMO.pptx
@@ -7,13 +7,14 @@
   <p:sldIdLst>
     <p:sldId id="260" r:id="rId2"/>
     <p:sldId id="261" r:id="rId3"/>
-    <p:sldId id="262" r:id="rId4"/>
-    <p:sldId id="256" r:id="rId5"/>
-    <p:sldId id="259" r:id="rId6"/>
-    <p:sldId id="263" r:id="rId7"/>
-    <p:sldId id="264" r:id="rId8"/>
-    <p:sldId id="265" r:id="rId9"/>
-    <p:sldId id="266" r:id="rId10"/>
+    <p:sldId id="267" r:id="rId4"/>
+    <p:sldId id="262" r:id="rId5"/>
+    <p:sldId id="256" r:id="rId6"/>
+    <p:sldId id="259" r:id="rId7"/>
+    <p:sldId id="263" r:id="rId8"/>
+    <p:sldId id="264" r:id="rId9"/>
+    <p:sldId id="265" r:id="rId10"/>
+    <p:sldId id="266" r:id="rId11"/>
   </p:sldIdLst>
   <p:sldSz cx="12192000" cy="6858000"/>
   <p:notesSz cx="6858000" cy="9144000"/>
@@ -26462,2737 +26463,7 @@
 </p:sld>
 </file>
 
-<file path=ppt/slides/slide2.xml><?xml version="1.0" encoding="utf-8"?>
-<p:sld xmlns:a="http://schemas.openxmlformats.org/drawingml/2006/main" xmlns:r="http://schemas.openxmlformats.org/officeDocument/2006/relationships" xmlns:p="http://schemas.openxmlformats.org/presentationml/2006/main">
-  <p:cSld>
-    <p:bg>
-      <p:bgPr>
-        <a:blipFill>
-          <a:blip r:embed="rId2">
-            <a:extLst>
-              <a:ext uri="{BEBA8EAE-BF5A-486C-A8C5-ECC9F3942E4B}">
-                <a14:imgProps xmlns:a14="http://schemas.microsoft.com/office/drawing/2010/main">
-                  <a14:imgLayer r:embed="rId3">
-                    <a14:imgEffect>
-                      <a14:brightnessContrast bright="7000"/>
-                    </a14:imgEffect>
-                  </a14:imgLayer>
-                </a14:imgProps>
-              </a:ext>
-            </a:extLst>
-          </a:blip>
-          <a:stretch/>
-        </a:blipFill>
-        <a:effectLst/>
-      </p:bgPr>
-    </p:bg>
-    <p:spTree>
-      <p:nvGrpSpPr>
-        <p:cNvPr id="1" name=""/>
-        <p:cNvGrpSpPr/>
-        <p:nvPr/>
-      </p:nvGrpSpPr>
-      <p:grpSpPr>
-        <a:xfrm>
-          <a:off x="0" y="0"/>
-          <a:ext cx="0" cy="0"/>
-          <a:chOff x="0" y="0"/>
-          <a:chExt cx="0" cy="0"/>
-        </a:xfrm>
-      </p:grpSpPr>
-      <p:sp>
-        <p:nvSpPr>
-          <p:cNvPr id="4" name="Rectangle 3">
-            <a:extLst>
-              <a:ext uri="{FF2B5EF4-FFF2-40B4-BE49-F238E27FC236}">
-                <a16:creationId xmlns:a16="http://schemas.microsoft.com/office/drawing/2014/main" id="{52BF8061-8F69-4A08-936B-6F94DD1554AF}"/>
-              </a:ext>
-            </a:extLst>
-          </p:cNvPr>
-          <p:cNvSpPr/>
-          <p:nvPr/>
-        </p:nvSpPr>
-        <p:spPr>
-          <a:xfrm>
-            <a:off x="0" y="0"/>
-            <a:ext cx="7509363" cy="923330"/>
-          </a:xfrm>
-          <a:prstGeom prst="rect">
-            <a:avLst/>
-          </a:prstGeom>
-          <a:noFill/>
-        </p:spPr>
-        <p:txBody>
-          <a:bodyPr wrap="none" lIns="91440" tIns="45720" rIns="91440" bIns="45720">
-            <a:spAutoFit/>
-          </a:bodyPr>
-          <a:lstStyle/>
-          <a:p>
-            <a:pPr algn="ctr"/>
-            <a:r>
-              <a:rPr lang="en-US" sz="5400" b="1" cap="none" spc="0" dirty="0">
-                <a:ln w="13462">
-                  <a:solidFill>
-                    <a:schemeClr val="bg1"/>
-                  </a:solidFill>
-                  <a:prstDash val="solid"/>
-                </a:ln>
-                <a:solidFill>
-                  <a:schemeClr val="tx1">
-                    <a:lumMod val="85000"/>
-                    <a:lumOff val="15000"/>
-                  </a:schemeClr>
-                </a:solidFill>
-                <a:effectLst>
-                  <a:outerShdw dist="38100" dir="2700000" algn="bl" rotWithShape="0">
-                    <a:schemeClr val="accent5"/>
-                  </a:outerShdw>
-                </a:effectLst>
-              </a:rPr>
-              <a:t>Development Tech Stack  </a:t>
-            </a:r>
-          </a:p>
-        </p:txBody>
-      </p:sp>
-      <p:graphicFrame>
-        <p:nvGraphicFramePr>
-          <p:cNvPr id="2" name="Diagram 1">
-            <a:extLst>
-              <a:ext uri="{FF2B5EF4-FFF2-40B4-BE49-F238E27FC236}">
-                <a16:creationId xmlns:a16="http://schemas.microsoft.com/office/drawing/2014/main" id="{B5AF4FC5-31BA-444A-A817-FAEC5BE88BF1}"/>
-              </a:ext>
-            </a:extLst>
-          </p:cNvPr>
-          <p:cNvGraphicFramePr/>
-          <p:nvPr>
-            <p:extLst>
-              <p:ext uri="{D42A27DB-BD31-4B8C-83A1-F6EECF244321}">
-                <p14:modId xmlns:p14="http://schemas.microsoft.com/office/powerpoint/2010/main" val="2073706986"/>
-              </p:ext>
-            </p:extLst>
-          </p:nvPr>
-        </p:nvGraphicFramePr>
-        <p:xfrm>
-          <a:off x="298383" y="719666"/>
-          <a:ext cx="11578657" cy="5914814"/>
-        </p:xfrm>
-        <a:graphic>
-          <a:graphicData uri="http://schemas.openxmlformats.org/drawingml/2006/diagram">
-            <dgm:relIds xmlns:dgm="http://schemas.openxmlformats.org/drawingml/2006/diagram" xmlns:r="http://schemas.openxmlformats.org/officeDocument/2006/relationships" r:dm="rId4" r:lo="rId5" r:qs="rId6" r:cs="rId7"/>
-          </a:graphicData>
-        </a:graphic>
-      </p:graphicFrame>
-    </p:spTree>
-    <p:extLst>
-      <p:ext uri="{BB962C8B-B14F-4D97-AF65-F5344CB8AC3E}">
-        <p14:creationId xmlns:p14="http://schemas.microsoft.com/office/powerpoint/2010/main" val="810418526"/>
-      </p:ext>
-    </p:extLst>
-  </p:cSld>
-  <p:clrMapOvr>
-    <a:masterClrMapping/>
-  </p:clrMapOvr>
-</p:sld>
-</file>
-
-<file path=ppt/slides/slide3.xml><?xml version="1.0" encoding="utf-8"?>
-<p:sld xmlns:a="http://schemas.openxmlformats.org/drawingml/2006/main" xmlns:r="http://schemas.openxmlformats.org/officeDocument/2006/relationships" xmlns:p="http://schemas.openxmlformats.org/presentationml/2006/main">
-  <p:cSld>
-    <p:spTree>
-      <p:nvGrpSpPr>
-        <p:cNvPr id="1" name=""/>
-        <p:cNvGrpSpPr/>
-        <p:nvPr/>
-      </p:nvGrpSpPr>
-      <p:grpSpPr>
-        <a:xfrm>
-          <a:off x="0" y="0"/>
-          <a:ext cx="0" cy="0"/>
-          <a:chOff x="0" y="0"/>
-          <a:chExt cx="0" cy="0"/>
-        </a:xfrm>
-      </p:grpSpPr>
-      <p:sp>
-        <p:nvSpPr>
-          <p:cNvPr id="2" name="Rectangle 1">
-            <a:extLst>
-              <a:ext uri="{FF2B5EF4-FFF2-40B4-BE49-F238E27FC236}">
-                <a16:creationId xmlns:a16="http://schemas.microsoft.com/office/drawing/2014/main" id="{D02839BB-1ADC-4B1C-99E3-D6A64A0E5019}"/>
-              </a:ext>
-            </a:extLst>
-          </p:cNvPr>
-          <p:cNvSpPr/>
-          <p:nvPr/>
-        </p:nvSpPr>
-        <p:spPr>
-          <a:xfrm>
-            <a:off x="-79080" y="121920"/>
-            <a:ext cx="10431061" cy="923330"/>
-          </a:xfrm>
-          <a:prstGeom prst="rect">
-            <a:avLst/>
-          </a:prstGeom>
-          <a:noFill/>
-        </p:spPr>
-        <p:txBody>
-          <a:bodyPr wrap="none" lIns="91440" tIns="45720" rIns="91440" bIns="45720">
-            <a:spAutoFit/>
-          </a:bodyPr>
-          <a:lstStyle/>
-          <a:p>
-            <a:pPr algn="ctr"/>
-            <a:r>
-              <a:rPr lang="en-US" sz="5400" b="1" cap="none" spc="0" dirty="0">
-                <a:ln w="13462">
-                  <a:solidFill>
-                    <a:schemeClr val="bg1"/>
-                  </a:solidFill>
-                  <a:prstDash val="solid"/>
-                </a:ln>
-                <a:solidFill>
-                  <a:schemeClr val="tx1">
-                    <a:lumMod val="85000"/>
-                    <a:lumOff val="15000"/>
-                  </a:schemeClr>
-                </a:solidFill>
-                <a:effectLst>
-                  <a:outerShdw dist="38100" dir="2700000" algn="bl" rotWithShape="0">
-                    <a:schemeClr val="accent5"/>
-                  </a:outerShdw>
-                </a:effectLst>
-              </a:rPr>
-              <a:t>POC on Active MQ with Spring Boot</a:t>
-            </a:r>
-          </a:p>
-        </p:txBody>
-      </p:sp>
-      <p:sp>
-        <p:nvSpPr>
-          <p:cNvPr id="4" name="Rectangle: Rounded Corners 3">
-            <a:extLst>
-              <a:ext uri="{FF2B5EF4-FFF2-40B4-BE49-F238E27FC236}">
-                <a16:creationId xmlns:a16="http://schemas.microsoft.com/office/drawing/2014/main" id="{B4F0354E-AF5C-4A42-A7DE-878E448BC10D}"/>
-              </a:ext>
-            </a:extLst>
-          </p:cNvPr>
-          <p:cNvSpPr/>
-          <p:nvPr/>
-        </p:nvSpPr>
-        <p:spPr>
-          <a:xfrm>
-            <a:off x="711200" y="1349662"/>
-            <a:ext cx="10322560" cy="923330"/>
-          </a:xfrm>
-          <a:prstGeom prst="roundRect">
-            <a:avLst/>
-          </a:prstGeom>
-        </p:spPr>
-        <p:style>
-          <a:lnRef idx="3">
-            <a:schemeClr val="lt1"/>
-          </a:lnRef>
-          <a:fillRef idx="1">
-            <a:schemeClr val="dk1"/>
-          </a:fillRef>
-          <a:effectRef idx="1">
-            <a:schemeClr val="dk1"/>
-          </a:effectRef>
-          <a:fontRef idx="minor">
-            <a:schemeClr val="lt1"/>
-          </a:fontRef>
-        </p:style>
-        <p:txBody>
-          <a:bodyPr rtlCol="0" anchor="ctr"/>
-          <a:lstStyle/>
-          <a:p>
-            <a:pPr algn="ctr"/>
-            <a:r>
-              <a:rPr lang="en-US" dirty="0"/>
-              <a:t>Sending Messages to Active MQ</a:t>
-            </a:r>
-            <a:endParaRPr lang="en-IN" dirty="0"/>
-          </a:p>
-        </p:txBody>
-      </p:sp>
-      <p:sp>
-        <p:nvSpPr>
-          <p:cNvPr id="5" name="Rectangle: Rounded Corners 4">
-            <a:extLst>
-              <a:ext uri="{FF2B5EF4-FFF2-40B4-BE49-F238E27FC236}">
-                <a16:creationId xmlns:a16="http://schemas.microsoft.com/office/drawing/2014/main" id="{DBEE1F9E-DD63-4D26-9DF4-7936FB4B5395}"/>
-              </a:ext>
-            </a:extLst>
-          </p:cNvPr>
-          <p:cNvSpPr/>
-          <p:nvPr/>
-        </p:nvSpPr>
-        <p:spPr>
-          <a:xfrm>
-            <a:off x="711200" y="2583099"/>
-            <a:ext cx="10322560" cy="923330"/>
-          </a:xfrm>
-          <a:prstGeom prst="roundRect">
-            <a:avLst/>
-          </a:prstGeom>
-        </p:spPr>
-        <p:style>
-          <a:lnRef idx="3">
-            <a:schemeClr val="lt1"/>
-          </a:lnRef>
-          <a:fillRef idx="1">
-            <a:schemeClr val="dk1"/>
-          </a:fillRef>
-          <a:effectRef idx="1">
-            <a:schemeClr val="dk1"/>
-          </a:effectRef>
-          <a:fontRef idx="minor">
-            <a:schemeClr val="lt1"/>
-          </a:fontRef>
-        </p:style>
-        <p:txBody>
-          <a:bodyPr rtlCol="0" anchor="ctr"/>
-          <a:lstStyle/>
-          <a:p>
-            <a:pPr algn="ctr"/>
-            <a:r>
-              <a:rPr lang="en-US" dirty="0"/>
-              <a:t>Receiving  Messages from  Active MQ</a:t>
-            </a:r>
-            <a:endParaRPr lang="en-IN" dirty="0"/>
-          </a:p>
-        </p:txBody>
-      </p:sp>
-      <p:sp>
-        <p:nvSpPr>
-          <p:cNvPr id="6" name="Rectangle 5">
-            <a:extLst>
-              <a:ext uri="{FF2B5EF4-FFF2-40B4-BE49-F238E27FC236}">
-                <a16:creationId xmlns:a16="http://schemas.microsoft.com/office/drawing/2014/main" id="{41411061-5BED-493D-9C85-9196CDA74D1C}"/>
-              </a:ext>
-            </a:extLst>
-          </p:cNvPr>
-          <p:cNvSpPr/>
-          <p:nvPr/>
-        </p:nvSpPr>
-        <p:spPr>
-          <a:xfrm>
-            <a:off x="0" y="3713480"/>
-            <a:ext cx="5504969" cy="923330"/>
-          </a:xfrm>
-          <a:prstGeom prst="rect">
-            <a:avLst/>
-          </a:prstGeom>
-          <a:noFill/>
-        </p:spPr>
-        <p:txBody>
-          <a:bodyPr wrap="none" lIns="91440" tIns="45720" rIns="91440" bIns="45720">
-            <a:spAutoFit/>
-          </a:bodyPr>
-          <a:lstStyle/>
-          <a:p>
-            <a:pPr algn="ctr"/>
-            <a:r>
-              <a:rPr lang="en-US" sz="5400" b="1" cap="none" spc="0" dirty="0">
-                <a:ln w="13462">
-                  <a:solidFill>
-                    <a:schemeClr val="bg1"/>
-                  </a:solidFill>
-                  <a:prstDash val="solid"/>
-                </a:ln>
-                <a:solidFill>
-                  <a:schemeClr val="tx1">
-                    <a:lumMod val="85000"/>
-                    <a:lumOff val="15000"/>
-                  </a:schemeClr>
-                </a:solidFill>
-                <a:effectLst>
-                  <a:outerShdw dist="38100" dir="2700000" algn="bl" rotWithShape="0">
-                    <a:schemeClr val="accent5"/>
-                  </a:outerShdw>
-                </a:effectLst>
-              </a:rPr>
-              <a:t>Tech Stac</a:t>
-            </a:r>
-            <a:r>
-              <a:rPr lang="en-US" sz="5400" b="1" dirty="0">
-                <a:ln w="13462">
-                  <a:solidFill>
-                    <a:schemeClr val="bg1"/>
-                  </a:solidFill>
-                  <a:prstDash val="solid"/>
-                </a:ln>
-                <a:solidFill>
-                  <a:schemeClr val="tx1">
-                    <a:lumMod val="85000"/>
-                    <a:lumOff val="15000"/>
-                  </a:schemeClr>
-                </a:solidFill>
-                <a:effectLst>
-                  <a:outerShdw dist="38100" dir="2700000" algn="bl" rotWithShape="0">
-                    <a:schemeClr val="accent5"/>
-                  </a:outerShdw>
-                </a:effectLst>
-              </a:rPr>
-              <a:t>k for POC</a:t>
-            </a:r>
-            <a:endParaRPr lang="en-US" sz="5400" b="1" cap="none" spc="0" dirty="0">
-              <a:ln w="13462">
-                <a:solidFill>
-                  <a:schemeClr val="bg1"/>
-                </a:solidFill>
-                <a:prstDash val="solid"/>
-              </a:ln>
-              <a:solidFill>
-                <a:schemeClr val="tx1">
-                  <a:lumMod val="85000"/>
-                  <a:lumOff val="15000"/>
-                </a:schemeClr>
-              </a:solidFill>
-              <a:effectLst>
-                <a:outerShdw dist="38100" dir="2700000" algn="bl" rotWithShape="0">
-                  <a:schemeClr val="accent5"/>
-                </a:outerShdw>
-              </a:effectLst>
-            </a:endParaRPr>
-          </a:p>
-        </p:txBody>
-      </p:sp>
-      <p:sp>
-        <p:nvSpPr>
-          <p:cNvPr id="7" name="Rectangle: Rounded Corners 6">
-            <a:extLst>
-              <a:ext uri="{FF2B5EF4-FFF2-40B4-BE49-F238E27FC236}">
-                <a16:creationId xmlns:a16="http://schemas.microsoft.com/office/drawing/2014/main" id="{44A624C3-00A0-49BC-98C8-0DB613D4C03C}"/>
-              </a:ext>
-            </a:extLst>
-          </p:cNvPr>
-          <p:cNvSpPr/>
-          <p:nvPr/>
-        </p:nvSpPr>
-        <p:spPr>
-          <a:xfrm>
-            <a:off x="711200" y="4712622"/>
-            <a:ext cx="10322560" cy="1901538"/>
-          </a:xfrm>
-          <a:prstGeom prst="roundRect">
-            <a:avLst/>
-          </a:prstGeom>
-        </p:spPr>
-        <p:style>
-          <a:lnRef idx="3">
-            <a:schemeClr val="lt1"/>
-          </a:lnRef>
-          <a:fillRef idx="1">
-            <a:schemeClr val="dk1"/>
-          </a:fillRef>
-          <a:effectRef idx="1">
-            <a:schemeClr val="dk1"/>
-          </a:effectRef>
-          <a:fontRef idx="minor">
-            <a:schemeClr val="lt1"/>
-          </a:fontRef>
-        </p:style>
-        <p:txBody>
-          <a:bodyPr rtlCol="0" anchor="ctr"/>
-          <a:lstStyle/>
-          <a:p>
-            <a:pPr algn="ctr"/>
-            <a:r>
-              <a:rPr lang="en-US" sz="3200" dirty="0">
-                <a:solidFill>
-                  <a:srgbClr val="00B0F0"/>
-                </a:solidFill>
-              </a:rPr>
-              <a:t>Html, scss, TypeScript , Angular, Primeng , Material</a:t>
-            </a:r>
-          </a:p>
-          <a:p>
-            <a:pPr algn="ctr"/>
-            <a:r>
-              <a:rPr lang="en-US" sz="3200" dirty="0">
-                <a:solidFill>
-                  <a:srgbClr val="00B050"/>
-                </a:solidFill>
-              </a:rPr>
-              <a:t>Active MQ</a:t>
-            </a:r>
-          </a:p>
-          <a:p>
-            <a:pPr algn="ctr"/>
-            <a:r>
-              <a:rPr lang="en-US" sz="3200" dirty="0">
-                <a:solidFill>
-                  <a:srgbClr val="FFFF00"/>
-                </a:solidFill>
-              </a:rPr>
-              <a:t>Java, Spring boot, Spring web, Spring WebSocket etc…</a:t>
-            </a:r>
-            <a:endParaRPr lang="en-IN" sz="3200" dirty="0">
-              <a:solidFill>
-                <a:srgbClr val="FFFF00"/>
-              </a:solidFill>
-            </a:endParaRPr>
-          </a:p>
-        </p:txBody>
-      </p:sp>
-    </p:spTree>
-    <p:extLst>
-      <p:ext uri="{BB962C8B-B14F-4D97-AF65-F5344CB8AC3E}">
-        <p14:creationId xmlns:p14="http://schemas.microsoft.com/office/powerpoint/2010/main" val="2923724025"/>
-      </p:ext>
-    </p:extLst>
-  </p:cSld>
-  <p:clrMapOvr>
-    <a:masterClrMapping/>
-  </p:clrMapOvr>
-</p:sld>
-</file>
-
-<file path=ppt/slides/slide4.xml><?xml version="1.0" encoding="utf-8"?>
-<p:sld xmlns:a="http://schemas.openxmlformats.org/drawingml/2006/main" xmlns:r="http://schemas.openxmlformats.org/officeDocument/2006/relationships" xmlns:p="http://schemas.openxmlformats.org/presentationml/2006/main">
-  <p:cSld>
-    <p:spTree>
-      <p:nvGrpSpPr>
-        <p:cNvPr id="1" name=""/>
-        <p:cNvGrpSpPr/>
-        <p:nvPr/>
-      </p:nvGrpSpPr>
-      <p:grpSpPr>
-        <a:xfrm>
-          <a:off x="0" y="0"/>
-          <a:ext cx="0" cy="0"/>
-          <a:chOff x="0" y="0"/>
-          <a:chExt cx="0" cy="0"/>
-        </a:xfrm>
-      </p:grpSpPr>
-      <p:graphicFrame>
-        <p:nvGraphicFramePr>
-          <p:cNvPr id="6" name="Diagram 5">
-            <a:extLst>
-              <a:ext uri="{FF2B5EF4-FFF2-40B4-BE49-F238E27FC236}">
-                <a16:creationId xmlns:a16="http://schemas.microsoft.com/office/drawing/2014/main" id="{C7242D06-518B-4110-9EE0-964A0D83402A}"/>
-              </a:ext>
-            </a:extLst>
-          </p:cNvPr>
-          <p:cNvGraphicFramePr/>
-          <p:nvPr>
-            <p:extLst>
-              <p:ext uri="{D42A27DB-BD31-4B8C-83A1-F6EECF244321}">
-                <p14:modId xmlns:p14="http://schemas.microsoft.com/office/powerpoint/2010/main" val="656209187"/>
-              </p:ext>
-            </p:extLst>
-          </p:nvPr>
-        </p:nvGraphicFramePr>
-        <p:xfrm>
-          <a:off x="0" y="2623848"/>
-          <a:ext cx="11989869" cy="3257187"/>
-        </p:xfrm>
-        <a:graphic>
-          <a:graphicData uri="http://schemas.openxmlformats.org/drawingml/2006/diagram">
-            <dgm:relIds xmlns:dgm="http://schemas.openxmlformats.org/drawingml/2006/diagram" xmlns:r="http://schemas.openxmlformats.org/officeDocument/2006/relationships" r:dm="rId2" r:lo="rId3" r:qs="rId4" r:cs="rId5"/>
-          </a:graphicData>
-        </a:graphic>
-      </p:graphicFrame>
-      <p:sp>
-        <p:nvSpPr>
-          <p:cNvPr id="7" name="Rectangle 6">
-            <a:extLst>
-              <a:ext uri="{FF2B5EF4-FFF2-40B4-BE49-F238E27FC236}">
-                <a16:creationId xmlns:a16="http://schemas.microsoft.com/office/drawing/2014/main" id="{2A0D6AAD-D6FB-427D-A781-83528495E52A}"/>
-              </a:ext>
-            </a:extLst>
-          </p:cNvPr>
-          <p:cNvSpPr/>
-          <p:nvPr/>
-        </p:nvSpPr>
-        <p:spPr>
-          <a:xfrm>
-            <a:off x="1603" y="-112749"/>
-            <a:ext cx="9095311" cy="1754326"/>
-          </a:xfrm>
-          <a:prstGeom prst="rect">
-            <a:avLst/>
-          </a:prstGeom>
-          <a:noFill/>
-        </p:spPr>
-        <p:txBody>
-          <a:bodyPr wrap="none" lIns="91440" tIns="45720" rIns="91440" bIns="45720">
-            <a:spAutoFit/>
-          </a:bodyPr>
-          <a:lstStyle/>
-          <a:p>
-            <a:pPr algn="ctr"/>
-            <a:r>
-              <a:rPr lang="en-US" sz="5400" b="1" cap="none" spc="0" dirty="0">
-                <a:ln w="13462">
-                  <a:solidFill>
-                    <a:schemeClr val="bg1"/>
-                  </a:solidFill>
-                  <a:prstDash val="solid"/>
-                </a:ln>
-                <a:solidFill>
-                  <a:schemeClr val="tx1">
-                    <a:lumMod val="85000"/>
-                    <a:lumOff val="15000"/>
-                  </a:schemeClr>
-                </a:solidFill>
-                <a:effectLst>
-                  <a:outerShdw dist="38100" dir="2700000" algn="bl" rotWithShape="0">
-                    <a:schemeClr val="accent5"/>
-                  </a:outerShdw>
-                </a:effectLst>
-              </a:rPr>
-              <a:t>Sending/Producing Messages   </a:t>
-            </a:r>
-          </a:p>
-          <a:p>
-            <a:pPr algn="ctr"/>
-            <a:r>
-              <a:rPr lang="en-US" sz="5400" b="1" cap="none" spc="0" dirty="0">
-                <a:ln w="13462">
-                  <a:solidFill>
-                    <a:schemeClr val="bg1"/>
-                  </a:solidFill>
-                  <a:prstDash val="solid"/>
-                </a:ln>
-                <a:solidFill>
-                  <a:schemeClr val="tx1">
-                    <a:lumMod val="85000"/>
-                    <a:lumOff val="15000"/>
-                  </a:schemeClr>
-                </a:solidFill>
-                <a:effectLst>
-                  <a:outerShdw dist="38100" dir="2700000" algn="bl" rotWithShape="0">
-                    <a:schemeClr val="accent5"/>
-                  </a:outerShdw>
-                </a:effectLst>
-              </a:rPr>
-              <a:t>To ActiveMQ</a:t>
-            </a:r>
-          </a:p>
-        </p:txBody>
-      </p:sp>
-      <p:sp>
-        <p:nvSpPr>
-          <p:cNvPr id="8" name="Rectangle 7">
-            <a:extLst>
-              <a:ext uri="{FF2B5EF4-FFF2-40B4-BE49-F238E27FC236}">
-                <a16:creationId xmlns:a16="http://schemas.microsoft.com/office/drawing/2014/main" id="{33E8B576-B7BE-44D1-AE47-46E4C255DBCA}"/>
-              </a:ext>
-            </a:extLst>
-          </p:cNvPr>
-          <p:cNvSpPr/>
-          <p:nvPr/>
-        </p:nvSpPr>
-        <p:spPr>
-          <a:xfrm>
-            <a:off x="838869" y="5152270"/>
-            <a:ext cx="1066319" cy="646331"/>
-          </a:xfrm>
-          <a:prstGeom prst="rect">
-            <a:avLst/>
-          </a:prstGeom>
-          <a:noFill/>
-        </p:spPr>
-        <p:txBody>
-          <a:bodyPr wrap="none" lIns="91440" tIns="45720" rIns="91440" bIns="45720">
-            <a:spAutoFit/>
-          </a:bodyPr>
-          <a:lstStyle/>
-          <a:p>
-            <a:pPr algn="ctr"/>
-            <a:r>
-              <a:rPr lang="en-US" sz="3600" b="1" cap="none" spc="0" dirty="0">
-                <a:ln w="12700">
-                  <a:solidFill>
-                    <a:schemeClr val="accent1"/>
-                  </a:solidFill>
-                  <a:prstDash val="solid"/>
-                </a:ln>
-                <a:pattFill prst="pct50">
-                  <a:fgClr>
-                    <a:schemeClr val="accent1"/>
-                  </a:fgClr>
-                  <a:bgClr>
-                    <a:schemeClr val="accent1">
-                      <a:lumMod val="20000"/>
-                      <a:lumOff val="80000"/>
-                    </a:schemeClr>
-                  </a:bgClr>
-                </a:pattFill>
-                <a:effectLst>
-                  <a:outerShdw dist="38100" dir="2640000" algn="bl" rotWithShape="0">
-                    <a:schemeClr val="accent1"/>
-                  </a:outerShdw>
-                </a:effectLst>
-              </a:rPr>
-              <a:t>User</a:t>
-            </a:r>
-          </a:p>
-        </p:txBody>
-      </p:sp>
-      <p:sp>
-        <p:nvSpPr>
-          <p:cNvPr id="9" name="Rectangle 8">
-            <a:extLst>
-              <a:ext uri="{FF2B5EF4-FFF2-40B4-BE49-F238E27FC236}">
-                <a16:creationId xmlns:a16="http://schemas.microsoft.com/office/drawing/2014/main" id="{3BAC53E1-23A0-4385-899A-87AE4289281F}"/>
-              </a:ext>
-            </a:extLst>
-          </p:cNvPr>
-          <p:cNvSpPr/>
-          <p:nvPr/>
-        </p:nvSpPr>
-        <p:spPr>
-          <a:xfrm>
-            <a:off x="2536471" y="5152270"/>
-            <a:ext cx="1428596" cy="646331"/>
-          </a:xfrm>
-          <a:prstGeom prst="rect">
-            <a:avLst/>
-          </a:prstGeom>
-          <a:noFill/>
-        </p:spPr>
-        <p:txBody>
-          <a:bodyPr wrap="none" lIns="91440" tIns="45720" rIns="91440" bIns="45720">
-            <a:spAutoFit/>
-          </a:bodyPr>
-          <a:lstStyle/>
-          <a:p>
-            <a:pPr algn="ctr"/>
-            <a:r>
-              <a:rPr lang="en-US" sz="3600" b="1" cap="none" spc="0" dirty="0">
-                <a:ln w="12700">
-                  <a:solidFill>
-                    <a:schemeClr val="accent1"/>
-                  </a:solidFill>
-                  <a:prstDash val="solid"/>
-                </a:ln>
-                <a:pattFill prst="pct50">
-                  <a:fgClr>
-                    <a:schemeClr val="accent1"/>
-                  </a:fgClr>
-                  <a:bgClr>
-                    <a:schemeClr val="accent1">
-                      <a:lumMod val="20000"/>
-                      <a:lumOff val="80000"/>
-                    </a:schemeClr>
-                  </a:bgClr>
-                </a:pattFill>
-                <a:effectLst>
-                  <a:outerShdw dist="38100" dir="2640000" algn="bl" rotWithShape="0">
-                    <a:schemeClr val="accent1"/>
-                  </a:outerShdw>
-                </a:effectLst>
-              </a:rPr>
-              <a:t>Ui app</a:t>
-            </a:r>
-          </a:p>
-        </p:txBody>
-      </p:sp>
-      <p:sp>
-        <p:nvSpPr>
-          <p:cNvPr id="10" name="Rectangle 9">
-            <a:extLst>
-              <a:ext uri="{FF2B5EF4-FFF2-40B4-BE49-F238E27FC236}">
-                <a16:creationId xmlns:a16="http://schemas.microsoft.com/office/drawing/2014/main" id="{5D10CD32-4FE0-48DA-B2A4-4FF731DFDF28}"/>
-              </a:ext>
-            </a:extLst>
-          </p:cNvPr>
-          <p:cNvSpPr/>
-          <p:nvPr/>
-        </p:nvSpPr>
-        <p:spPr>
-          <a:xfrm>
-            <a:off x="4596350" y="5234704"/>
-            <a:ext cx="3285195" cy="646331"/>
-          </a:xfrm>
-          <a:prstGeom prst="rect">
-            <a:avLst/>
-          </a:prstGeom>
-          <a:noFill/>
-        </p:spPr>
-        <p:txBody>
-          <a:bodyPr wrap="none" lIns="91440" tIns="45720" rIns="91440" bIns="45720">
-            <a:spAutoFit/>
-          </a:bodyPr>
-          <a:lstStyle/>
-          <a:p>
-            <a:pPr algn="ctr"/>
-            <a:r>
-              <a:rPr lang="en-US" sz="3600" b="1" cap="none" spc="0" dirty="0">
-                <a:ln w="12700">
-                  <a:solidFill>
-                    <a:schemeClr val="accent1"/>
-                  </a:solidFill>
-                  <a:prstDash val="solid"/>
-                </a:ln>
-                <a:pattFill prst="pct50">
-                  <a:fgClr>
-                    <a:schemeClr val="accent1"/>
-                  </a:fgClr>
-                  <a:bgClr>
-                    <a:schemeClr val="accent1">
-                      <a:lumMod val="20000"/>
-                      <a:lumOff val="80000"/>
-                    </a:schemeClr>
-                  </a:bgClr>
-                </a:pattFill>
-                <a:effectLst>
-                  <a:outerShdw dist="38100" dir="2640000" algn="bl" rotWithShape="0">
-                    <a:schemeClr val="accent1"/>
-                  </a:outerShdw>
-                </a:effectLst>
-              </a:rPr>
-              <a:t>Backend Service</a:t>
-            </a:r>
-          </a:p>
-        </p:txBody>
-      </p:sp>
-      <p:sp>
-        <p:nvSpPr>
-          <p:cNvPr id="11" name="Rectangle 10">
-            <a:extLst>
-              <a:ext uri="{FF2B5EF4-FFF2-40B4-BE49-F238E27FC236}">
-                <a16:creationId xmlns:a16="http://schemas.microsoft.com/office/drawing/2014/main" id="{A0583248-6DE4-4E68-A3D7-1761CC4D75BF}"/>
-              </a:ext>
-            </a:extLst>
-          </p:cNvPr>
-          <p:cNvSpPr/>
-          <p:nvPr/>
-        </p:nvSpPr>
-        <p:spPr>
-          <a:xfrm>
-            <a:off x="8382616" y="5185139"/>
-            <a:ext cx="1428596" cy="646331"/>
-          </a:xfrm>
-          <a:prstGeom prst="rect">
-            <a:avLst/>
-          </a:prstGeom>
-          <a:noFill/>
-        </p:spPr>
-        <p:txBody>
-          <a:bodyPr wrap="none" lIns="91440" tIns="45720" rIns="91440" bIns="45720">
-            <a:spAutoFit/>
-          </a:bodyPr>
-          <a:lstStyle/>
-          <a:p>
-            <a:pPr algn="ctr"/>
-            <a:r>
-              <a:rPr lang="en-US" sz="3600" b="1" cap="none" spc="0" dirty="0">
-                <a:ln w="12700">
-                  <a:solidFill>
-                    <a:schemeClr val="accent1"/>
-                  </a:solidFill>
-                  <a:prstDash val="solid"/>
-                </a:ln>
-                <a:pattFill prst="pct50">
-                  <a:fgClr>
-                    <a:schemeClr val="accent1"/>
-                  </a:fgClr>
-                  <a:bgClr>
-                    <a:schemeClr val="accent1">
-                      <a:lumMod val="20000"/>
-                      <a:lumOff val="80000"/>
-                    </a:schemeClr>
-                  </a:bgClr>
-                </a:pattFill>
-                <a:effectLst>
-                  <a:outerShdw dist="38100" dir="2640000" algn="bl" rotWithShape="0">
-                    <a:schemeClr val="accent1"/>
-                  </a:outerShdw>
-                </a:effectLst>
-              </a:rPr>
-              <a:t>Ui app</a:t>
-            </a:r>
-          </a:p>
-        </p:txBody>
-      </p:sp>
-      <p:sp>
-        <p:nvSpPr>
-          <p:cNvPr id="12" name="Rectangle 11">
-            <a:extLst>
-              <a:ext uri="{FF2B5EF4-FFF2-40B4-BE49-F238E27FC236}">
-                <a16:creationId xmlns:a16="http://schemas.microsoft.com/office/drawing/2014/main" id="{61446C7C-1D47-44B3-8B95-327900942498}"/>
-              </a:ext>
-            </a:extLst>
-          </p:cNvPr>
-          <p:cNvSpPr/>
-          <p:nvPr/>
-        </p:nvSpPr>
-        <p:spPr>
-          <a:xfrm>
-            <a:off x="10493423" y="5185138"/>
-            <a:ext cx="1066318" cy="646331"/>
-          </a:xfrm>
-          <a:prstGeom prst="rect">
-            <a:avLst/>
-          </a:prstGeom>
-          <a:noFill/>
-        </p:spPr>
-        <p:txBody>
-          <a:bodyPr wrap="none" lIns="91440" tIns="45720" rIns="91440" bIns="45720">
-            <a:spAutoFit/>
-          </a:bodyPr>
-          <a:lstStyle/>
-          <a:p>
-            <a:pPr algn="ctr"/>
-            <a:r>
-              <a:rPr lang="en-US" sz="3600" b="1" cap="none" spc="0" dirty="0">
-                <a:ln w="12700">
-                  <a:solidFill>
-                    <a:schemeClr val="accent1"/>
-                  </a:solidFill>
-                  <a:prstDash val="solid"/>
-                </a:ln>
-                <a:pattFill prst="pct50">
-                  <a:fgClr>
-                    <a:schemeClr val="accent1"/>
-                  </a:fgClr>
-                  <a:bgClr>
-                    <a:schemeClr val="accent1">
-                      <a:lumMod val="20000"/>
-                      <a:lumOff val="80000"/>
-                    </a:schemeClr>
-                  </a:bgClr>
-                </a:pattFill>
-                <a:effectLst>
-                  <a:outerShdw dist="38100" dir="2640000" algn="bl" rotWithShape="0">
-                    <a:schemeClr val="accent1"/>
-                  </a:outerShdw>
-                </a:effectLst>
-              </a:rPr>
-              <a:t>User</a:t>
-            </a:r>
-          </a:p>
-        </p:txBody>
-      </p:sp>
-      <p:sp>
-        <p:nvSpPr>
-          <p:cNvPr id="15" name="Rectangle 14">
-            <a:extLst>
-              <a:ext uri="{FF2B5EF4-FFF2-40B4-BE49-F238E27FC236}">
-                <a16:creationId xmlns:a16="http://schemas.microsoft.com/office/drawing/2014/main" id="{6F27B7B8-F0D5-465E-8574-3E932C382946}"/>
-              </a:ext>
-            </a:extLst>
-          </p:cNvPr>
-          <p:cNvSpPr/>
-          <p:nvPr/>
-        </p:nvSpPr>
-        <p:spPr>
-          <a:xfrm>
-            <a:off x="1258044" y="5849735"/>
-            <a:ext cx="2556854" cy="923330"/>
-          </a:xfrm>
-          <a:prstGeom prst="rect">
-            <a:avLst/>
-          </a:prstGeom>
-          <a:noFill/>
-        </p:spPr>
-        <p:txBody>
-          <a:bodyPr wrap="none" lIns="91440" tIns="45720" rIns="91440" bIns="45720">
-            <a:spAutoFit/>
-          </a:bodyPr>
-          <a:lstStyle/>
-          <a:p>
-            <a:pPr algn="ctr"/>
-            <a:r>
-              <a:rPr lang="en-US" sz="5400" b="1" cap="none" spc="50" dirty="0">
-                <a:ln w="9525" cmpd="sng">
-                  <a:solidFill>
-                    <a:schemeClr val="accent1"/>
-                  </a:solidFill>
-                  <a:prstDash val="solid"/>
-                </a:ln>
-                <a:solidFill>
-                  <a:srgbClr val="70AD47">
-                    <a:tint val="1000"/>
-                  </a:srgbClr>
-                </a:solidFill>
-                <a:effectLst>
-                  <a:glow rad="38100">
-                    <a:schemeClr val="accent1">
-                      <a:alpha val="40000"/>
-                    </a:schemeClr>
-                  </a:glow>
-                </a:effectLst>
-              </a:rPr>
-              <a:t>Request</a:t>
-            </a:r>
-          </a:p>
-        </p:txBody>
-      </p:sp>
-      <p:sp>
-        <p:nvSpPr>
-          <p:cNvPr id="16" name="Rectangle 15">
-            <a:extLst>
-              <a:ext uri="{FF2B5EF4-FFF2-40B4-BE49-F238E27FC236}">
-                <a16:creationId xmlns:a16="http://schemas.microsoft.com/office/drawing/2014/main" id="{9B0996E6-DE67-4431-BD28-AB438761ED9C}"/>
-              </a:ext>
-            </a:extLst>
-          </p:cNvPr>
-          <p:cNvSpPr/>
-          <p:nvPr/>
-        </p:nvSpPr>
-        <p:spPr>
-          <a:xfrm>
-            <a:off x="8707483" y="5881035"/>
-            <a:ext cx="2978188" cy="923330"/>
-          </a:xfrm>
-          <a:prstGeom prst="rect">
-            <a:avLst/>
-          </a:prstGeom>
-          <a:noFill/>
-        </p:spPr>
-        <p:txBody>
-          <a:bodyPr wrap="none" lIns="91440" tIns="45720" rIns="91440" bIns="45720">
-            <a:spAutoFit/>
-          </a:bodyPr>
-          <a:lstStyle/>
-          <a:p>
-            <a:pPr algn="ctr"/>
-            <a:r>
-              <a:rPr lang="en-US" sz="5400" b="1" cap="none" spc="50" dirty="0">
-                <a:ln w="9525" cmpd="sng">
-                  <a:solidFill>
-                    <a:schemeClr val="accent1"/>
-                  </a:solidFill>
-                  <a:prstDash val="solid"/>
-                </a:ln>
-                <a:solidFill>
-                  <a:srgbClr val="70AD47">
-                    <a:tint val="1000"/>
-                  </a:srgbClr>
-                </a:solidFill>
-                <a:effectLst>
-                  <a:glow rad="38100">
-                    <a:schemeClr val="accent1">
-                      <a:alpha val="40000"/>
-                    </a:schemeClr>
-                  </a:glow>
-                </a:effectLst>
-              </a:rPr>
-              <a:t>Response</a:t>
-            </a:r>
-          </a:p>
-        </p:txBody>
-      </p:sp>
-      <p:cxnSp>
-        <p:nvCxnSpPr>
-          <p:cNvPr id="18" name="Straight Arrow Connector 17">
-            <a:extLst>
-              <a:ext uri="{FF2B5EF4-FFF2-40B4-BE49-F238E27FC236}">
-                <a16:creationId xmlns:a16="http://schemas.microsoft.com/office/drawing/2014/main" id="{0306F65F-82D4-4125-B7E1-6DE93D8B9BFA}"/>
-              </a:ext>
-            </a:extLst>
-          </p:cNvPr>
-          <p:cNvCxnSpPr>
-            <a:cxnSpLocks/>
-          </p:cNvCxnSpPr>
-          <p:nvPr/>
-        </p:nvCxnSpPr>
-        <p:spPr>
-          <a:xfrm>
-            <a:off x="3965067" y="6349900"/>
-            <a:ext cx="4742416" cy="31300"/>
-          </a:xfrm>
-          <a:prstGeom prst="straightConnector1">
-            <a:avLst/>
-          </a:prstGeom>
-          <a:ln>
-            <a:tailEnd type="triangle"/>
-          </a:ln>
-        </p:spPr>
-        <p:style>
-          <a:lnRef idx="3">
-            <a:schemeClr val="accent4"/>
-          </a:lnRef>
-          <a:fillRef idx="0">
-            <a:schemeClr val="accent4"/>
-          </a:fillRef>
-          <a:effectRef idx="2">
-            <a:schemeClr val="accent4"/>
-          </a:effectRef>
-          <a:fontRef idx="minor">
-            <a:schemeClr val="tx1"/>
-          </a:fontRef>
-        </p:style>
-      </p:cxnSp>
-      <p:sp>
-        <p:nvSpPr>
-          <p:cNvPr id="19" name="Rectangle 18">
-            <a:extLst>
-              <a:ext uri="{FF2B5EF4-FFF2-40B4-BE49-F238E27FC236}">
-                <a16:creationId xmlns:a16="http://schemas.microsoft.com/office/drawing/2014/main" id="{E39B85B7-FAAA-4F38-A0BD-D09172109A9D}"/>
-              </a:ext>
-            </a:extLst>
-          </p:cNvPr>
-          <p:cNvSpPr/>
-          <p:nvPr/>
-        </p:nvSpPr>
-        <p:spPr>
-          <a:xfrm>
-            <a:off x="5844377" y="5885127"/>
-            <a:ext cx="833626" cy="523220"/>
-          </a:xfrm>
-          <a:prstGeom prst="rect">
-            <a:avLst/>
-          </a:prstGeom>
-          <a:noFill/>
-        </p:spPr>
-        <p:txBody>
-          <a:bodyPr wrap="none" lIns="91440" tIns="45720" rIns="91440" bIns="45720">
-            <a:spAutoFit/>
-          </a:bodyPr>
-          <a:lstStyle/>
-          <a:p>
-            <a:pPr algn="ctr"/>
-            <a:r>
-              <a:rPr lang="en-US" sz="2800" b="0" cap="none" spc="0" dirty="0">
-                <a:ln w="0"/>
-                <a:solidFill>
-                  <a:schemeClr val="tx1"/>
-                </a:solidFill>
-                <a:effectLst>
-                  <a:outerShdw blurRad="38100" dist="19050" dir="2700000" algn="tl" rotWithShape="0">
-                    <a:schemeClr val="dk1">
-                      <a:alpha val="40000"/>
-                    </a:schemeClr>
-                  </a:outerShdw>
-                </a:effectLst>
-              </a:rPr>
-              <a:t>Http</a:t>
-            </a:r>
-          </a:p>
-        </p:txBody>
-      </p:sp>
-      <p:sp>
-        <p:nvSpPr>
-          <p:cNvPr id="20" name="Oval 19">
-            <a:extLst>
-              <a:ext uri="{FF2B5EF4-FFF2-40B4-BE49-F238E27FC236}">
-                <a16:creationId xmlns:a16="http://schemas.microsoft.com/office/drawing/2014/main" id="{990CD3F2-3660-4B6D-9B8F-4EA58BD1157E}"/>
-              </a:ext>
-            </a:extLst>
-          </p:cNvPr>
-          <p:cNvSpPr/>
-          <p:nvPr/>
-        </p:nvSpPr>
-        <p:spPr>
-          <a:xfrm>
-            <a:off x="5594054" y="1787837"/>
-            <a:ext cx="1289786" cy="1203158"/>
-          </a:xfrm>
-          <a:prstGeom prst="ellipse">
-            <a:avLst/>
-          </a:prstGeom>
-        </p:spPr>
-        <p:style>
-          <a:lnRef idx="2">
-            <a:schemeClr val="accent6"/>
-          </a:lnRef>
-          <a:fillRef idx="1">
-            <a:schemeClr val="lt1"/>
-          </a:fillRef>
-          <a:effectRef idx="0">
-            <a:schemeClr val="accent6"/>
-          </a:effectRef>
-          <a:fontRef idx="minor">
-            <a:schemeClr val="dk1"/>
-          </a:fontRef>
-        </p:style>
-        <p:txBody>
-          <a:bodyPr rtlCol="0" anchor="ctr"/>
-          <a:lstStyle/>
-          <a:p>
-            <a:pPr algn="ctr"/>
-            <a:r>
-              <a:rPr lang="en-US" dirty="0"/>
-              <a:t>Active MQ</a:t>
-            </a:r>
-            <a:endParaRPr lang="en-IN" dirty="0"/>
-          </a:p>
-        </p:txBody>
-      </p:sp>
-      <p:cxnSp>
-        <p:nvCxnSpPr>
-          <p:cNvPr id="22" name="Straight Arrow Connector 21">
-            <a:extLst>
-              <a:ext uri="{FF2B5EF4-FFF2-40B4-BE49-F238E27FC236}">
-                <a16:creationId xmlns:a16="http://schemas.microsoft.com/office/drawing/2014/main" id="{BD3490DB-682C-4C11-9BB4-6D60C9F6CC6A}"/>
-              </a:ext>
-            </a:extLst>
-          </p:cNvPr>
-          <p:cNvCxnSpPr>
-            <a:cxnSpLocks/>
-          </p:cNvCxnSpPr>
-          <p:nvPr/>
-        </p:nvCxnSpPr>
-        <p:spPr>
-          <a:xfrm flipV="1">
-            <a:off x="5091764" y="2477588"/>
-            <a:ext cx="502290" cy="862378"/>
-          </a:xfrm>
-          <a:prstGeom prst="straightConnector1">
-            <a:avLst/>
-          </a:prstGeom>
-          <a:ln>
-            <a:tailEnd type="triangle"/>
-          </a:ln>
-        </p:spPr>
-        <p:style>
-          <a:lnRef idx="3">
-            <a:schemeClr val="accent3"/>
-          </a:lnRef>
-          <a:fillRef idx="0">
-            <a:schemeClr val="accent3"/>
-          </a:fillRef>
-          <a:effectRef idx="2">
-            <a:schemeClr val="accent3"/>
-          </a:effectRef>
-          <a:fontRef idx="minor">
-            <a:schemeClr val="tx1"/>
-          </a:fontRef>
-        </p:style>
-      </p:cxnSp>
-      <p:cxnSp>
-        <p:nvCxnSpPr>
-          <p:cNvPr id="28" name="Straight Arrow Connector 27">
-            <a:extLst>
-              <a:ext uri="{FF2B5EF4-FFF2-40B4-BE49-F238E27FC236}">
-                <a16:creationId xmlns:a16="http://schemas.microsoft.com/office/drawing/2014/main" id="{00E99D09-B02D-4DDD-8509-6CB1DA0DAA8F}"/>
-              </a:ext>
-            </a:extLst>
-          </p:cNvPr>
-          <p:cNvCxnSpPr>
-            <a:cxnSpLocks/>
-          </p:cNvCxnSpPr>
-          <p:nvPr/>
-        </p:nvCxnSpPr>
-        <p:spPr>
-          <a:xfrm>
-            <a:off x="6883840" y="2379791"/>
-            <a:ext cx="517987" cy="950550"/>
-          </a:xfrm>
-          <a:prstGeom prst="straightConnector1">
-            <a:avLst/>
-          </a:prstGeom>
-          <a:ln>
-            <a:tailEnd type="triangle"/>
-          </a:ln>
-        </p:spPr>
-        <p:style>
-          <a:lnRef idx="3">
-            <a:schemeClr val="accent3"/>
-          </a:lnRef>
-          <a:fillRef idx="0">
-            <a:schemeClr val="accent3"/>
-          </a:fillRef>
-          <a:effectRef idx="2">
-            <a:schemeClr val="accent3"/>
-          </a:effectRef>
-          <a:fontRef idx="minor">
-            <a:schemeClr val="tx1"/>
-          </a:fontRef>
-        </p:style>
-      </p:cxnSp>
-    </p:spTree>
-    <p:extLst>
-      <p:ext uri="{BB962C8B-B14F-4D97-AF65-F5344CB8AC3E}">
-        <p14:creationId xmlns:p14="http://schemas.microsoft.com/office/powerpoint/2010/main" val="3656649206"/>
-      </p:ext>
-    </p:extLst>
-  </p:cSld>
-  <p:clrMapOvr>
-    <a:masterClrMapping/>
-  </p:clrMapOvr>
-</p:sld>
-</file>
-
-<file path=ppt/slides/slide5.xml><?xml version="1.0" encoding="utf-8"?>
-<p:sld xmlns:a="http://schemas.openxmlformats.org/drawingml/2006/main" xmlns:r="http://schemas.openxmlformats.org/officeDocument/2006/relationships" xmlns:p="http://schemas.openxmlformats.org/presentationml/2006/main">
-  <p:cSld>
-    <p:spTree>
-      <p:nvGrpSpPr>
-        <p:cNvPr id="1" name=""/>
-        <p:cNvGrpSpPr/>
-        <p:nvPr/>
-      </p:nvGrpSpPr>
-      <p:grpSpPr>
-        <a:xfrm>
-          <a:off x="0" y="0"/>
-          <a:ext cx="0" cy="0"/>
-          <a:chOff x="0" y="0"/>
-          <a:chExt cx="0" cy="0"/>
-        </a:xfrm>
-      </p:grpSpPr>
-      <p:graphicFrame>
-        <p:nvGraphicFramePr>
-          <p:cNvPr id="6" name="Diagram 5">
-            <a:extLst>
-              <a:ext uri="{FF2B5EF4-FFF2-40B4-BE49-F238E27FC236}">
-                <a16:creationId xmlns:a16="http://schemas.microsoft.com/office/drawing/2014/main" id="{C7242D06-518B-4110-9EE0-964A0D83402A}"/>
-              </a:ext>
-            </a:extLst>
-          </p:cNvPr>
-          <p:cNvGraphicFramePr/>
-          <p:nvPr>
-            <p:extLst>
-              <p:ext uri="{D42A27DB-BD31-4B8C-83A1-F6EECF244321}">
-                <p14:modId xmlns:p14="http://schemas.microsoft.com/office/powerpoint/2010/main" val="161404902"/>
-              </p:ext>
-            </p:extLst>
-          </p:nvPr>
-        </p:nvGraphicFramePr>
-        <p:xfrm>
-          <a:off x="0" y="2623848"/>
-          <a:ext cx="11989869" cy="3257187"/>
-        </p:xfrm>
-        <a:graphic>
-          <a:graphicData uri="http://schemas.openxmlformats.org/drawingml/2006/diagram">
-            <dgm:relIds xmlns:dgm="http://schemas.openxmlformats.org/drawingml/2006/diagram" xmlns:r="http://schemas.openxmlformats.org/officeDocument/2006/relationships" r:dm="rId2" r:lo="rId3" r:qs="rId4" r:cs="rId5"/>
-          </a:graphicData>
-        </a:graphic>
-      </p:graphicFrame>
-      <p:sp>
-        <p:nvSpPr>
-          <p:cNvPr id="7" name="Rectangle 6">
-            <a:extLst>
-              <a:ext uri="{FF2B5EF4-FFF2-40B4-BE49-F238E27FC236}">
-                <a16:creationId xmlns:a16="http://schemas.microsoft.com/office/drawing/2014/main" id="{2A0D6AAD-D6FB-427D-A781-83528495E52A}"/>
-              </a:ext>
-            </a:extLst>
-          </p:cNvPr>
-          <p:cNvSpPr/>
-          <p:nvPr/>
-        </p:nvSpPr>
-        <p:spPr>
-          <a:xfrm>
-            <a:off x="-172675" y="-155511"/>
-            <a:ext cx="9983887" cy="1754326"/>
-          </a:xfrm>
-          <a:prstGeom prst="rect">
-            <a:avLst/>
-          </a:prstGeom>
-          <a:noFill/>
-        </p:spPr>
-        <p:txBody>
-          <a:bodyPr wrap="none" lIns="91440" tIns="45720" rIns="91440" bIns="45720">
-            <a:spAutoFit/>
-          </a:bodyPr>
-          <a:lstStyle/>
-          <a:p>
-            <a:pPr algn="ctr"/>
-            <a:r>
-              <a:rPr lang="en-US" sz="5400" b="1" cap="none" spc="0" dirty="0">
-                <a:ln w="13462">
-                  <a:solidFill>
-                    <a:schemeClr val="bg1"/>
-                  </a:solidFill>
-                  <a:prstDash val="solid"/>
-                </a:ln>
-                <a:solidFill>
-                  <a:schemeClr val="tx1">
-                    <a:lumMod val="85000"/>
-                    <a:lumOff val="15000"/>
-                  </a:schemeClr>
-                </a:solidFill>
-                <a:effectLst>
-                  <a:outerShdw dist="38100" dir="2700000" algn="bl" rotWithShape="0">
-                    <a:schemeClr val="accent5"/>
-                  </a:outerShdw>
-                </a:effectLst>
-              </a:rPr>
-              <a:t>Receiving/Consuming Messages   </a:t>
-            </a:r>
-          </a:p>
-          <a:p>
-            <a:pPr algn="ctr"/>
-            <a:r>
-              <a:rPr lang="en-US" sz="5400" b="1" cap="none" spc="0" dirty="0">
-                <a:ln w="13462">
-                  <a:solidFill>
-                    <a:schemeClr val="bg1"/>
-                  </a:solidFill>
-                  <a:prstDash val="solid"/>
-                </a:ln>
-                <a:solidFill>
-                  <a:schemeClr val="tx1">
-                    <a:lumMod val="85000"/>
-                    <a:lumOff val="15000"/>
-                  </a:schemeClr>
-                </a:solidFill>
-                <a:effectLst>
-                  <a:outerShdw dist="38100" dir="2700000" algn="bl" rotWithShape="0">
-                    <a:schemeClr val="accent5"/>
-                  </a:outerShdw>
-                </a:effectLst>
-              </a:rPr>
-              <a:t>From ActiveMQ Via WSS</a:t>
-            </a:r>
-          </a:p>
-        </p:txBody>
-      </p:sp>
-      <p:sp>
-        <p:nvSpPr>
-          <p:cNvPr id="8" name="Rectangle 7">
-            <a:extLst>
-              <a:ext uri="{FF2B5EF4-FFF2-40B4-BE49-F238E27FC236}">
-                <a16:creationId xmlns:a16="http://schemas.microsoft.com/office/drawing/2014/main" id="{33E8B576-B7BE-44D1-AE47-46E4C255DBCA}"/>
-              </a:ext>
-            </a:extLst>
-          </p:cNvPr>
-          <p:cNvSpPr/>
-          <p:nvPr/>
-        </p:nvSpPr>
-        <p:spPr>
-          <a:xfrm>
-            <a:off x="838869" y="5152270"/>
-            <a:ext cx="1066319" cy="646331"/>
-          </a:xfrm>
-          <a:prstGeom prst="rect">
-            <a:avLst/>
-          </a:prstGeom>
-          <a:noFill/>
-        </p:spPr>
-        <p:txBody>
-          <a:bodyPr wrap="none" lIns="91440" tIns="45720" rIns="91440" bIns="45720">
-            <a:spAutoFit/>
-          </a:bodyPr>
-          <a:lstStyle/>
-          <a:p>
-            <a:pPr algn="ctr"/>
-            <a:r>
-              <a:rPr lang="en-US" sz="3600" b="1" cap="none" spc="0" dirty="0">
-                <a:ln w="12700">
-                  <a:solidFill>
-                    <a:schemeClr val="accent1"/>
-                  </a:solidFill>
-                  <a:prstDash val="solid"/>
-                </a:ln>
-                <a:pattFill prst="pct50">
-                  <a:fgClr>
-                    <a:schemeClr val="accent1"/>
-                  </a:fgClr>
-                  <a:bgClr>
-                    <a:schemeClr val="accent1">
-                      <a:lumMod val="20000"/>
-                      <a:lumOff val="80000"/>
-                    </a:schemeClr>
-                  </a:bgClr>
-                </a:pattFill>
-                <a:effectLst>
-                  <a:outerShdw dist="38100" dir="2640000" algn="bl" rotWithShape="0">
-                    <a:schemeClr val="accent1"/>
-                  </a:outerShdw>
-                </a:effectLst>
-              </a:rPr>
-              <a:t>User</a:t>
-            </a:r>
-          </a:p>
-        </p:txBody>
-      </p:sp>
-      <p:sp>
-        <p:nvSpPr>
-          <p:cNvPr id="9" name="Rectangle 8">
-            <a:extLst>
-              <a:ext uri="{FF2B5EF4-FFF2-40B4-BE49-F238E27FC236}">
-                <a16:creationId xmlns:a16="http://schemas.microsoft.com/office/drawing/2014/main" id="{3BAC53E1-23A0-4385-899A-87AE4289281F}"/>
-              </a:ext>
-            </a:extLst>
-          </p:cNvPr>
-          <p:cNvSpPr/>
-          <p:nvPr/>
-        </p:nvSpPr>
-        <p:spPr>
-          <a:xfrm>
-            <a:off x="2536471" y="5152270"/>
-            <a:ext cx="1428596" cy="646331"/>
-          </a:xfrm>
-          <a:prstGeom prst="rect">
-            <a:avLst/>
-          </a:prstGeom>
-          <a:noFill/>
-        </p:spPr>
-        <p:txBody>
-          <a:bodyPr wrap="none" lIns="91440" tIns="45720" rIns="91440" bIns="45720">
-            <a:spAutoFit/>
-          </a:bodyPr>
-          <a:lstStyle/>
-          <a:p>
-            <a:pPr algn="ctr"/>
-            <a:r>
-              <a:rPr lang="en-US" sz="3600" b="1" cap="none" spc="0" dirty="0">
-                <a:ln w="12700">
-                  <a:solidFill>
-                    <a:schemeClr val="accent1"/>
-                  </a:solidFill>
-                  <a:prstDash val="solid"/>
-                </a:ln>
-                <a:pattFill prst="pct50">
-                  <a:fgClr>
-                    <a:schemeClr val="accent1"/>
-                  </a:fgClr>
-                  <a:bgClr>
-                    <a:schemeClr val="accent1">
-                      <a:lumMod val="20000"/>
-                      <a:lumOff val="80000"/>
-                    </a:schemeClr>
-                  </a:bgClr>
-                </a:pattFill>
-                <a:effectLst>
-                  <a:outerShdw dist="38100" dir="2640000" algn="bl" rotWithShape="0">
-                    <a:schemeClr val="accent1"/>
-                  </a:outerShdw>
-                </a:effectLst>
-              </a:rPr>
-              <a:t>Ui app</a:t>
-            </a:r>
-          </a:p>
-        </p:txBody>
-      </p:sp>
-      <p:sp>
-        <p:nvSpPr>
-          <p:cNvPr id="10" name="Rectangle 9">
-            <a:extLst>
-              <a:ext uri="{FF2B5EF4-FFF2-40B4-BE49-F238E27FC236}">
-                <a16:creationId xmlns:a16="http://schemas.microsoft.com/office/drawing/2014/main" id="{5D10CD32-4FE0-48DA-B2A4-4FF731DFDF28}"/>
-              </a:ext>
-            </a:extLst>
-          </p:cNvPr>
-          <p:cNvSpPr/>
-          <p:nvPr/>
-        </p:nvSpPr>
-        <p:spPr>
-          <a:xfrm>
-            <a:off x="4596350" y="5234704"/>
-            <a:ext cx="3285195" cy="646331"/>
-          </a:xfrm>
-          <a:prstGeom prst="rect">
-            <a:avLst/>
-          </a:prstGeom>
-          <a:noFill/>
-        </p:spPr>
-        <p:txBody>
-          <a:bodyPr wrap="none" lIns="91440" tIns="45720" rIns="91440" bIns="45720">
-            <a:spAutoFit/>
-          </a:bodyPr>
-          <a:lstStyle/>
-          <a:p>
-            <a:pPr algn="ctr"/>
-            <a:r>
-              <a:rPr lang="en-US" sz="3600" b="1" cap="none" spc="0" dirty="0">
-                <a:ln w="12700">
-                  <a:solidFill>
-                    <a:schemeClr val="accent1"/>
-                  </a:solidFill>
-                  <a:prstDash val="solid"/>
-                </a:ln>
-                <a:pattFill prst="pct50">
-                  <a:fgClr>
-                    <a:schemeClr val="accent1"/>
-                  </a:fgClr>
-                  <a:bgClr>
-                    <a:schemeClr val="accent1">
-                      <a:lumMod val="20000"/>
-                      <a:lumOff val="80000"/>
-                    </a:schemeClr>
-                  </a:bgClr>
-                </a:pattFill>
-                <a:effectLst>
-                  <a:outerShdw dist="38100" dir="2640000" algn="bl" rotWithShape="0">
-                    <a:schemeClr val="accent1"/>
-                  </a:outerShdw>
-                </a:effectLst>
-              </a:rPr>
-              <a:t>Backend Service</a:t>
-            </a:r>
-          </a:p>
-        </p:txBody>
-      </p:sp>
-      <p:sp>
-        <p:nvSpPr>
-          <p:cNvPr id="11" name="Rectangle 10">
-            <a:extLst>
-              <a:ext uri="{FF2B5EF4-FFF2-40B4-BE49-F238E27FC236}">
-                <a16:creationId xmlns:a16="http://schemas.microsoft.com/office/drawing/2014/main" id="{A0583248-6DE4-4E68-A3D7-1761CC4D75BF}"/>
-              </a:ext>
-            </a:extLst>
-          </p:cNvPr>
-          <p:cNvSpPr/>
-          <p:nvPr/>
-        </p:nvSpPr>
-        <p:spPr>
-          <a:xfrm>
-            <a:off x="8382616" y="5185139"/>
-            <a:ext cx="1428596" cy="646331"/>
-          </a:xfrm>
-          <a:prstGeom prst="rect">
-            <a:avLst/>
-          </a:prstGeom>
-          <a:noFill/>
-        </p:spPr>
-        <p:txBody>
-          <a:bodyPr wrap="none" lIns="91440" tIns="45720" rIns="91440" bIns="45720">
-            <a:spAutoFit/>
-          </a:bodyPr>
-          <a:lstStyle/>
-          <a:p>
-            <a:pPr algn="ctr"/>
-            <a:r>
-              <a:rPr lang="en-US" sz="3600" b="1" cap="none" spc="0" dirty="0">
-                <a:ln w="12700">
-                  <a:solidFill>
-                    <a:schemeClr val="accent1"/>
-                  </a:solidFill>
-                  <a:prstDash val="solid"/>
-                </a:ln>
-                <a:pattFill prst="pct50">
-                  <a:fgClr>
-                    <a:schemeClr val="accent1"/>
-                  </a:fgClr>
-                  <a:bgClr>
-                    <a:schemeClr val="accent1">
-                      <a:lumMod val="20000"/>
-                      <a:lumOff val="80000"/>
-                    </a:schemeClr>
-                  </a:bgClr>
-                </a:pattFill>
-                <a:effectLst>
-                  <a:outerShdw dist="38100" dir="2640000" algn="bl" rotWithShape="0">
-                    <a:schemeClr val="accent1"/>
-                  </a:outerShdw>
-                </a:effectLst>
-              </a:rPr>
-              <a:t>Ui app</a:t>
-            </a:r>
-          </a:p>
-        </p:txBody>
-      </p:sp>
-      <p:sp>
-        <p:nvSpPr>
-          <p:cNvPr id="12" name="Rectangle 11">
-            <a:extLst>
-              <a:ext uri="{FF2B5EF4-FFF2-40B4-BE49-F238E27FC236}">
-                <a16:creationId xmlns:a16="http://schemas.microsoft.com/office/drawing/2014/main" id="{61446C7C-1D47-44B3-8B95-327900942498}"/>
-              </a:ext>
-            </a:extLst>
-          </p:cNvPr>
-          <p:cNvSpPr/>
-          <p:nvPr/>
-        </p:nvSpPr>
-        <p:spPr>
-          <a:xfrm>
-            <a:off x="10493423" y="5185138"/>
-            <a:ext cx="1066318" cy="646331"/>
-          </a:xfrm>
-          <a:prstGeom prst="rect">
-            <a:avLst/>
-          </a:prstGeom>
-          <a:noFill/>
-        </p:spPr>
-        <p:txBody>
-          <a:bodyPr wrap="none" lIns="91440" tIns="45720" rIns="91440" bIns="45720">
-            <a:spAutoFit/>
-          </a:bodyPr>
-          <a:lstStyle/>
-          <a:p>
-            <a:pPr algn="ctr"/>
-            <a:r>
-              <a:rPr lang="en-US" sz="3600" b="1" cap="none" spc="0" dirty="0">
-                <a:ln w="12700">
-                  <a:solidFill>
-                    <a:schemeClr val="accent1"/>
-                  </a:solidFill>
-                  <a:prstDash val="solid"/>
-                </a:ln>
-                <a:pattFill prst="pct50">
-                  <a:fgClr>
-                    <a:schemeClr val="accent1"/>
-                  </a:fgClr>
-                  <a:bgClr>
-                    <a:schemeClr val="accent1">
-                      <a:lumMod val="20000"/>
-                      <a:lumOff val="80000"/>
-                    </a:schemeClr>
-                  </a:bgClr>
-                </a:pattFill>
-                <a:effectLst>
-                  <a:outerShdw dist="38100" dir="2640000" algn="bl" rotWithShape="0">
-                    <a:schemeClr val="accent1"/>
-                  </a:outerShdw>
-                </a:effectLst>
-              </a:rPr>
-              <a:t>User</a:t>
-            </a:r>
-          </a:p>
-        </p:txBody>
-      </p:sp>
-      <p:sp>
-        <p:nvSpPr>
-          <p:cNvPr id="15" name="Rectangle 14">
-            <a:extLst>
-              <a:ext uri="{FF2B5EF4-FFF2-40B4-BE49-F238E27FC236}">
-                <a16:creationId xmlns:a16="http://schemas.microsoft.com/office/drawing/2014/main" id="{6F27B7B8-F0D5-465E-8574-3E932C382946}"/>
-              </a:ext>
-            </a:extLst>
-          </p:cNvPr>
-          <p:cNvSpPr/>
-          <p:nvPr/>
-        </p:nvSpPr>
-        <p:spPr>
-          <a:xfrm>
-            <a:off x="1258044" y="5849735"/>
-            <a:ext cx="2556854" cy="923330"/>
-          </a:xfrm>
-          <a:prstGeom prst="rect">
-            <a:avLst/>
-          </a:prstGeom>
-          <a:noFill/>
-        </p:spPr>
-        <p:txBody>
-          <a:bodyPr wrap="none" lIns="91440" tIns="45720" rIns="91440" bIns="45720">
-            <a:spAutoFit/>
-          </a:bodyPr>
-          <a:lstStyle/>
-          <a:p>
-            <a:pPr algn="ctr"/>
-            <a:r>
-              <a:rPr lang="en-US" sz="5400" b="1" cap="none" spc="50" dirty="0">
-                <a:ln w="9525" cmpd="sng">
-                  <a:solidFill>
-                    <a:schemeClr val="accent1"/>
-                  </a:solidFill>
-                  <a:prstDash val="solid"/>
-                </a:ln>
-                <a:solidFill>
-                  <a:srgbClr val="70AD47">
-                    <a:tint val="1000"/>
-                  </a:srgbClr>
-                </a:solidFill>
-                <a:effectLst>
-                  <a:glow rad="38100">
-                    <a:schemeClr val="accent1">
-                      <a:alpha val="40000"/>
-                    </a:schemeClr>
-                  </a:glow>
-                </a:effectLst>
-              </a:rPr>
-              <a:t>Request</a:t>
-            </a:r>
-          </a:p>
-        </p:txBody>
-      </p:sp>
-      <p:sp>
-        <p:nvSpPr>
-          <p:cNvPr id="16" name="Rectangle 15">
-            <a:extLst>
-              <a:ext uri="{FF2B5EF4-FFF2-40B4-BE49-F238E27FC236}">
-                <a16:creationId xmlns:a16="http://schemas.microsoft.com/office/drawing/2014/main" id="{9B0996E6-DE67-4431-BD28-AB438761ED9C}"/>
-              </a:ext>
-            </a:extLst>
-          </p:cNvPr>
-          <p:cNvSpPr/>
-          <p:nvPr/>
-        </p:nvSpPr>
-        <p:spPr>
-          <a:xfrm>
-            <a:off x="8707483" y="5881035"/>
-            <a:ext cx="2978188" cy="923330"/>
-          </a:xfrm>
-          <a:prstGeom prst="rect">
-            <a:avLst/>
-          </a:prstGeom>
-          <a:noFill/>
-        </p:spPr>
-        <p:txBody>
-          <a:bodyPr wrap="none" lIns="91440" tIns="45720" rIns="91440" bIns="45720">
-            <a:spAutoFit/>
-          </a:bodyPr>
-          <a:lstStyle/>
-          <a:p>
-            <a:pPr algn="ctr"/>
-            <a:r>
-              <a:rPr lang="en-US" sz="5400" b="1" cap="none" spc="50" dirty="0">
-                <a:ln w="9525" cmpd="sng">
-                  <a:solidFill>
-                    <a:schemeClr val="accent1"/>
-                  </a:solidFill>
-                  <a:prstDash val="solid"/>
-                </a:ln>
-                <a:solidFill>
-                  <a:srgbClr val="70AD47">
-                    <a:tint val="1000"/>
-                  </a:srgbClr>
-                </a:solidFill>
-                <a:effectLst>
-                  <a:glow rad="38100">
-                    <a:schemeClr val="accent1">
-                      <a:alpha val="40000"/>
-                    </a:schemeClr>
-                  </a:glow>
-                </a:effectLst>
-              </a:rPr>
-              <a:t>Response</a:t>
-            </a:r>
-          </a:p>
-        </p:txBody>
-      </p:sp>
-      <p:cxnSp>
-        <p:nvCxnSpPr>
-          <p:cNvPr id="18" name="Straight Arrow Connector 17">
-            <a:extLst>
-              <a:ext uri="{FF2B5EF4-FFF2-40B4-BE49-F238E27FC236}">
-                <a16:creationId xmlns:a16="http://schemas.microsoft.com/office/drawing/2014/main" id="{0306F65F-82D4-4125-B7E1-6DE93D8B9BFA}"/>
-              </a:ext>
-            </a:extLst>
-          </p:cNvPr>
-          <p:cNvCxnSpPr>
-            <a:cxnSpLocks/>
-          </p:cNvCxnSpPr>
-          <p:nvPr/>
-        </p:nvCxnSpPr>
-        <p:spPr>
-          <a:xfrm>
-            <a:off x="3965067" y="6349900"/>
-            <a:ext cx="4742416" cy="31300"/>
-          </a:xfrm>
-          <a:prstGeom prst="straightConnector1">
-            <a:avLst/>
-          </a:prstGeom>
-          <a:ln>
-            <a:tailEnd type="triangle"/>
-          </a:ln>
-        </p:spPr>
-        <p:style>
-          <a:lnRef idx="3">
-            <a:schemeClr val="accent4"/>
-          </a:lnRef>
-          <a:fillRef idx="0">
-            <a:schemeClr val="accent4"/>
-          </a:fillRef>
-          <a:effectRef idx="2">
-            <a:schemeClr val="accent4"/>
-          </a:effectRef>
-          <a:fontRef idx="minor">
-            <a:schemeClr val="tx1"/>
-          </a:fontRef>
-        </p:style>
-      </p:cxnSp>
-      <p:sp>
-        <p:nvSpPr>
-          <p:cNvPr id="19" name="Rectangle 18">
-            <a:extLst>
-              <a:ext uri="{FF2B5EF4-FFF2-40B4-BE49-F238E27FC236}">
-                <a16:creationId xmlns:a16="http://schemas.microsoft.com/office/drawing/2014/main" id="{E39B85B7-FAAA-4F38-A0BD-D09172109A9D}"/>
-              </a:ext>
-            </a:extLst>
-          </p:cNvPr>
-          <p:cNvSpPr/>
-          <p:nvPr/>
-        </p:nvSpPr>
-        <p:spPr>
-          <a:xfrm>
-            <a:off x="5901124" y="5885127"/>
-            <a:ext cx="720134" cy="523220"/>
-          </a:xfrm>
-          <a:prstGeom prst="rect">
-            <a:avLst/>
-          </a:prstGeom>
-          <a:noFill/>
-        </p:spPr>
-        <p:txBody>
-          <a:bodyPr wrap="none" lIns="91440" tIns="45720" rIns="91440" bIns="45720">
-            <a:spAutoFit/>
-          </a:bodyPr>
-          <a:lstStyle/>
-          <a:p>
-            <a:pPr algn="ctr"/>
-            <a:r>
-              <a:rPr lang="en-US" sz="2800" b="0" cap="none" spc="0" dirty="0">
-                <a:ln w="0"/>
-                <a:solidFill>
-                  <a:schemeClr val="tx1"/>
-                </a:solidFill>
-                <a:effectLst>
-                  <a:outerShdw blurRad="38100" dist="19050" dir="2700000" algn="tl" rotWithShape="0">
-                    <a:schemeClr val="dk1">
-                      <a:alpha val="40000"/>
-                    </a:schemeClr>
-                  </a:outerShdw>
-                </a:effectLst>
-              </a:rPr>
-              <a:t>wss</a:t>
-            </a:r>
-          </a:p>
-        </p:txBody>
-      </p:sp>
-      <p:sp>
-        <p:nvSpPr>
-          <p:cNvPr id="3" name="Oval 2">
-            <a:extLst>
-              <a:ext uri="{FF2B5EF4-FFF2-40B4-BE49-F238E27FC236}">
-                <a16:creationId xmlns:a16="http://schemas.microsoft.com/office/drawing/2014/main" id="{9B461F52-82F2-4CEC-A293-E51BF6BD3B6E}"/>
-              </a:ext>
-            </a:extLst>
-          </p:cNvPr>
-          <p:cNvSpPr/>
-          <p:nvPr/>
-        </p:nvSpPr>
-        <p:spPr>
-          <a:xfrm>
-            <a:off x="9885145" y="731520"/>
-            <a:ext cx="1800526" cy="1754326"/>
-          </a:xfrm>
-          <a:prstGeom prst="ellipse">
-            <a:avLst/>
-          </a:prstGeom>
-        </p:spPr>
-        <p:style>
-          <a:lnRef idx="2">
-            <a:schemeClr val="accent6"/>
-          </a:lnRef>
-          <a:fillRef idx="1">
-            <a:schemeClr val="lt1"/>
-          </a:fillRef>
-          <a:effectRef idx="0">
-            <a:schemeClr val="accent6"/>
-          </a:effectRef>
-          <a:fontRef idx="minor">
-            <a:schemeClr val="dk1"/>
-          </a:fontRef>
-        </p:style>
-        <p:txBody>
-          <a:bodyPr rtlCol="0" anchor="ctr"/>
-          <a:lstStyle/>
-          <a:p>
-            <a:pPr algn="ctr"/>
-            <a:r>
-              <a:rPr lang="en-US" dirty="0"/>
-              <a:t>Producer</a:t>
-            </a:r>
-            <a:endParaRPr lang="en-IN" dirty="0"/>
-          </a:p>
-        </p:txBody>
-      </p:sp>
-      <p:sp>
-        <p:nvSpPr>
-          <p:cNvPr id="17" name="Oval 16">
-            <a:extLst>
-              <a:ext uri="{FF2B5EF4-FFF2-40B4-BE49-F238E27FC236}">
-                <a16:creationId xmlns:a16="http://schemas.microsoft.com/office/drawing/2014/main" id="{17FE9339-AC95-4AED-8557-BDA922818A53}"/>
-              </a:ext>
-            </a:extLst>
-          </p:cNvPr>
-          <p:cNvSpPr/>
-          <p:nvPr/>
-        </p:nvSpPr>
-        <p:spPr>
-          <a:xfrm>
-            <a:off x="5594054" y="1787837"/>
-            <a:ext cx="1289786" cy="1203158"/>
-          </a:xfrm>
-          <a:prstGeom prst="ellipse">
-            <a:avLst/>
-          </a:prstGeom>
-        </p:spPr>
-        <p:style>
-          <a:lnRef idx="2">
-            <a:schemeClr val="accent6"/>
-          </a:lnRef>
-          <a:fillRef idx="1">
-            <a:schemeClr val="lt1"/>
-          </a:fillRef>
-          <a:effectRef idx="0">
-            <a:schemeClr val="accent6"/>
-          </a:effectRef>
-          <a:fontRef idx="minor">
-            <a:schemeClr val="dk1"/>
-          </a:fontRef>
-        </p:style>
-        <p:txBody>
-          <a:bodyPr rtlCol="0" anchor="ctr"/>
-          <a:lstStyle/>
-          <a:p>
-            <a:pPr algn="ctr"/>
-            <a:r>
-              <a:rPr lang="en-US" dirty="0"/>
-              <a:t>Active MQ</a:t>
-            </a:r>
-            <a:endParaRPr lang="en-IN" dirty="0"/>
-          </a:p>
-        </p:txBody>
-      </p:sp>
-      <p:cxnSp>
-        <p:nvCxnSpPr>
-          <p:cNvPr id="20" name="Straight Arrow Connector 19">
-            <a:extLst>
-              <a:ext uri="{FF2B5EF4-FFF2-40B4-BE49-F238E27FC236}">
-                <a16:creationId xmlns:a16="http://schemas.microsoft.com/office/drawing/2014/main" id="{1355DA27-B1F8-4FA3-8576-EB2C45335DA5}"/>
-              </a:ext>
-            </a:extLst>
-          </p:cNvPr>
-          <p:cNvCxnSpPr>
-            <a:cxnSpLocks/>
-          </p:cNvCxnSpPr>
-          <p:nvPr/>
-        </p:nvCxnSpPr>
-        <p:spPr>
-          <a:xfrm flipV="1">
-            <a:off x="5091764" y="2477588"/>
-            <a:ext cx="502290" cy="862378"/>
-          </a:xfrm>
-          <a:prstGeom prst="straightConnector1">
-            <a:avLst/>
-          </a:prstGeom>
-          <a:ln>
-            <a:tailEnd type="triangle"/>
-          </a:ln>
-        </p:spPr>
-        <p:style>
-          <a:lnRef idx="3">
-            <a:schemeClr val="accent3"/>
-          </a:lnRef>
-          <a:fillRef idx="0">
-            <a:schemeClr val="accent3"/>
-          </a:fillRef>
-          <a:effectRef idx="2">
-            <a:schemeClr val="accent3"/>
-          </a:effectRef>
-          <a:fontRef idx="minor">
-            <a:schemeClr val="tx1"/>
-          </a:fontRef>
-        </p:style>
-      </p:cxnSp>
-      <p:cxnSp>
-        <p:nvCxnSpPr>
-          <p:cNvPr id="21" name="Straight Arrow Connector 20">
-            <a:extLst>
-              <a:ext uri="{FF2B5EF4-FFF2-40B4-BE49-F238E27FC236}">
-                <a16:creationId xmlns:a16="http://schemas.microsoft.com/office/drawing/2014/main" id="{6B9D9AEC-7C82-4A18-8476-D0FF9528C2BD}"/>
-              </a:ext>
-            </a:extLst>
-          </p:cNvPr>
-          <p:cNvCxnSpPr>
-            <a:cxnSpLocks/>
-          </p:cNvCxnSpPr>
-          <p:nvPr/>
-        </p:nvCxnSpPr>
-        <p:spPr>
-          <a:xfrm>
-            <a:off x="6883840" y="2379791"/>
-            <a:ext cx="517987" cy="950550"/>
-          </a:xfrm>
-          <a:prstGeom prst="straightConnector1">
-            <a:avLst/>
-          </a:prstGeom>
-          <a:ln>
-            <a:tailEnd type="triangle"/>
-          </a:ln>
-        </p:spPr>
-        <p:style>
-          <a:lnRef idx="3">
-            <a:schemeClr val="accent3"/>
-          </a:lnRef>
-          <a:fillRef idx="0">
-            <a:schemeClr val="accent3"/>
-          </a:fillRef>
-          <a:effectRef idx="2">
-            <a:schemeClr val="accent3"/>
-          </a:effectRef>
-          <a:fontRef idx="minor">
-            <a:schemeClr val="tx1"/>
-          </a:fontRef>
-        </p:style>
-      </p:cxnSp>
-      <p:cxnSp>
-        <p:nvCxnSpPr>
-          <p:cNvPr id="5" name="Straight Arrow Connector 4">
-            <a:extLst>
-              <a:ext uri="{FF2B5EF4-FFF2-40B4-BE49-F238E27FC236}">
-                <a16:creationId xmlns:a16="http://schemas.microsoft.com/office/drawing/2014/main" id="{03FB7EB3-71D9-495C-9FE8-879645CC8BB8}"/>
-              </a:ext>
-            </a:extLst>
-          </p:cNvPr>
-          <p:cNvCxnSpPr>
-            <a:stCxn id="3" idx="2"/>
-            <a:endCxn id="17" idx="7"/>
-          </p:cNvCxnSpPr>
-          <p:nvPr/>
-        </p:nvCxnSpPr>
-        <p:spPr>
-          <a:xfrm flipH="1">
-            <a:off x="6694955" y="1608683"/>
-            <a:ext cx="3190190" cy="355352"/>
-          </a:xfrm>
-          <a:prstGeom prst="straightConnector1">
-            <a:avLst/>
-          </a:prstGeom>
-          <a:ln>
-            <a:tailEnd type="triangle"/>
-          </a:ln>
-        </p:spPr>
-        <p:style>
-          <a:lnRef idx="3">
-            <a:schemeClr val="accent2"/>
-          </a:lnRef>
-          <a:fillRef idx="0">
-            <a:schemeClr val="accent2"/>
-          </a:fillRef>
-          <a:effectRef idx="2">
-            <a:schemeClr val="accent2"/>
-          </a:effectRef>
-          <a:fontRef idx="minor">
-            <a:schemeClr val="tx1"/>
-          </a:fontRef>
-        </p:style>
-      </p:cxnSp>
-    </p:spTree>
-    <p:extLst>
-      <p:ext uri="{BB962C8B-B14F-4D97-AF65-F5344CB8AC3E}">
-        <p14:creationId xmlns:p14="http://schemas.microsoft.com/office/powerpoint/2010/main" val="3035775415"/>
-      </p:ext>
-    </p:extLst>
-  </p:cSld>
-  <p:clrMapOvr>
-    <a:masterClrMapping/>
-  </p:clrMapOvr>
-</p:sld>
-</file>
-
-<file path=ppt/slides/slide6.xml><?xml version="1.0" encoding="utf-8"?>
-<p:sld xmlns:a="http://schemas.openxmlformats.org/drawingml/2006/main" xmlns:r="http://schemas.openxmlformats.org/officeDocument/2006/relationships" xmlns:p="http://schemas.openxmlformats.org/presentationml/2006/main">
-  <p:cSld>
-    <p:spTree>
-      <p:nvGrpSpPr>
-        <p:cNvPr id="1" name=""/>
-        <p:cNvGrpSpPr/>
-        <p:nvPr/>
-      </p:nvGrpSpPr>
-      <p:grpSpPr>
-        <a:xfrm>
-          <a:off x="0" y="0"/>
-          <a:ext cx="0" cy="0"/>
-          <a:chOff x="0" y="0"/>
-          <a:chExt cx="0" cy="0"/>
-        </a:xfrm>
-      </p:grpSpPr>
-      <p:sp>
-        <p:nvSpPr>
-          <p:cNvPr id="3" name="Rectangle 2">
-            <a:extLst>
-              <a:ext uri="{FF2B5EF4-FFF2-40B4-BE49-F238E27FC236}">
-                <a16:creationId xmlns:a16="http://schemas.microsoft.com/office/drawing/2014/main" id="{A22D7E99-5DE3-4E97-A8B2-327F59F6DD5A}"/>
-              </a:ext>
-            </a:extLst>
-          </p:cNvPr>
-          <p:cNvSpPr/>
-          <p:nvPr/>
-        </p:nvSpPr>
-        <p:spPr>
-          <a:xfrm>
-            <a:off x="0" y="112375"/>
-            <a:ext cx="12119013" cy="923330"/>
-          </a:xfrm>
-          <a:prstGeom prst="rect">
-            <a:avLst/>
-          </a:prstGeom>
-          <a:noFill/>
-        </p:spPr>
-        <p:txBody>
-          <a:bodyPr wrap="square" lIns="91440" tIns="45720" rIns="91440" bIns="45720">
-            <a:spAutoFit/>
-          </a:bodyPr>
-          <a:lstStyle/>
-          <a:p>
-            <a:r>
-              <a:rPr lang="en-US" sz="5400" b="1" dirty="0">
-                <a:ln w="9525">
-                  <a:solidFill>
-                    <a:schemeClr val="bg1"/>
-                  </a:solidFill>
-                  <a:prstDash val="solid"/>
-                </a:ln>
-                <a:effectLst>
-                  <a:outerShdw blurRad="12700" dist="38100" dir="2700000" algn="tl" rotWithShape="0">
-                    <a:schemeClr val="bg1">
-                      <a:lumMod val="50000"/>
-                    </a:schemeClr>
-                  </a:outerShdw>
-                </a:effectLst>
-              </a:rPr>
-              <a:t>Produces Message from UI</a:t>
-            </a:r>
-            <a:r>
-              <a:rPr lang="en-US" sz="5400" b="1" cap="none" spc="0" dirty="0">
-                <a:ln w="9525">
-                  <a:solidFill>
-                    <a:schemeClr val="bg1"/>
-                  </a:solidFill>
-                  <a:prstDash val="solid"/>
-                </a:ln>
-                <a:solidFill>
-                  <a:schemeClr val="tx1"/>
-                </a:solidFill>
-                <a:effectLst>
-                  <a:outerShdw blurRad="12700" dist="38100" dir="2700000" algn="tl" rotWithShape="0">
-                    <a:schemeClr val="bg1">
-                      <a:lumMod val="50000"/>
-                    </a:schemeClr>
-                  </a:outerShdw>
-                </a:effectLst>
-              </a:rPr>
-              <a:t> </a:t>
-            </a:r>
-          </a:p>
-        </p:txBody>
-      </p:sp>
-      <p:sp>
-        <p:nvSpPr>
-          <p:cNvPr id="4" name="TextBox 3">
-            <a:extLst>
-              <a:ext uri="{FF2B5EF4-FFF2-40B4-BE49-F238E27FC236}">
-                <a16:creationId xmlns:a16="http://schemas.microsoft.com/office/drawing/2014/main" id="{E0F1CFDA-B530-495C-A791-6ED71512AD10}"/>
-              </a:ext>
-            </a:extLst>
-          </p:cNvPr>
-          <p:cNvSpPr txBox="1"/>
-          <p:nvPr/>
-        </p:nvSpPr>
-        <p:spPr>
-          <a:xfrm>
-            <a:off x="5831841" y="2090172"/>
-            <a:ext cx="5381592" cy="2677656"/>
-          </a:xfrm>
-          <a:prstGeom prst="rect">
-            <a:avLst/>
-          </a:prstGeom>
-          <a:noFill/>
-        </p:spPr>
-        <p:txBody>
-          <a:bodyPr wrap="square" rtlCol="0">
-            <a:spAutoFit/>
-          </a:bodyPr>
-          <a:lstStyle/>
-          <a:p>
-            <a:pPr algn="ctr"/>
-            <a:r>
-              <a:rPr lang="en-US" sz="2400" dirty="0"/>
-              <a:t>Created an UI Application</a:t>
-            </a:r>
-            <a:r>
-              <a:rPr lang="en-IN" sz="2400" dirty="0"/>
-              <a:t> which generates or sends message to Active MQ via Spring boot.</a:t>
-            </a:r>
-          </a:p>
-          <a:p>
-            <a:pPr algn="ctr"/>
-            <a:endParaRPr lang="en-IN" sz="2400" dirty="0"/>
-          </a:p>
-          <a:p>
-            <a:pPr algn="ctr"/>
-            <a:r>
-              <a:rPr lang="en-IN" sz="2400" dirty="0"/>
-              <a:t>Eg: created patient entry form as an example to send message from UI (Web/Mobile)</a:t>
-            </a:r>
-            <a:endParaRPr lang="en-US" sz="2400" dirty="0"/>
-          </a:p>
-        </p:txBody>
-      </p:sp>
-      <p:pic>
-        <p:nvPicPr>
-          <p:cNvPr id="6" name="Picture 5">
-            <a:extLst>
-              <a:ext uri="{FF2B5EF4-FFF2-40B4-BE49-F238E27FC236}">
-                <a16:creationId xmlns:a16="http://schemas.microsoft.com/office/drawing/2014/main" id="{D386A749-3451-4F9B-9AC1-039D1AADEEA9}"/>
-              </a:ext>
-            </a:extLst>
-          </p:cNvPr>
-          <p:cNvPicPr>
-            <a:picLocks noChangeAspect="1"/>
-          </p:cNvPicPr>
-          <p:nvPr/>
-        </p:nvPicPr>
-        <p:blipFill>
-          <a:blip r:embed="rId2"/>
-          <a:stretch>
-            <a:fillRect/>
-          </a:stretch>
-        </p:blipFill>
-        <p:spPr>
-          <a:xfrm>
-            <a:off x="902406" y="1540042"/>
-            <a:ext cx="4304861" cy="5055312"/>
-          </a:xfrm>
-          <a:prstGeom prst="rect">
-            <a:avLst/>
-          </a:prstGeom>
-          <a:ln>
-            <a:noFill/>
-          </a:ln>
-          <a:effectLst>
-            <a:reflection blurRad="12700" stA="30000" endPos="30000" dist="5000" dir="5400000" sy="-100000" algn="bl" rotWithShape="0"/>
-          </a:effectLst>
-          <a:scene3d>
-            <a:camera prst="perspectiveContrastingLeftFacing">
-              <a:rot lat="300000" lon="19800000" rev="0"/>
-            </a:camera>
-            <a:lightRig rig="threePt" dir="t">
-              <a:rot lat="0" lon="0" rev="2700000"/>
-            </a:lightRig>
-          </a:scene3d>
-          <a:sp3d>
-            <a:bevelT w="63500" h="50800"/>
-          </a:sp3d>
-        </p:spPr>
-      </p:pic>
-    </p:spTree>
-    <p:extLst>
-      <p:ext uri="{BB962C8B-B14F-4D97-AF65-F5344CB8AC3E}">
-        <p14:creationId xmlns:p14="http://schemas.microsoft.com/office/powerpoint/2010/main" val="2649147336"/>
-      </p:ext>
-    </p:extLst>
-  </p:cSld>
-  <p:clrMapOvr>
-    <a:masterClrMapping/>
-  </p:clrMapOvr>
-</p:sld>
-</file>
-
-<file path=ppt/slides/slide7.xml><?xml version="1.0" encoding="utf-8"?>
-<p:sld xmlns:a="http://schemas.openxmlformats.org/drawingml/2006/main" xmlns:r="http://schemas.openxmlformats.org/officeDocument/2006/relationships" xmlns:p="http://schemas.openxmlformats.org/presentationml/2006/main">
-  <p:cSld>
-    <p:spTree>
-      <p:nvGrpSpPr>
-        <p:cNvPr id="1" name=""/>
-        <p:cNvGrpSpPr/>
-        <p:nvPr/>
-      </p:nvGrpSpPr>
-      <p:grpSpPr>
-        <a:xfrm>
-          <a:off x="0" y="0"/>
-          <a:ext cx="0" cy="0"/>
-          <a:chOff x="0" y="0"/>
-          <a:chExt cx="0" cy="0"/>
-        </a:xfrm>
-      </p:grpSpPr>
-      <p:sp>
-        <p:nvSpPr>
-          <p:cNvPr id="3" name="Rectangle 2">
-            <a:extLst>
-              <a:ext uri="{FF2B5EF4-FFF2-40B4-BE49-F238E27FC236}">
-                <a16:creationId xmlns:a16="http://schemas.microsoft.com/office/drawing/2014/main" id="{A22D7E99-5DE3-4E97-A8B2-327F59F6DD5A}"/>
-              </a:ext>
-            </a:extLst>
-          </p:cNvPr>
-          <p:cNvSpPr/>
-          <p:nvPr/>
-        </p:nvSpPr>
-        <p:spPr>
-          <a:xfrm>
-            <a:off x="0" y="112375"/>
-            <a:ext cx="12119013" cy="923330"/>
-          </a:xfrm>
-          <a:prstGeom prst="rect">
-            <a:avLst/>
-          </a:prstGeom>
-          <a:noFill/>
-        </p:spPr>
-        <p:txBody>
-          <a:bodyPr wrap="square" lIns="91440" tIns="45720" rIns="91440" bIns="45720">
-            <a:spAutoFit/>
-          </a:bodyPr>
-          <a:lstStyle/>
-          <a:p>
-            <a:r>
-              <a:rPr lang="en-US" sz="5400" b="1" dirty="0">
-                <a:ln w="9525">
-                  <a:solidFill>
-                    <a:schemeClr val="bg1"/>
-                  </a:solidFill>
-                  <a:prstDash val="solid"/>
-                </a:ln>
-                <a:effectLst>
-                  <a:outerShdw blurRad="12700" dist="38100" dir="2700000" algn="tl" rotWithShape="0">
-                    <a:schemeClr val="bg1">
-                      <a:lumMod val="50000"/>
-                    </a:schemeClr>
-                  </a:outerShdw>
-                </a:effectLst>
-              </a:rPr>
-              <a:t>Receives Message from Active MQ to UI</a:t>
-            </a:r>
-            <a:r>
-              <a:rPr lang="en-US" sz="5400" b="1" cap="none" spc="0" dirty="0">
-                <a:ln w="9525">
-                  <a:solidFill>
-                    <a:schemeClr val="bg1"/>
-                  </a:solidFill>
-                  <a:prstDash val="solid"/>
-                </a:ln>
-                <a:solidFill>
-                  <a:schemeClr val="tx1"/>
-                </a:solidFill>
-                <a:effectLst>
-                  <a:outerShdw blurRad="12700" dist="38100" dir="2700000" algn="tl" rotWithShape="0">
-                    <a:schemeClr val="bg1">
-                      <a:lumMod val="50000"/>
-                    </a:schemeClr>
-                  </a:outerShdw>
-                </a:effectLst>
-              </a:rPr>
-              <a:t> </a:t>
-            </a:r>
-          </a:p>
-        </p:txBody>
-      </p:sp>
-      <p:sp>
-        <p:nvSpPr>
-          <p:cNvPr id="4" name="TextBox 3">
-            <a:extLst>
-              <a:ext uri="{FF2B5EF4-FFF2-40B4-BE49-F238E27FC236}">
-                <a16:creationId xmlns:a16="http://schemas.microsoft.com/office/drawing/2014/main" id="{E0F1CFDA-B530-495C-A791-6ED71512AD10}"/>
-              </a:ext>
-            </a:extLst>
-          </p:cNvPr>
-          <p:cNvSpPr txBox="1"/>
-          <p:nvPr/>
-        </p:nvSpPr>
-        <p:spPr>
-          <a:xfrm>
-            <a:off x="6810408" y="1953802"/>
-            <a:ext cx="5381592" cy="3416320"/>
-          </a:xfrm>
-          <a:prstGeom prst="rect">
-            <a:avLst/>
-          </a:prstGeom>
-          <a:noFill/>
-        </p:spPr>
-        <p:txBody>
-          <a:bodyPr wrap="square" rtlCol="0">
-            <a:spAutoFit/>
-          </a:bodyPr>
-          <a:lstStyle/>
-          <a:p>
-            <a:pPr algn="ctr"/>
-            <a:r>
-              <a:rPr lang="en-US" sz="2400" dirty="0"/>
-              <a:t>Created an UI Application</a:t>
-            </a:r>
-            <a:r>
-              <a:rPr lang="en-IN" sz="2400" dirty="0"/>
-              <a:t> which receives message  from Active MQ via Spring boot with WebSocket.</a:t>
-            </a:r>
-          </a:p>
-          <a:p>
-            <a:pPr algn="ctr"/>
-            <a:endParaRPr lang="en-IN" sz="2400" dirty="0"/>
-          </a:p>
-          <a:p>
-            <a:pPr algn="ctr"/>
-            <a:r>
-              <a:rPr lang="en-IN" sz="2400" dirty="0"/>
-              <a:t>Eg: created patient list table which receives data from Active MQ (Spring boot).  when user sends Information form  Other UI App(Web/Mobile) this table will get that data without refresh</a:t>
-            </a:r>
-            <a:endParaRPr lang="en-US" sz="2400" dirty="0"/>
-          </a:p>
-        </p:txBody>
-      </p:sp>
-      <p:pic>
-        <p:nvPicPr>
-          <p:cNvPr id="5" name="Picture 4">
-            <a:extLst>
-              <a:ext uri="{FF2B5EF4-FFF2-40B4-BE49-F238E27FC236}">
-                <a16:creationId xmlns:a16="http://schemas.microsoft.com/office/drawing/2014/main" id="{6E05A84F-23BE-4DDC-A3E2-8AB550423C39}"/>
-              </a:ext>
-            </a:extLst>
-          </p:cNvPr>
-          <p:cNvPicPr>
-            <a:picLocks noChangeAspect="1"/>
-          </p:cNvPicPr>
-          <p:nvPr/>
-        </p:nvPicPr>
-        <p:blipFill>
-          <a:blip r:embed="rId2"/>
-          <a:stretch>
-            <a:fillRect/>
-          </a:stretch>
-        </p:blipFill>
-        <p:spPr>
-          <a:xfrm>
-            <a:off x="269705" y="1778000"/>
-            <a:ext cx="7153141" cy="3918677"/>
-          </a:xfrm>
-          <a:prstGeom prst="rect">
-            <a:avLst/>
-          </a:prstGeom>
-          <a:ln>
-            <a:noFill/>
-          </a:ln>
-          <a:effectLst>
-            <a:reflection blurRad="12700" stA="30000" endPos="30000" dist="5000" dir="5400000" sy="-100000" algn="bl" rotWithShape="0"/>
-          </a:effectLst>
-          <a:scene3d>
-            <a:camera prst="perspectiveContrastingLeftFacing">
-              <a:rot lat="300000" lon="19800000" rev="0"/>
-            </a:camera>
-            <a:lightRig rig="threePt" dir="t">
-              <a:rot lat="0" lon="0" rev="2700000"/>
-            </a:lightRig>
-          </a:scene3d>
-          <a:sp3d>
-            <a:bevelT w="63500" h="50800"/>
-          </a:sp3d>
-        </p:spPr>
-      </p:pic>
-    </p:spTree>
-    <p:extLst>
-      <p:ext uri="{BB962C8B-B14F-4D97-AF65-F5344CB8AC3E}">
-        <p14:creationId xmlns:p14="http://schemas.microsoft.com/office/powerpoint/2010/main" val="3899301916"/>
-      </p:ext>
-    </p:extLst>
-  </p:cSld>
-  <p:clrMapOvr>
-    <a:masterClrMapping/>
-  </p:clrMapOvr>
-</p:sld>
-</file>
-
-<file path=ppt/slides/slide8.xml><?xml version="1.0" encoding="utf-8"?>
-<p:sld xmlns:a="http://schemas.openxmlformats.org/drawingml/2006/main" xmlns:r="http://schemas.openxmlformats.org/officeDocument/2006/relationships" xmlns:p="http://schemas.openxmlformats.org/presentationml/2006/main">
-  <p:cSld>
-    <p:spTree>
-      <p:nvGrpSpPr>
-        <p:cNvPr id="1" name=""/>
-        <p:cNvGrpSpPr/>
-        <p:nvPr/>
-      </p:nvGrpSpPr>
-      <p:grpSpPr>
-        <a:xfrm>
-          <a:off x="0" y="0"/>
-          <a:ext cx="0" cy="0"/>
-          <a:chOff x="0" y="0"/>
-          <a:chExt cx="0" cy="0"/>
-        </a:xfrm>
-      </p:grpSpPr>
-      <p:pic>
-        <p:nvPicPr>
-          <p:cNvPr id="3" name="Picture 2">
-            <a:extLst>
-              <a:ext uri="{FF2B5EF4-FFF2-40B4-BE49-F238E27FC236}">
-                <a16:creationId xmlns:a16="http://schemas.microsoft.com/office/drawing/2014/main" id="{5C185E65-79B1-4F60-90D7-3B8AF5E1D925}"/>
-              </a:ext>
-            </a:extLst>
-          </p:cNvPr>
-          <p:cNvPicPr>
-            <a:picLocks noChangeAspect="1"/>
-          </p:cNvPicPr>
-          <p:nvPr/>
-        </p:nvPicPr>
-        <p:blipFill rotWithShape="1">
-          <a:blip r:embed="rId2"/>
-          <a:srcRect l="1250" t="11704" r="1250" b="10074"/>
-          <a:stretch/>
-        </p:blipFill>
-        <p:spPr>
-          <a:xfrm>
-            <a:off x="152400" y="1432560"/>
-            <a:ext cx="11887200" cy="5364480"/>
-          </a:xfrm>
-          <a:prstGeom prst="rect">
-            <a:avLst/>
-          </a:prstGeom>
-        </p:spPr>
-      </p:pic>
-      <p:sp>
-        <p:nvSpPr>
-          <p:cNvPr id="4" name="Rectangle 3">
-            <a:extLst>
-              <a:ext uri="{FF2B5EF4-FFF2-40B4-BE49-F238E27FC236}">
-                <a16:creationId xmlns:a16="http://schemas.microsoft.com/office/drawing/2014/main" id="{2F210049-46BC-4F06-8772-5A9773FCAD6A}"/>
-              </a:ext>
-            </a:extLst>
-          </p:cNvPr>
-          <p:cNvSpPr/>
-          <p:nvPr/>
-        </p:nvSpPr>
-        <p:spPr>
-          <a:xfrm>
-            <a:off x="0" y="0"/>
-            <a:ext cx="7229928" cy="830997"/>
-          </a:xfrm>
-          <a:prstGeom prst="rect">
-            <a:avLst/>
-          </a:prstGeom>
-          <a:noFill/>
-        </p:spPr>
-        <p:txBody>
-          <a:bodyPr wrap="none" lIns="91440" tIns="45720" rIns="91440" bIns="45720">
-            <a:spAutoFit/>
-          </a:bodyPr>
-          <a:lstStyle/>
-          <a:p>
-            <a:pPr algn="ctr"/>
-            <a:r>
-              <a:rPr lang="en-US" sz="4800" b="1" cap="none" spc="0">
-                <a:ln w="13462">
-                  <a:solidFill>
-                    <a:schemeClr val="bg1"/>
-                  </a:solidFill>
-                  <a:prstDash val="solid"/>
-                </a:ln>
-                <a:solidFill>
-                  <a:schemeClr val="tx1">
-                    <a:lumMod val="85000"/>
-                    <a:lumOff val="15000"/>
-                  </a:schemeClr>
-                </a:solidFill>
-                <a:effectLst>
-                  <a:outerShdw dist="38100" dir="2700000" algn="bl" rotWithShape="0">
-                    <a:schemeClr val="accent5"/>
-                  </a:outerShdw>
-                </a:effectLst>
-              </a:rPr>
-              <a:t>Sending and Receiving Data</a:t>
-            </a:r>
-            <a:endParaRPr lang="en-US" sz="4800" b="1" cap="none" spc="0" dirty="0">
-              <a:ln w="13462">
-                <a:solidFill>
-                  <a:schemeClr val="bg1"/>
-                </a:solidFill>
-                <a:prstDash val="solid"/>
-              </a:ln>
-              <a:solidFill>
-                <a:schemeClr val="tx1">
-                  <a:lumMod val="85000"/>
-                  <a:lumOff val="15000"/>
-                </a:schemeClr>
-              </a:solidFill>
-              <a:effectLst>
-                <a:outerShdw dist="38100" dir="2700000" algn="bl" rotWithShape="0">
-                  <a:schemeClr val="accent5"/>
-                </a:outerShdw>
-              </a:effectLst>
-            </a:endParaRPr>
-          </a:p>
-        </p:txBody>
-      </p:sp>
-      <p:sp>
-        <p:nvSpPr>
-          <p:cNvPr id="5" name="Rectangle 4">
-            <a:extLst>
-              <a:ext uri="{FF2B5EF4-FFF2-40B4-BE49-F238E27FC236}">
-                <a16:creationId xmlns:a16="http://schemas.microsoft.com/office/drawing/2014/main" id="{002A2D9B-B2AD-41DB-9C27-5BE2E2E4838A}"/>
-              </a:ext>
-            </a:extLst>
-          </p:cNvPr>
-          <p:cNvSpPr/>
-          <p:nvPr/>
-        </p:nvSpPr>
-        <p:spPr>
-          <a:xfrm>
-            <a:off x="152400" y="863767"/>
-            <a:ext cx="3392980" cy="523220"/>
-          </a:xfrm>
-          <a:prstGeom prst="rect">
-            <a:avLst/>
-          </a:prstGeom>
-          <a:noFill/>
-        </p:spPr>
-        <p:txBody>
-          <a:bodyPr wrap="none" lIns="91440" tIns="45720" rIns="91440" bIns="45720">
-            <a:spAutoFit/>
-          </a:bodyPr>
-          <a:lstStyle/>
-          <a:p>
-            <a:pPr algn="ctr"/>
-            <a:r>
-              <a:rPr lang="en-US" sz="2800" b="1" cap="none" spc="0" dirty="0">
-                <a:ln w="6600">
-                  <a:solidFill>
-                    <a:schemeClr val="accent2"/>
-                  </a:solidFill>
-                  <a:prstDash val="solid"/>
-                </a:ln>
-                <a:solidFill>
-                  <a:srgbClr val="FFFFFF"/>
-                </a:solidFill>
-                <a:effectLst>
-                  <a:outerShdw dist="38100" dir="2700000" algn="tl" rotWithShape="0">
-                    <a:schemeClr val="accent2"/>
-                  </a:outerShdw>
-                </a:effectLst>
-              </a:rPr>
-              <a:t>http://localhost:4200</a:t>
-            </a:r>
-          </a:p>
-        </p:txBody>
-      </p:sp>
-      <p:sp>
-        <p:nvSpPr>
-          <p:cNvPr id="7" name="Rectangle 6">
-            <a:extLst>
-              <a:ext uri="{FF2B5EF4-FFF2-40B4-BE49-F238E27FC236}">
-                <a16:creationId xmlns:a16="http://schemas.microsoft.com/office/drawing/2014/main" id="{0460A318-71EC-4DD1-B1C8-005332717D9F}"/>
-              </a:ext>
-            </a:extLst>
-          </p:cNvPr>
-          <p:cNvSpPr/>
-          <p:nvPr/>
-        </p:nvSpPr>
-        <p:spPr>
-          <a:xfrm>
-            <a:off x="5947483" y="870168"/>
-            <a:ext cx="5753306" cy="523220"/>
-          </a:xfrm>
-          <a:prstGeom prst="rect">
-            <a:avLst/>
-          </a:prstGeom>
-          <a:noFill/>
-        </p:spPr>
-        <p:txBody>
-          <a:bodyPr wrap="none" lIns="91440" tIns="45720" rIns="91440" bIns="45720">
-            <a:spAutoFit/>
-          </a:bodyPr>
-          <a:lstStyle/>
-          <a:p>
-            <a:pPr algn="ctr"/>
-            <a:r>
-              <a:rPr lang="en-US" sz="2800" b="1" cap="none" spc="0" dirty="0">
-                <a:ln w="6600">
-                  <a:solidFill>
-                    <a:schemeClr val="accent2"/>
-                  </a:solidFill>
-                  <a:prstDash val="solid"/>
-                </a:ln>
-                <a:solidFill>
-                  <a:srgbClr val="FFFFFF"/>
-                </a:solidFill>
-                <a:effectLst>
-                  <a:outerShdw dist="38100" dir="2700000" algn="tl" rotWithShape="0">
-                    <a:schemeClr val="accent2"/>
-                  </a:outerShdw>
-                </a:effectLst>
-              </a:rPr>
-              <a:t>http://localhost:4200/cpm-consumer</a:t>
-            </a:r>
-          </a:p>
-        </p:txBody>
-      </p:sp>
-    </p:spTree>
-    <p:extLst>
-      <p:ext uri="{BB962C8B-B14F-4D97-AF65-F5344CB8AC3E}">
-        <p14:creationId xmlns:p14="http://schemas.microsoft.com/office/powerpoint/2010/main" val="2020388959"/>
-      </p:ext>
-    </p:extLst>
-  </p:cSld>
-  <p:clrMapOvr>
-    <a:masterClrMapping/>
-  </p:clrMapOvr>
-</p:sld>
-</file>
-
-<file path=ppt/slides/slide9.xml><?xml version="1.0" encoding="utf-8"?>
+<file path=ppt/slides/slide10.xml><?xml version="1.0" encoding="utf-8"?>
 <p:sld xmlns:a="http://schemas.openxmlformats.org/drawingml/2006/main" xmlns:r="http://schemas.openxmlformats.org/officeDocument/2006/relationships" xmlns:p="http://schemas.openxmlformats.org/presentationml/2006/main">
   <p:cSld>
     <p:bg>
@@ -33977,6 +31248,3114 @@
 </p:sld>
 </file>
 
+<file path=ppt/slides/slide2.xml><?xml version="1.0" encoding="utf-8"?>
+<p:sld xmlns:a="http://schemas.openxmlformats.org/drawingml/2006/main" xmlns:r="http://schemas.openxmlformats.org/officeDocument/2006/relationships" xmlns:p="http://schemas.openxmlformats.org/presentationml/2006/main">
+  <p:cSld>
+    <p:bg>
+      <p:bgPr>
+        <a:blipFill>
+          <a:blip r:embed="rId2">
+            <a:extLst>
+              <a:ext uri="{BEBA8EAE-BF5A-486C-A8C5-ECC9F3942E4B}">
+                <a14:imgProps xmlns:a14="http://schemas.microsoft.com/office/drawing/2010/main">
+                  <a14:imgLayer r:embed="rId3">
+                    <a14:imgEffect>
+                      <a14:brightnessContrast bright="7000"/>
+                    </a14:imgEffect>
+                  </a14:imgLayer>
+                </a14:imgProps>
+              </a:ext>
+            </a:extLst>
+          </a:blip>
+          <a:stretch/>
+        </a:blipFill>
+        <a:effectLst/>
+      </p:bgPr>
+    </p:bg>
+    <p:spTree>
+      <p:nvGrpSpPr>
+        <p:cNvPr id="1" name=""/>
+        <p:cNvGrpSpPr/>
+        <p:nvPr/>
+      </p:nvGrpSpPr>
+      <p:grpSpPr>
+        <a:xfrm>
+          <a:off x="0" y="0"/>
+          <a:ext cx="0" cy="0"/>
+          <a:chOff x="0" y="0"/>
+          <a:chExt cx="0" cy="0"/>
+        </a:xfrm>
+      </p:grpSpPr>
+      <p:sp>
+        <p:nvSpPr>
+          <p:cNvPr id="4" name="Rectangle 3">
+            <a:extLst>
+              <a:ext uri="{FF2B5EF4-FFF2-40B4-BE49-F238E27FC236}">
+                <a16:creationId xmlns:a16="http://schemas.microsoft.com/office/drawing/2014/main" id="{52BF8061-8F69-4A08-936B-6F94DD1554AF}"/>
+              </a:ext>
+            </a:extLst>
+          </p:cNvPr>
+          <p:cNvSpPr/>
+          <p:nvPr/>
+        </p:nvSpPr>
+        <p:spPr>
+          <a:xfrm>
+            <a:off x="0" y="0"/>
+            <a:ext cx="7509363" cy="923330"/>
+          </a:xfrm>
+          <a:prstGeom prst="rect">
+            <a:avLst/>
+          </a:prstGeom>
+          <a:noFill/>
+        </p:spPr>
+        <p:txBody>
+          <a:bodyPr wrap="none" lIns="91440" tIns="45720" rIns="91440" bIns="45720">
+            <a:spAutoFit/>
+          </a:bodyPr>
+          <a:lstStyle/>
+          <a:p>
+            <a:pPr algn="ctr"/>
+            <a:r>
+              <a:rPr lang="en-US" sz="5400" b="1" cap="none" spc="0" dirty="0">
+                <a:ln w="13462">
+                  <a:solidFill>
+                    <a:schemeClr val="bg1"/>
+                  </a:solidFill>
+                  <a:prstDash val="solid"/>
+                </a:ln>
+                <a:solidFill>
+                  <a:schemeClr val="tx1">
+                    <a:lumMod val="85000"/>
+                    <a:lumOff val="15000"/>
+                  </a:schemeClr>
+                </a:solidFill>
+                <a:effectLst>
+                  <a:outerShdw dist="38100" dir="2700000" algn="bl" rotWithShape="0">
+                    <a:schemeClr val="accent5"/>
+                  </a:outerShdw>
+                </a:effectLst>
+              </a:rPr>
+              <a:t>Development Tech Stack  </a:t>
+            </a:r>
+          </a:p>
+        </p:txBody>
+      </p:sp>
+      <p:graphicFrame>
+        <p:nvGraphicFramePr>
+          <p:cNvPr id="2" name="Diagram 1">
+            <a:extLst>
+              <a:ext uri="{FF2B5EF4-FFF2-40B4-BE49-F238E27FC236}">
+                <a16:creationId xmlns:a16="http://schemas.microsoft.com/office/drawing/2014/main" id="{B5AF4FC5-31BA-444A-A817-FAEC5BE88BF1}"/>
+              </a:ext>
+            </a:extLst>
+          </p:cNvPr>
+          <p:cNvGraphicFramePr/>
+          <p:nvPr>
+            <p:extLst>
+              <p:ext uri="{D42A27DB-BD31-4B8C-83A1-F6EECF244321}">
+                <p14:modId xmlns:p14="http://schemas.microsoft.com/office/powerpoint/2010/main" val="2073706986"/>
+              </p:ext>
+            </p:extLst>
+          </p:nvPr>
+        </p:nvGraphicFramePr>
+        <p:xfrm>
+          <a:off x="298383" y="719666"/>
+          <a:ext cx="11578657" cy="5914814"/>
+        </p:xfrm>
+        <a:graphic>
+          <a:graphicData uri="http://schemas.openxmlformats.org/drawingml/2006/diagram">
+            <dgm:relIds xmlns:dgm="http://schemas.openxmlformats.org/drawingml/2006/diagram" xmlns:r="http://schemas.openxmlformats.org/officeDocument/2006/relationships" r:dm="rId4" r:lo="rId5" r:qs="rId6" r:cs="rId7"/>
+          </a:graphicData>
+        </a:graphic>
+      </p:graphicFrame>
+    </p:spTree>
+    <p:extLst>
+      <p:ext uri="{BB962C8B-B14F-4D97-AF65-F5344CB8AC3E}">
+        <p14:creationId xmlns:p14="http://schemas.microsoft.com/office/powerpoint/2010/main" val="810418526"/>
+      </p:ext>
+    </p:extLst>
+  </p:cSld>
+  <p:clrMapOvr>
+    <a:masterClrMapping/>
+  </p:clrMapOvr>
+</p:sld>
+</file>
+
+<file path=ppt/slides/slide3.xml><?xml version="1.0" encoding="utf-8"?>
+<p:sld xmlns:a="http://schemas.openxmlformats.org/drawingml/2006/main" xmlns:r="http://schemas.openxmlformats.org/officeDocument/2006/relationships" xmlns:p="http://schemas.openxmlformats.org/presentationml/2006/main">
+  <p:cSld>
+    <p:spTree>
+      <p:nvGrpSpPr>
+        <p:cNvPr id="1" name=""/>
+        <p:cNvGrpSpPr/>
+        <p:nvPr/>
+      </p:nvGrpSpPr>
+      <p:grpSpPr>
+        <a:xfrm>
+          <a:off x="0" y="0"/>
+          <a:ext cx="0" cy="0"/>
+          <a:chOff x="0" y="0"/>
+          <a:chExt cx="0" cy="0"/>
+        </a:xfrm>
+      </p:grpSpPr>
+      <p:sp>
+        <p:nvSpPr>
+          <p:cNvPr id="2" name="Rectangle 1">
+            <a:extLst>
+              <a:ext uri="{FF2B5EF4-FFF2-40B4-BE49-F238E27FC236}">
+                <a16:creationId xmlns:a16="http://schemas.microsoft.com/office/drawing/2014/main" id="{E5C6065A-3D95-4E09-87AA-6F9889429BF7}"/>
+              </a:ext>
+            </a:extLst>
+          </p:cNvPr>
+          <p:cNvSpPr/>
+          <p:nvPr/>
+        </p:nvSpPr>
+        <p:spPr>
+          <a:xfrm>
+            <a:off x="0" y="48126"/>
+            <a:ext cx="9953623" cy="923330"/>
+          </a:xfrm>
+          <a:prstGeom prst="rect">
+            <a:avLst/>
+          </a:prstGeom>
+          <a:noFill/>
+        </p:spPr>
+        <p:txBody>
+          <a:bodyPr wrap="none" lIns="91440" tIns="45720" rIns="91440" bIns="45720">
+            <a:spAutoFit/>
+          </a:bodyPr>
+          <a:lstStyle/>
+          <a:p>
+            <a:pPr algn="ctr"/>
+            <a:r>
+              <a:rPr lang="en-US" sz="5400" b="1" cap="none" spc="0" dirty="0">
+                <a:ln w="13462">
+                  <a:solidFill>
+                    <a:schemeClr val="bg1"/>
+                  </a:solidFill>
+                  <a:prstDash val="solid"/>
+                </a:ln>
+                <a:solidFill>
+                  <a:schemeClr val="tx1">
+                    <a:lumMod val="85000"/>
+                    <a:lumOff val="15000"/>
+                  </a:schemeClr>
+                </a:solidFill>
+                <a:effectLst>
+                  <a:outerShdw dist="38100" dir="2700000" algn="bl" rotWithShape="0">
+                    <a:schemeClr val="accent5"/>
+                  </a:outerShdw>
+                </a:effectLst>
+              </a:rPr>
+              <a:t>Reasons to Select these tech stack</a:t>
+            </a:r>
+          </a:p>
+        </p:txBody>
+      </p:sp>
+      <p:graphicFrame>
+        <p:nvGraphicFramePr>
+          <p:cNvPr id="3" name="Table 3">
+            <a:extLst>
+              <a:ext uri="{FF2B5EF4-FFF2-40B4-BE49-F238E27FC236}">
+                <a16:creationId xmlns:a16="http://schemas.microsoft.com/office/drawing/2014/main" id="{9CC1AE83-994C-4A17-AE3D-107EF9E46276}"/>
+              </a:ext>
+            </a:extLst>
+          </p:cNvPr>
+          <p:cNvGraphicFramePr>
+            <a:graphicFrameLocks noGrp="1"/>
+          </p:cNvGraphicFramePr>
+          <p:nvPr>
+            <p:extLst>
+              <p:ext uri="{D42A27DB-BD31-4B8C-83A1-F6EECF244321}">
+                <p14:modId xmlns:p14="http://schemas.microsoft.com/office/powerpoint/2010/main" val="102524026"/>
+              </p:ext>
+            </p:extLst>
+          </p:nvPr>
+        </p:nvGraphicFramePr>
+        <p:xfrm>
+          <a:off x="395703" y="1096582"/>
+          <a:ext cx="10798478" cy="2723558"/>
+        </p:xfrm>
+        <a:graphic>
+          <a:graphicData uri="http://schemas.openxmlformats.org/drawingml/2006/table">
+            <a:tbl>
+              <a:tblPr firstRow="1" bandRow="1">
+                <a:tableStyleId>{5C22544A-7EE6-4342-B048-85BDC9FD1C3A}</a:tableStyleId>
+              </a:tblPr>
+              <a:tblGrid>
+                <a:gridCol w="5399239">
+                  <a:extLst>
+                    <a:ext uri="{9D8B030D-6E8A-4147-A177-3AD203B41FA5}">
+                      <a16:colId xmlns:a16="http://schemas.microsoft.com/office/drawing/2014/main" val="1885333951"/>
+                    </a:ext>
+                  </a:extLst>
+                </a:gridCol>
+                <a:gridCol w="5399239">
+                  <a:extLst>
+                    <a:ext uri="{9D8B030D-6E8A-4147-A177-3AD203B41FA5}">
+                      <a16:colId xmlns:a16="http://schemas.microsoft.com/office/drawing/2014/main" val="2050111410"/>
+                    </a:ext>
+                  </a:extLst>
+                </a:gridCol>
+              </a:tblGrid>
+              <a:tr h="252877">
+                <a:tc>
+                  <a:txBody>
+                    <a:bodyPr/>
+                    <a:lstStyle/>
+                    <a:p>
+                      <a:r>
+                        <a:rPr lang="en-IN" dirty="0"/>
+                        <a:t>Spring Boot</a:t>
+                      </a:r>
+                    </a:p>
+                  </a:txBody>
+                  <a:tcPr/>
+                </a:tc>
+                <a:tc>
+                  <a:txBody>
+                    <a:bodyPr/>
+                    <a:lstStyle/>
+                    <a:p>
+                      <a:r>
+                        <a:rPr lang="en-IN" dirty="0"/>
+                        <a:t>Spring</a:t>
+                      </a:r>
+                    </a:p>
+                  </a:txBody>
+                  <a:tcPr/>
+                </a:tc>
+                <a:extLst>
+                  <a:ext uri="{0D108BD9-81ED-4DB2-BD59-A6C34878D82A}">
+                    <a16:rowId xmlns:a16="http://schemas.microsoft.com/office/drawing/2014/main" val="583362285"/>
+                  </a:ext>
+                </a:extLst>
+              </a:tr>
+              <a:tr h="2357798">
+                <a:tc>
+                  <a:txBody>
+                    <a:bodyPr/>
+                    <a:lstStyle/>
+                    <a:p>
+                      <a:r>
+                        <a:rPr lang="en-US" dirty="0"/>
+                        <a:t>Spring Boot is a module of Spring Framework. It allows us to build a stand-alone application with minimal or zero configurations. It is better to use if we want to develop a simple Spring-based application or RESTful services.</a:t>
+                      </a:r>
+                      <a:endParaRPr lang="en-IN" dirty="0"/>
+                    </a:p>
+                  </a:txBody>
+                  <a:tcPr/>
+                </a:tc>
+                <a:tc>
+                  <a:txBody>
+                    <a:bodyPr/>
+                    <a:lstStyle/>
+                    <a:p>
+                      <a:r>
+                        <a:rPr lang="en-US" dirty="0"/>
+                        <a:t>Spring Framework is the most popular application development framework of Java. The main feature of the Spring Framework is dependency Injection or Inversion of Control (IoC). With the help of Spring Framework, we can develop a loosely coupled application. It is better to use if application type or characteristics are purely defined.</a:t>
+                      </a:r>
+                      <a:endParaRPr lang="en-IN" dirty="0"/>
+                    </a:p>
+                  </a:txBody>
+                  <a:tcPr/>
+                </a:tc>
+                <a:extLst>
+                  <a:ext uri="{0D108BD9-81ED-4DB2-BD59-A6C34878D82A}">
+                    <a16:rowId xmlns:a16="http://schemas.microsoft.com/office/drawing/2014/main" val="1740795347"/>
+                  </a:ext>
+                </a:extLst>
+              </a:tr>
+            </a:tbl>
+          </a:graphicData>
+        </a:graphic>
+      </p:graphicFrame>
+      <p:graphicFrame>
+        <p:nvGraphicFramePr>
+          <p:cNvPr id="5" name="Table 5">
+            <a:extLst>
+              <a:ext uri="{FF2B5EF4-FFF2-40B4-BE49-F238E27FC236}">
+                <a16:creationId xmlns:a16="http://schemas.microsoft.com/office/drawing/2014/main" id="{A54C8373-15E5-4C13-8C88-ACEDECC2F1AC}"/>
+              </a:ext>
+            </a:extLst>
+          </p:cNvPr>
+          <p:cNvGraphicFramePr>
+            <a:graphicFrameLocks noGrp="1"/>
+          </p:cNvGraphicFramePr>
+          <p:nvPr>
+            <p:extLst>
+              <p:ext uri="{D42A27DB-BD31-4B8C-83A1-F6EECF244321}">
+                <p14:modId xmlns:p14="http://schemas.microsoft.com/office/powerpoint/2010/main" val="2664199482"/>
+              </p:ext>
+            </p:extLst>
+          </p:nvPr>
+        </p:nvGraphicFramePr>
+        <p:xfrm>
+          <a:off x="453988" y="4175135"/>
+          <a:ext cx="5340954" cy="2382520"/>
+        </p:xfrm>
+        <a:graphic>
+          <a:graphicData uri="http://schemas.openxmlformats.org/drawingml/2006/table">
+            <a:tbl>
+              <a:tblPr firstRow="1" bandRow="1">
+                <a:tableStyleId>{5C22544A-7EE6-4342-B048-85BDC9FD1C3A}</a:tableStyleId>
+              </a:tblPr>
+              <a:tblGrid>
+                <a:gridCol w="5340954">
+                  <a:extLst>
+                    <a:ext uri="{9D8B030D-6E8A-4147-A177-3AD203B41FA5}">
+                      <a16:colId xmlns:a16="http://schemas.microsoft.com/office/drawing/2014/main" val="1713285493"/>
+                    </a:ext>
+                  </a:extLst>
+                </a:gridCol>
+              </a:tblGrid>
+              <a:tr h="370840">
+                <a:tc>
+                  <a:txBody>
+                    <a:bodyPr/>
+                    <a:lstStyle/>
+                    <a:p>
+                      <a:r>
+                        <a:rPr lang="en-IN" dirty="0"/>
+                        <a:t>Angular Over React</a:t>
+                      </a:r>
+                    </a:p>
+                  </a:txBody>
+                  <a:tcPr/>
+                </a:tc>
+                <a:extLst>
+                  <a:ext uri="{0D108BD9-81ED-4DB2-BD59-A6C34878D82A}">
+                    <a16:rowId xmlns:a16="http://schemas.microsoft.com/office/drawing/2014/main" val="4002592252"/>
+                  </a:ext>
+                </a:extLst>
+              </a:tr>
+              <a:tr h="370840">
+                <a:tc>
+                  <a:txBody>
+                    <a:bodyPr/>
+                    <a:lstStyle/>
+                    <a:p>
+                      <a:r>
+                        <a:rPr lang="en-US" dirty="0"/>
+                        <a:t>Angular is a full-fledged framework, while React is a library. React. js uses virtual DOM and one-way data binding while Angular operates on real DOM &amp; two-way data binding. There's also a difference in bundle size (React's smaller) and speed (React works a bit faster).</a:t>
+                      </a:r>
+                    </a:p>
+                    <a:p>
+                      <a:endParaRPr lang="en-IN" dirty="0"/>
+                    </a:p>
+                  </a:txBody>
+                  <a:tcPr/>
+                </a:tc>
+                <a:extLst>
+                  <a:ext uri="{0D108BD9-81ED-4DB2-BD59-A6C34878D82A}">
+                    <a16:rowId xmlns:a16="http://schemas.microsoft.com/office/drawing/2014/main" val="1031384876"/>
+                  </a:ext>
+                </a:extLst>
+              </a:tr>
+            </a:tbl>
+          </a:graphicData>
+        </a:graphic>
+      </p:graphicFrame>
+      <p:graphicFrame>
+        <p:nvGraphicFramePr>
+          <p:cNvPr id="6" name="Table 5">
+            <a:extLst>
+              <a:ext uri="{FF2B5EF4-FFF2-40B4-BE49-F238E27FC236}">
+                <a16:creationId xmlns:a16="http://schemas.microsoft.com/office/drawing/2014/main" id="{28CA3E35-84E3-495C-B340-07AF41E9B83A}"/>
+              </a:ext>
+            </a:extLst>
+          </p:cNvPr>
+          <p:cNvGraphicFramePr>
+            <a:graphicFrameLocks noGrp="1"/>
+          </p:cNvGraphicFramePr>
+          <p:nvPr>
+            <p:extLst>
+              <p:ext uri="{D42A27DB-BD31-4B8C-83A1-F6EECF244321}">
+                <p14:modId xmlns:p14="http://schemas.microsoft.com/office/powerpoint/2010/main" val="3359872894"/>
+              </p:ext>
+            </p:extLst>
+          </p:nvPr>
+        </p:nvGraphicFramePr>
+        <p:xfrm>
+          <a:off x="5996536" y="4106153"/>
+          <a:ext cx="5340954" cy="2451501"/>
+        </p:xfrm>
+        <a:graphic>
+          <a:graphicData uri="http://schemas.openxmlformats.org/drawingml/2006/table">
+            <a:tbl>
+              <a:tblPr firstRow="1" bandRow="1">
+                <a:tableStyleId>{5C22544A-7EE6-4342-B048-85BDC9FD1C3A}</a:tableStyleId>
+              </a:tblPr>
+              <a:tblGrid>
+                <a:gridCol w="5340954">
+                  <a:extLst>
+                    <a:ext uri="{9D8B030D-6E8A-4147-A177-3AD203B41FA5}">
+                      <a16:colId xmlns:a16="http://schemas.microsoft.com/office/drawing/2014/main" val="1713285493"/>
+                    </a:ext>
+                  </a:extLst>
+                </a:gridCol>
+              </a:tblGrid>
+              <a:tr h="431228">
+                <a:tc>
+                  <a:txBody>
+                    <a:bodyPr/>
+                    <a:lstStyle/>
+                    <a:p>
+                      <a:r>
+                        <a:rPr lang="en-IN" dirty="0"/>
+                        <a:t>Active MQ over Kafka</a:t>
+                      </a:r>
+                    </a:p>
+                  </a:txBody>
+                  <a:tcPr/>
+                </a:tc>
+                <a:extLst>
+                  <a:ext uri="{0D108BD9-81ED-4DB2-BD59-A6C34878D82A}">
+                    <a16:rowId xmlns:a16="http://schemas.microsoft.com/office/drawing/2014/main" val="4002592252"/>
+                  </a:ext>
+                </a:extLst>
+              </a:tr>
+              <a:tr h="2020273">
+                <a:tc>
+                  <a:txBody>
+                    <a:bodyPr/>
+                    <a:lstStyle/>
+                    <a:p>
+                      <a:r>
+                        <a:rPr lang="en-US" dirty="0"/>
+                        <a:t>ActiveMQ is used for traditional messaging, Kafka is used as streaming platform (messaging + distributed storage + processing of data).</a:t>
+                      </a:r>
+                    </a:p>
+                    <a:p>
+                      <a:r>
+                        <a:rPr lang="en-US" dirty="0"/>
+                        <a:t>And, here we are using Active MQ as integration purpose. And to sync with existed system we preferer Active MQ than Kafka</a:t>
+                      </a:r>
+                      <a:endParaRPr lang="en-IN" dirty="0"/>
+                    </a:p>
+                  </a:txBody>
+                  <a:tcPr/>
+                </a:tc>
+                <a:extLst>
+                  <a:ext uri="{0D108BD9-81ED-4DB2-BD59-A6C34878D82A}">
+                    <a16:rowId xmlns:a16="http://schemas.microsoft.com/office/drawing/2014/main" val="1031384876"/>
+                  </a:ext>
+                </a:extLst>
+              </a:tr>
+            </a:tbl>
+          </a:graphicData>
+        </a:graphic>
+      </p:graphicFrame>
+    </p:spTree>
+    <p:extLst>
+      <p:ext uri="{BB962C8B-B14F-4D97-AF65-F5344CB8AC3E}">
+        <p14:creationId xmlns:p14="http://schemas.microsoft.com/office/powerpoint/2010/main" val="1631903470"/>
+      </p:ext>
+    </p:extLst>
+  </p:cSld>
+  <p:clrMapOvr>
+    <a:masterClrMapping/>
+  </p:clrMapOvr>
+</p:sld>
+</file>
+
+<file path=ppt/slides/slide4.xml><?xml version="1.0" encoding="utf-8"?>
+<p:sld xmlns:a="http://schemas.openxmlformats.org/drawingml/2006/main" xmlns:r="http://schemas.openxmlformats.org/officeDocument/2006/relationships" xmlns:p="http://schemas.openxmlformats.org/presentationml/2006/main">
+  <p:cSld>
+    <p:spTree>
+      <p:nvGrpSpPr>
+        <p:cNvPr id="1" name=""/>
+        <p:cNvGrpSpPr/>
+        <p:nvPr/>
+      </p:nvGrpSpPr>
+      <p:grpSpPr>
+        <a:xfrm>
+          <a:off x="0" y="0"/>
+          <a:ext cx="0" cy="0"/>
+          <a:chOff x="0" y="0"/>
+          <a:chExt cx="0" cy="0"/>
+        </a:xfrm>
+      </p:grpSpPr>
+      <p:sp>
+        <p:nvSpPr>
+          <p:cNvPr id="2" name="Rectangle 1">
+            <a:extLst>
+              <a:ext uri="{FF2B5EF4-FFF2-40B4-BE49-F238E27FC236}">
+                <a16:creationId xmlns:a16="http://schemas.microsoft.com/office/drawing/2014/main" id="{D02839BB-1ADC-4B1C-99E3-D6A64A0E5019}"/>
+              </a:ext>
+            </a:extLst>
+          </p:cNvPr>
+          <p:cNvSpPr/>
+          <p:nvPr/>
+        </p:nvSpPr>
+        <p:spPr>
+          <a:xfrm>
+            <a:off x="-79080" y="121920"/>
+            <a:ext cx="10431061" cy="923330"/>
+          </a:xfrm>
+          <a:prstGeom prst="rect">
+            <a:avLst/>
+          </a:prstGeom>
+          <a:noFill/>
+        </p:spPr>
+        <p:txBody>
+          <a:bodyPr wrap="none" lIns="91440" tIns="45720" rIns="91440" bIns="45720">
+            <a:spAutoFit/>
+          </a:bodyPr>
+          <a:lstStyle/>
+          <a:p>
+            <a:pPr algn="ctr"/>
+            <a:r>
+              <a:rPr lang="en-US" sz="5400" b="1" cap="none" spc="0" dirty="0">
+                <a:ln w="13462">
+                  <a:solidFill>
+                    <a:schemeClr val="bg1"/>
+                  </a:solidFill>
+                  <a:prstDash val="solid"/>
+                </a:ln>
+                <a:solidFill>
+                  <a:schemeClr val="tx1">
+                    <a:lumMod val="85000"/>
+                    <a:lumOff val="15000"/>
+                  </a:schemeClr>
+                </a:solidFill>
+                <a:effectLst>
+                  <a:outerShdw dist="38100" dir="2700000" algn="bl" rotWithShape="0">
+                    <a:schemeClr val="accent5"/>
+                  </a:outerShdw>
+                </a:effectLst>
+              </a:rPr>
+              <a:t>POC on Active MQ with Spring Boot</a:t>
+            </a:r>
+          </a:p>
+        </p:txBody>
+      </p:sp>
+      <p:sp>
+        <p:nvSpPr>
+          <p:cNvPr id="4" name="Rectangle: Rounded Corners 3">
+            <a:extLst>
+              <a:ext uri="{FF2B5EF4-FFF2-40B4-BE49-F238E27FC236}">
+                <a16:creationId xmlns:a16="http://schemas.microsoft.com/office/drawing/2014/main" id="{B4F0354E-AF5C-4A42-A7DE-878E448BC10D}"/>
+              </a:ext>
+            </a:extLst>
+          </p:cNvPr>
+          <p:cNvSpPr/>
+          <p:nvPr/>
+        </p:nvSpPr>
+        <p:spPr>
+          <a:xfrm>
+            <a:off x="711200" y="1349662"/>
+            <a:ext cx="10322560" cy="923330"/>
+          </a:xfrm>
+          <a:prstGeom prst="roundRect">
+            <a:avLst/>
+          </a:prstGeom>
+        </p:spPr>
+        <p:style>
+          <a:lnRef idx="3">
+            <a:schemeClr val="lt1"/>
+          </a:lnRef>
+          <a:fillRef idx="1">
+            <a:schemeClr val="dk1"/>
+          </a:fillRef>
+          <a:effectRef idx="1">
+            <a:schemeClr val="dk1"/>
+          </a:effectRef>
+          <a:fontRef idx="minor">
+            <a:schemeClr val="lt1"/>
+          </a:fontRef>
+        </p:style>
+        <p:txBody>
+          <a:bodyPr rtlCol="0" anchor="ctr"/>
+          <a:lstStyle/>
+          <a:p>
+            <a:pPr algn="ctr"/>
+            <a:r>
+              <a:rPr lang="en-US" dirty="0"/>
+              <a:t>Sending Messages to Active MQ</a:t>
+            </a:r>
+            <a:endParaRPr lang="en-IN" dirty="0"/>
+          </a:p>
+        </p:txBody>
+      </p:sp>
+      <p:sp>
+        <p:nvSpPr>
+          <p:cNvPr id="5" name="Rectangle: Rounded Corners 4">
+            <a:extLst>
+              <a:ext uri="{FF2B5EF4-FFF2-40B4-BE49-F238E27FC236}">
+                <a16:creationId xmlns:a16="http://schemas.microsoft.com/office/drawing/2014/main" id="{DBEE1F9E-DD63-4D26-9DF4-7936FB4B5395}"/>
+              </a:ext>
+            </a:extLst>
+          </p:cNvPr>
+          <p:cNvSpPr/>
+          <p:nvPr/>
+        </p:nvSpPr>
+        <p:spPr>
+          <a:xfrm>
+            <a:off x="711200" y="2583099"/>
+            <a:ext cx="10322560" cy="923330"/>
+          </a:xfrm>
+          <a:prstGeom prst="roundRect">
+            <a:avLst/>
+          </a:prstGeom>
+        </p:spPr>
+        <p:style>
+          <a:lnRef idx="3">
+            <a:schemeClr val="lt1"/>
+          </a:lnRef>
+          <a:fillRef idx="1">
+            <a:schemeClr val="dk1"/>
+          </a:fillRef>
+          <a:effectRef idx="1">
+            <a:schemeClr val="dk1"/>
+          </a:effectRef>
+          <a:fontRef idx="minor">
+            <a:schemeClr val="lt1"/>
+          </a:fontRef>
+        </p:style>
+        <p:txBody>
+          <a:bodyPr rtlCol="0" anchor="ctr"/>
+          <a:lstStyle/>
+          <a:p>
+            <a:pPr algn="ctr"/>
+            <a:r>
+              <a:rPr lang="en-US" dirty="0"/>
+              <a:t>Receiving  Messages from  Active MQ</a:t>
+            </a:r>
+            <a:endParaRPr lang="en-IN" dirty="0"/>
+          </a:p>
+        </p:txBody>
+      </p:sp>
+      <p:sp>
+        <p:nvSpPr>
+          <p:cNvPr id="6" name="Rectangle 5">
+            <a:extLst>
+              <a:ext uri="{FF2B5EF4-FFF2-40B4-BE49-F238E27FC236}">
+                <a16:creationId xmlns:a16="http://schemas.microsoft.com/office/drawing/2014/main" id="{41411061-5BED-493D-9C85-9196CDA74D1C}"/>
+              </a:ext>
+            </a:extLst>
+          </p:cNvPr>
+          <p:cNvSpPr/>
+          <p:nvPr/>
+        </p:nvSpPr>
+        <p:spPr>
+          <a:xfrm>
+            <a:off x="0" y="3713480"/>
+            <a:ext cx="5504969" cy="923330"/>
+          </a:xfrm>
+          <a:prstGeom prst="rect">
+            <a:avLst/>
+          </a:prstGeom>
+          <a:noFill/>
+        </p:spPr>
+        <p:txBody>
+          <a:bodyPr wrap="none" lIns="91440" tIns="45720" rIns="91440" bIns="45720">
+            <a:spAutoFit/>
+          </a:bodyPr>
+          <a:lstStyle/>
+          <a:p>
+            <a:pPr algn="ctr"/>
+            <a:r>
+              <a:rPr lang="en-US" sz="5400" b="1" cap="none" spc="0" dirty="0">
+                <a:ln w="13462">
+                  <a:solidFill>
+                    <a:schemeClr val="bg1"/>
+                  </a:solidFill>
+                  <a:prstDash val="solid"/>
+                </a:ln>
+                <a:solidFill>
+                  <a:schemeClr val="tx1">
+                    <a:lumMod val="85000"/>
+                    <a:lumOff val="15000"/>
+                  </a:schemeClr>
+                </a:solidFill>
+                <a:effectLst>
+                  <a:outerShdw dist="38100" dir="2700000" algn="bl" rotWithShape="0">
+                    <a:schemeClr val="accent5"/>
+                  </a:outerShdw>
+                </a:effectLst>
+              </a:rPr>
+              <a:t>Tech Stac</a:t>
+            </a:r>
+            <a:r>
+              <a:rPr lang="en-US" sz="5400" b="1" dirty="0">
+                <a:ln w="13462">
+                  <a:solidFill>
+                    <a:schemeClr val="bg1"/>
+                  </a:solidFill>
+                  <a:prstDash val="solid"/>
+                </a:ln>
+                <a:solidFill>
+                  <a:schemeClr val="tx1">
+                    <a:lumMod val="85000"/>
+                    <a:lumOff val="15000"/>
+                  </a:schemeClr>
+                </a:solidFill>
+                <a:effectLst>
+                  <a:outerShdw dist="38100" dir="2700000" algn="bl" rotWithShape="0">
+                    <a:schemeClr val="accent5"/>
+                  </a:outerShdw>
+                </a:effectLst>
+              </a:rPr>
+              <a:t>k for POC</a:t>
+            </a:r>
+            <a:endParaRPr lang="en-US" sz="5400" b="1" cap="none" spc="0" dirty="0">
+              <a:ln w="13462">
+                <a:solidFill>
+                  <a:schemeClr val="bg1"/>
+                </a:solidFill>
+                <a:prstDash val="solid"/>
+              </a:ln>
+              <a:solidFill>
+                <a:schemeClr val="tx1">
+                  <a:lumMod val="85000"/>
+                  <a:lumOff val="15000"/>
+                </a:schemeClr>
+              </a:solidFill>
+              <a:effectLst>
+                <a:outerShdw dist="38100" dir="2700000" algn="bl" rotWithShape="0">
+                  <a:schemeClr val="accent5"/>
+                </a:outerShdw>
+              </a:effectLst>
+            </a:endParaRPr>
+          </a:p>
+        </p:txBody>
+      </p:sp>
+      <p:sp>
+        <p:nvSpPr>
+          <p:cNvPr id="7" name="Rectangle: Rounded Corners 6">
+            <a:extLst>
+              <a:ext uri="{FF2B5EF4-FFF2-40B4-BE49-F238E27FC236}">
+                <a16:creationId xmlns:a16="http://schemas.microsoft.com/office/drawing/2014/main" id="{44A624C3-00A0-49BC-98C8-0DB613D4C03C}"/>
+              </a:ext>
+            </a:extLst>
+          </p:cNvPr>
+          <p:cNvSpPr/>
+          <p:nvPr/>
+        </p:nvSpPr>
+        <p:spPr>
+          <a:xfrm>
+            <a:off x="711200" y="4712622"/>
+            <a:ext cx="10322560" cy="1901538"/>
+          </a:xfrm>
+          <a:prstGeom prst="roundRect">
+            <a:avLst/>
+          </a:prstGeom>
+        </p:spPr>
+        <p:style>
+          <a:lnRef idx="3">
+            <a:schemeClr val="lt1"/>
+          </a:lnRef>
+          <a:fillRef idx="1">
+            <a:schemeClr val="dk1"/>
+          </a:fillRef>
+          <a:effectRef idx="1">
+            <a:schemeClr val="dk1"/>
+          </a:effectRef>
+          <a:fontRef idx="minor">
+            <a:schemeClr val="lt1"/>
+          </a:fontRef>
+        </p:style>
+        <p:txBody>
+          <a:bodyPr rtlCol="0" anchor="ctr"/>
+          <a:lstStyle/>
+          <a:p>
+            <a:pPr algn="ctr"/>
+            <a:r>
+              <a:rPr lang="en-US" sz="3200" dirty="0">
+                <a:solidFill>
+                  <a:srgbClr val="00B0F0"/>
+                </a:solidFill>
+              </a:rPr>
+              <a:t>Html, scss, TypeScript , Angular, Primeng , Material</a:t>
+            </a:r>
+          </a:p>
+          <a:p>
+            <a:pPr algn="ctr"/>
+            <a:r>
+              <a:rPr lang="en-US" sz="3200" dirty="0">
+                <a:solidFill>
+                  <a:srgbClr val="00B050"/>
+                </a:solidFill>
+              </a:rPr>
+              <a:t>Active MQ</a:t>
+            </a:r>
+          </a:p>
+          <a:p>
+            <a:pPr algn="ctr"/>
+            <a:r>
+              <a:rPr lang="en-US" sz="3200" dirty="0">
+                <a:solidFill>
+                  <a:srgbClr val="FFFF00"/>
+                </a:solidFill>
+              </a:rPr>
+              <a:t>Java, Spring boot, Spring web, Spring WebSocket etc…</a:t>
+            </a:r>
+            <a:endParaRPr lang="en-IN" sz="3200" dirty="0">
+              <a:solidFill>
+                <a:srgbClr val="FFFF00"/>
+              </a:solidFill>
+            </a:endParaRPr>
+          </a:p>
+        </p:txBody>
+      </p:sp>
+    </p:spTree>
+    <p:extLst>
+      <p:ext uri="{BB962C8B-B14F-4D97-AF65-F5344CB8AC3E}">
+        <p14:creationId xmlns:p14="http://schemas.microsoft.com/office/powerpoint/2010/main" val="2923724025"/>
+      </p:ext>
+    </p:extLst>
+  </p:cSld>
+  <p:clrMapOvr>
+    <a:masterClrMapping/>
+  </p:clrMapOvr>
+</p:sld>
+</file>
+
+<file path=ppt/slides/slide5.xml><?xml version="1.0" encoding="utf-8"?>
+<p:sld xmlns:a="http://schemas.openxmlformats.org/drawingml/2006/main" xmlns:r="http://schemas.openxmlformats.org/officeDocument/2006/relationships" xmlns:p="http://schemas.openxmlformats.org/presentationml/2006/main">
+  <p:cSld>
+    <p:spTree>
+      <p:nvGrpSpPr>
+        <p:cNvPr id="1" name=""/>
+        <p:cNvGrpSpPr/>
+        <p:nvPr/>
+      </p:nvGrpSpPr>
+      <p:grpSpPr>
+        <a:xfrm>
+          <a:off x="0" y="0"/>
+          <a:ext cx="0" cy="0"/>
+          <a:chOff x="0" y="0"/>
+          <a:chExt cx="0" cy="0"/>
+        </a:xfrm>
+      </p:grpSpPr>
+      <p:graphicFrame>
+        <p:nvGraphicFramePr>
+          <p:cNvPr id="6" name="Diagram 5">
+            <a:extLst>
+              <a:ext uri="{FF2B5EF4-FFF2-40B4-BE49-F238E27FC236}">
+                <a16:creationId xmlns:a16="http://schemas.microsoft.com/office/drawing/2014/main" id="{C7242D06-518B-4110-9EE0-964A0D83402A}"/>
+              </a:ext>
+            </a:extLst>
+          </p:cNvPr>
+          <p:cNvGraphicFramePr/>
+          <p:nvPr>
+            <p:extLst>
+              <p:ext uri="{D42A27DB-BD31-4B8C-83A1-F6EECF244321}">
+                <p14:modId xmlns:p14="http://schemas.microsoft.com/office/powerpoint/2010/main" val="656209187"/>
+              </p:ext>
+            </p:extLst>
+          </p:nvPr>
+        </p:nvGraphicFramePr>
+        <p:xfrm>
+          <a:off x="0" y="2623848"/>
+          <a:ext cx="11989869" cy="3257187"/>
+        </p:xfrm>
+        <a:graphic>
+          <a:graphicData uri="http://schemas.openxmlformats.org/drawingml/2006/diagram">
+            <dgm:relIds xmlns:dgm="http://schemas.openxmlformats.org/drawingml/2006/diagram" xmlns:r="http://schemas.openxmlformats.org/officeDocument/2006/relationships" r:dm="rId2" r:lo="rId3" r:qs="rId4" r:cs="rId5"/>
+          </a:graphicData>
+        </a:graphic>
+      </p:graphicFrame>
+      <p:sp>
+        <p:nvSpPr>
+          <p:cNvPr id="7" name="Rectangle 6">
+            <a:extLst>
+              <a:ext uri="{FF2B5EF4-FFF2-40B4-BE49-F238E27FC236}">
+                <a16:creationId xmlns:a16="http://schemas.microsoft.com/office/drawing/2014/main" id="{2A0D6AAD-D6FB-427D-A781-83528495E52A}"/>
+              </a:ext>
+            </a:extLst>
+          </p:cNvPr>
+          <p:cNvSpPr/>
+          <p:nvPr/>
+        </p:nvSpPr>
+        <p:spPr>
+          <a:xfrm>
+            <a:off x="1603" y="-112749"/>
+            <a:ext cx="9095311" cy="1754326"/>
+          </a:xfrm>
+          <a:prstGeom prst="rect">
+            <a:avLst/>
+          </a:prstGeom>
+          <a:noFill/>
+        </p:spPr>
+        <p:txBody>
+          <a:bodyPr wrap="none" lIns="91440" tIns="45720" rIns="91440" bIns="45720">
+            <a:spAutoFit/>
+          </a:bodyPr>
+          <a:lstStyle/>
+          <a:p>
+            <a:pPr algn="ctr"/>
+            <a:r>
+              <a:rPr lang="en-US" sz="5400" b="1" cap="none" spc="0" dirty="0">
+                <a:ln w="13462">
+                  <a:solidFill>
+                    <a:schemeClr val="bg1"/>
+                  </a:solidFill>
+                  <a:prstDash val="solid"/>
+                </a:ln>
+                <a:solidFill>
+                  <a:schemeClr val="tx1">
+                    <a:lumMod val="85000"/>
+                    <a:lumOff val="15000"/>
+                  </a:schemeClr>
+                </a:solidFill>
+                <a:effectLst>
+                  <a:outerShdw dist="38100" dir="2700000" algn="bl" rotWithShape="0">
+                    <a:schemeClr val="accent5"/>
+                  </a:outerShdw>
+                </a:effectLst>
+              </a:rPr>
+              <a:t>Sending/Producing Messages   </a:t>
+            </a:r>
+          </a:p>
+          <a:p>
+            <a:pPr algn="ctr"/>
+            <a:r>
+              <a:rPr lang="en-US" sz="5400" b="1" cap="none" spc="0" dirty="0">
+                <a:ln w="13462">
+                  <a:solidFill>
+                    <a:schemeClr val="bg1"/>
+                  </a:solidFill>
+                  <a:prstDash val="solid"/>
+                </a:ln>
+                <a:solidFill>
+                  <a:schemeClr val="tx1">
+                    <a:lumMod val="85000"/>
+                    <a:lumOff val="15000"/>
+                  </a:schemeClr>
+                </a:solidFill>
+                <a:effectLst>
+                  <a:outerShdw dist="38100" dir="2700000" algn="bl" rotWithShape="0">
+                    <a:schemeClr val="accent5"/>
+                  </a:outerShdw>
+                </a:effectLst>
+              </a:rPr>
+              <a:t>To ActiveMQ</a:t>
+            </a:r>
+          </a:p>
+        </p:txBody>
+      </p:sp>
+      <p:sp>
+        <p:nvSpPr>
+          <p:cNvPr id="8" name="Rectangle 7">
+            <a:extLst>
+              <a:ext uri="{FF2B5EF4-FFF2-40B4-BE49-F238E27FC236}">
+                <a16:creationId xmlns:a16="http://schemas.microsoft.com/office/drawing/2014/main" id="{33E8B576-B7BE-44D1-AE47-46E4C255DBCA}"/>
+              </a:ext>
+            </a:extLst>
+          </p:cNvPr>
+          <p:cNvSpPr/>
+          <p:nvPr/>
+        </p:nvSpPr>
+        <p:spPr>
+          <a:xfrm>
+            <a:off x="838869" y="5152270"/>
+            <a:ext cx="1066319" cy="646331"/>
+          </a:xfrm>
+          <a:prstGeom prst="rect">
+            <a:avLst/>
+          </a:prstGeom>
+          <a:noFill/>
+        </p:spPr>
+        <p:txBody>
+          <a:bodyPr wrap="none" lIns="91440" tIns="45720" rIns="91440" bIns="45720">
+            <a:spAutoFit/>
+          </a:bodyPr>
+          <a:lstStyle/>
+          <a:p>
+            <a:pPr algn="ctr"/>
+            <a:r>
+              <a:rPr lang="en-US" sz="3600" b="1" cap="none" spc="0" dirty="0">
+                <a:ln w="12700">
+                  <a:solidFill>
+                    <a:schemeClr val="accent1"/>
+                  </a:solidFill>
+                  <a:prstDash val="solid"/>
+                </a:ln>
+                <a:pattFill prst="pct50">
+                  <a:fgClr>
+                    <a:schemeClr val="accent1"/>
+                  </a:fgClr>
+                  <a:bgClr>
+                    <a:schemeClr val="accent1">
+                      <a:lumMod val="20000"/>
+                      <a:lumOff val="80000"/>
+                    </a:schemeClr>
+                  </a:bgClr>
+                </a:pattFill>
+                <a:effectLst>
+                  <a:outerShdw dist="38100" dir="2640000" algn="bl" rotWithShape="0">
+                    <a:schemeClr val="accent1"/>
+                  </a:outerShdw>
+                </a:effectLst>
+              </a:rPr>
+              <a:t>User</a:t>
+            </a:r>
+          </a:p>
+        </p:txBody>
+      </p:sp>
+      <p:sp>
+        <p:nvSpPr>
+          <p:cNvPr id="9" name="Rectangle 8">
+            <a:extLst>
+              <a:ext uri="{FF2B5EF4-FFF2-40B4-BE49-F238E27FC236}">
+                <a16:creationId xmlns:a16="http://schemas.microsoft.com/office/drawing/2014/main" id="{3BAC53E1-23A0-4385-899A-87AE4289281F}"/>
+              </a:ext>
+            </a:extLst>
+          </p:cNvPr>
+          <p:cNvSpPr/>
+          <p:nvPr/>
+        </p:nvSpPr>
+        <p:spPr>
+          <a:xfrm>
+            <a:off x="2536471" y="5152270"/>
+            <a:ext cx="1428596" cy="646331"/>
+          </a:xfrm>
+          <a:prstGeom prst="rect">
+            <a:avLst/>
+          </a:prstGeom>
+          <a:noFill/>
+        </p:spPr>
+        <p:txBody>
+          <a:bodyPr wrap="none" lIns="91440" tIns="45720" rIns="91440" bIns="45720">
+            <a:spAutoFit/>
+          </a:bodyPr>
+          <a:lstStyle/>
+          <a:p>
+            <a:pPr algn="ctr"/>
+            <a:r>
+              <a:rPr lang="en-US" sz="3600" b="1" cap="none" spc="0" dirty="0">
+                <a:ln w="12700">
+                  <a:solidFill>
+                    <a:schemeClr val="accent1"/>
+                  </a:solidFill>
+                  <a:prstDash val="solid"/>
+                </a:ln>
+                <a:pattFill prst="pct50">
+                  <a:fgClr>
+                    <a:schemeClr val="accent1"/>
+                  </a:fgClr>
+                  <a:bgClr>
+                    <a:schemeClr val="accent1">
+                      <a:lumMod val="20000"/>
+                      <a:lumOff val="80000"/>
+                    </a:schemeClr>
+                  </a:bgClr>
+                </a:pattFill>
+                <a:effectLst>
+                  <a:outerShdw dist="38100" dir="2640000" algn="bl" rotWithShape="0">
+                    <a:schemeClr val="accent1"/>
+                  </a:outerShdw>
+                </a:effectLst>
+              </a:rPr>
+              <a:t>Ui app</a:t>
+            </a:r>
+          </a:p>
+        </p:txBody>
+      </p:sp>
+      <p:sp>
+        <p:nvSpPr>
+          <p:cNvPr id="10" name="Rectangle 9">
+            <a:extLst>
+              <a:ext uri="{FF2B5EF4-FFF2-40B4-BE49-F238E27FC236}">
+                <a16:creationId xmlns:a16="http://schemas.microsoft.com/office/drawing/2014/main" id="{5D10CD32-4FE0-48DA-B2A4-4FF731DFDF28}"/>
+              </a:ext>
+            </a:extLst>
+          </p:cNvPr>
+          <p:cNvSpPr/>
+          <p:nvPr/>
+        </p:nvSpPr>
+        <p:spPr>
+          <a:xfrm>
+            <a:off x="4596350" y="5234704"/>
+            <a:ext cx="3285195" cy="646331"/>
+          </a:xfrm>
+          <a:prstGeom prst="rect">
+            <a:avLst/>
+          </a:prstGeom>
+          <a:noFill/>
+        </p:spPr>
+        <p:txBody>
+          <a:bodyPr wrap="none" lIns="91440" tIns="45720" rIns="91440" bIns="45720">
+            <a:spAutoFit/>
+          </a:bodyPr>
+          <a:lstStyle/>
+          <a:p>
+            <a:pPr algn="ctr"/>
+            <a:r>
+              <a:rPr lang="en-US" sz="3600" b="1" cap="none" spc="0" dirty="0">
+                <a:ln w="12700">
+                  <a:solidFill>
+                    <a:schemeClr val="accent1"/>
+                  </a:solidFill>
+                  <a:prstDash val="solid"/>
+                </a:ln>
+                <a:pattFill prst="pct50">
+                  <a:fgClr>
+                    <a:schemeClr val="accent1"/>
+                  </a:fgClr>
+                  <a:bgClr>
+                    <a:schemeClr val="accent1">
+                      <a:lumMod val="20000"/>
+                      <a:lumOff val="80000"/>
+                    </a:schemeClr>
+                  </a:bgClr>
+                </a:pattFill>
+                <a:effectLst>
+                  <a:outerShdw dist="38100" dir="2640000" algn="bl" rotWithShape="0">
+                    <a:schemeClr val="accent1"/>
+                  </a:outerShdw>
+                </a:effectLst>
+              </a:rPr>
+              <a:t>Backend Service</a:t>
+            </a:r>
+          </a:p>
+        </p:txBody>
+      </p:sp>
+      <p:sp>
+        <p:nvSpPr>
+          <p:cNvPr id="11" name="Rectangle 10">
+            <a:extLst>
+              <a:ext uri="{FF2B5EF4-FFF2-40B4-BE49-F238E27FC236}">
+                <a16:creationId xmlns:a16="http://schemas.microsoft.com/office/drawing/2014/main" id="{A0583248-6DE4-4E68-A3D7-1761CC4D75BF}"/>
+              </a:ext>
+            </a:extLst>
+          </p:cNvPr>
+          <p:cNvSpPr/>
+          <p:nvPr/>
+        </p:nvSpPr>
+        <p:spPr>
+          <a:xfrm>
+            <a:off x="8382616" y="5185139"/>
+            <a:ext cx="1428596" cy="646331"/>
+          </a:xfrm>
+          <a:prstGeom prst="rect">
+            <a:avLst/>
+          </a:prstGeom>
+          <a:noFill/>
+        </p:spPr>
+        <p:txBody>
+          <a:bodyPr wrap="none" lIns="91440" tIns="45720" rIns="91440" bIns="45720">
+            <a:spAutoFit/>
+          </a:bodyPr>
+          <a:lstStyle/>
+          <a:p>
+            <a:pPr algn="ctr"/>
+            <a:r>
+              <a:rPr lang="en-US" sz="3600" b="1" cap="none" spc="0" dirty="0">
+                <a:ln w="12700">
+                  <a:solidFill>
+                    <a:schemeClr val="accent1"/>
+                  </a:solidFill>
+                  <a:prstDash val="solid"/>
+                </a:ln>
+                <a:pattFill prst="pct50">
+                  <a:fgClr>
+                    <a:schemeClr val="accent1"/>
+                  </a:fgClr>
+                  <a:bgClr>
+                    <a:schemeClr val="accent1">
+                      <a:lumMod val="20000"/>
+                      <a:lumOff val="80000"/>
+                    </a:schemeClr>
+                  </a:bgClr>
+                </a:pattFill>
+                <a:effectLst>
+                  <a:outerShdw dist="38100" dir="2640000" algn="bl" rotWithShape="0">
+                    <a:schemeClr val="accent1"/>
+                  </a:outerShdw>
+                </a:effectLst>
+              </a:rPr>
+              <a:t>Ui app</a:t>
+            </a:r>
+          </a:p>
+        </p:txBody>
+      </p:sp>
+      <p:sp>
+        <p:nvSpPr>
+          <p:cNvPr id="12" name="Rectangle 11">
+            <a:extLst>
+              <a:ext uri="{FF2B5EF4-FFF2-40B4-BE49-F238E27FC236}">
+                <a16:creationId xmlns:a16="http://schemas.microsoft.com/office/drawing/2014/main" id="{61446C7C-1D47-44B3-8B95-327900942498}"/>
+              </a:ext>
+            </a:extLst>
+          </p:cNvPr>
+          <p:cNvSpPr/>
+          <p:nvPr/>
+        </p:nvSpPr>
+        <p:spPr>
+          <a:xfrm>
+            <a:off x="10493423" y="5185138"/>
+            <a:ext cx="1066318" cy="646331"/>
+          </a:xfrm>
+          <a:prstGeom prst="rect">
+            <a:avLst/>
+          </a:prstGeom>
+          <a:noFill/>
+        </p:spPr>
+        <p:txBody>
+          <a:bodyPr wrap="none" lIns="91440" tIns="45720" rIns="91440" bIns="45720">
+            <a:spAutoFit/>
+          </a:bodyPr>
+          <a:lstStyle/>
+          <a:p>
+            <a:pPr algn="ctr"/>
+            <a:r>
+              <a:rPr lang="en-US" sz="3600" b="1" cap="none" spc="0" dirty="0">
+                <a:ln w="12700">
+                  <a:solidFill>
+                    <a:schemeClr val="accent1"/>
+                  </a:solidFill>
+                  <a:prstDash val="solid"/>
+                </a:ln>
+                <a:pattFill prst="pct50">
+                  <a:fgClr>
+                    <a:schemeClr val="accent1"/>
+                  </a:fgClr>
+                  <a:bgClr>
+                    <a:schemeClr val="accent1">
+                      <a:lumMod val="20000"/>
+                      <a:lumOff val="80000"/>
+                    </a:schemeClr>
+                  </a:bgClr>
+                </a:pattFill>
+                <a:effectLst>
+                  <a:outerShdw dist="38100" dir="2640000" algn="bl" rotWithShape="0">
+                    <a:schemeClr val="accent1"/>
+                  </a:outerShdw>
+                </a:effectLst>
+              </a:rPr>
+              <a:t>User</a:t>
+            </a:r>
+          </a:p>
+        </p:txBody>
+      </p:sp>
+      <p:sp>
+        <p:nvSpPr>
+          <p:cNvPr id="15" name="Rectangle 14">
+            <a:extLst>
+              <a:ext uri="{FF2B5EF4-FFF2-40B4-BE49-F238E27FC236}">
+                <a16:creationId xmlns:a16="http://schemas.microsoft.com/office/drawing/2014/main" id="{6F27B7B8-F0D5-465E-8574-3E932C382946}"/>
+              </a:ext>
+            </a:extLst>
+          </p:cNvPr>
+          <p:cNvSpPr/>
+          <p:nvPr/>
+        </p:nvSpPr>
+        <p:spPr>
+          <a:xfrm>
+            <a:off x="1258044" y="5849735"/>
+            <a:ext cx="2556854" cy="923330"/>
+          </a:xfrm>
+          <a:prstGeom prst="rect">
+            <a:avLst/>
+          </a:prstGeom>
+          <a:noFill/>
+        </p:spPr>
+        <p:txBody>
+          <a:bodyPr wrap="none" lIns="91440" tIns="45720" rIns="91440" bIns="45720">
+            <a:spAutoFit/>
+          </a:bodyPr>
+          <a:lstStyle/>
+          <a:p>
+            <a:pPr algn="ctr"/>
+            <a:r>
+              <a:rPr lang="en-US" sz="5400" b="1" cap="none" spc="50" dirty="0">
+                <a:ln w="9525" cmpd="sng">
+                  <a:solidFill>
+                    <a:schemeClr val="accent1"/>
+                  </a:solidFill>
+                  <a:prstDash val="solid"/>
+                </a:ln>
+                <a:solidFill>
+                  <a:srgbClr val="70AD47">
+                    <a:tint val="1000"/>
+                  </a:srgbClr>
+                </a:solidFill>
+                <a:effectLst>
+                  <a:glow rad="38100">
+                    <a:schemeClr val="accent1">
+                      <a:alpha val="40000"/>
+                    </a:schemeClr>
+                  </a:glow>
+                </a:effectLst>
+              </a:rPr>
+              <a:t>Request</a:t>
+            </a:r>
+          </a:p>
+        </p:txBody>
+      </p:sp>
+      <p:sp>
+        <p:nvSpPr>
+          <p:cNvPr id="16" name="Rectangle 15">
+            <a:extLst>
+              <a:ext uri="{FF2B5EF4-FFF2-40B4-BE49-F238E27FC236}">
+                <a16:creationId xmlns:a16="http://schemas.microsoft.com/office/drawing/2014/main" id="{9B0996E6-DE67-4431-BD28-AB438761ED9C}"/>
+              </a:ext>
+            </a:extLst>
+          </p:cNvPr>
+          <p:cNvSpPr/>
+          <p:nvPr/>
+        </p:nvSpPr>
+        <p:spPr>
+          <a:xfrm>
+            <a:off x="8707483" y="5881035"/>
+            <a:ext cx="2978188" cy="923330"/>
+          </a:xfrm>
+          <a:prstGeom prst="rect">
+            <a:avLst/>
+          </a:prstGeom>
+          <a:noFill/>
+        </p:spPr>
+        <p:txBody>
+          <a:bodyPr wrap="none" lIns="91440" tIns="45720" rIns="91440" bIns="45720">
+            <a:spAutoFit/>
+          </a:bodyPr>
+          <a:lstStyle/>
+          <a:p>
+            <a:pPr algn="ctr"/>
+            <a:r>
+              <a:rPr lang="en-US" sz="5400" b="1" cap="none" spc="50" dirty="0">
+                <a:ln w="9525" cmpd="sng">
+                  <a:solidFill>
+                    <a:schemeClr val="accent1"/>
+                  </a:solidFill>
+                  <a:prstDash val="solid"/>
+                </a:ln>
+                <a:solidFill>
+                  <a:srgbClr val="70AD47">
+                    <a:tint val="1000"/>
+                  </a:srgbClr>
+                </a:solidFill>
+                <a:effectLst>
+                  <a:glow rad="38100">
+                    <a:schemeClr val="accent1">
+                      <a:alpha val="40000"/>
+                    </a:schemeClr>
+                  </a:glow>
+                </a:effectLst>
+              </a:rPr>
+              <a:t>Response</a:t>
+            </a:r>
+          </a:p>
+        </p:txBody>
+      </p:sp>
+      <p:cxnSp>
+        <p:nvCxnSpPr>
+          <p:cNvPr id="18" name="Straight Arrow Connector 17">
+            <a:extLst>
+              <a:ext uri="{FF2B5EF4-FFF2-40B4-BE49-F238E27FC236}">
+                <a16:creationId xmlns:a16="http://schemas.microsoft.com/office/drawing/2014/main" id="{0306F65F-82D4-4125-B7E1-6DE93D8B9BFA}"/>
+              </a:ext>
+            </a:extLst>
+          </p:cNvPr>
+          <p:cNvCxnSpPr>
+            <a:cxnSpLocks/>
+          </p:cNvCxnSpPr>
+          <p:nvPr/>
+        </p:nvCxnSpPr>
+        <p:spPr>
+          <a:xfrm>
+            <a:off x="3965067" y="6349900"/>
+            <a:ext cx="4742416" cy="31300"/>
+          </a:xfrm>
+          <a:prstGeom prst="straightConnector1">
+            <a:avLst/>
+          </a:prstGeom>
+          <a:ln>
+            <a:tailEnd type="triangle"/>
+          </a:ln>
+        </p:spPr>
+        <p:style>
+          <a:lnRef idx="3">
+            <a:schemeClr val="accent4"/>
+          </a:lnRef>
+          <a:fillRef idx="0">
+            <a:schemeClr val="accent4"/>
+          </a:fillRef>
+          <a:effectRef idx="2">
+            <a:schemeClr val="accent4"/>
+          </a:effectRef>
+          <a:fontRef idx="minor">
+            <a:schemeClr val="tx1"/>
+          </a:fontRef>
+        </p:style>
+      </p:cxnSp>
+      <p:sp>
+        <p:nvSpPr>
+          <p:cNvPr id="19" name="Rectangle 18">
+            <a:extLst>
+              <a:ext uri="{FF2B5EF4-FFF2-40B4-BE49-F238E27FC236}">
+                <a16:creationId xmlns:a16="http://schemas.microsoft.com/office/drawing/2014/main" id="{E39B85B7-FAAA-4F38-A0BD-D09172109A9D}"/>
+              </a:ext>
+            </a:extLst>
+          </p:cNvPr>
+          <p:cNvSpPr/>
+          <p:nvPr/>
+        </p:nvSpPr>
+        <p:spPr>
+          <a:xfrm>
+            <a:off x="5844377" y="5885127"/>
+            <a:ext cx="833626" cy="523220"/>
+          </a:xfrm>
+          <a:prstGeom prst="rect">
+            <a:avLst/>
+          </a:prstGeom>
+          <a:noFill/>
+        </p:spPr>
+        <p:txBody>
+          <a:bodyPr wrap="none" lIns="91440" tIns="45720" rIns="91440" bIns="45720">
+            <a:spAutoFit/>
+          </a:bodyPr>
+          <a:lstStyle/>
+          <a:p>
+            <a:pPr algn="ctr"/>
+            <a:r>
+              <a:rPr lang="en-US" sz="2800" b="0" cap="none" spc="0" dirty="0">
+                <a:ln w="0"/>
+                <a:solidFill>
+                  <a:schemeClr val="tx1"/>
+                </a:solidFill>
+                <a:effectLst>
+                  <a:outerShdw blurRad="38100" dist="19050" dir="2700000" algn="tl" rotWithShape="0">
+                    <a:schemeClr val="dk1">
+                      <a:alpha val="40000"/>
+                    </a:schemeClr>
+                  </a:outerShdw>
+                </a:effectLst>
+              </a:rPr>
+              <a:t>Http</a:t>
+            </a:r>
+          </a:p>
+        </p:txBody>
+      </p:sp>
+      <p:sp>
+        <p:nvSpPr>
+          <p:cNvPr id="20" name="Oval 19">
+            <a:extLst>
+              <a:ext uri="{FF2B5EF4-FFF2-40B4-BE49-F238E27FC236}">
+                <a16:creationId xmlns:a16="http://schemas.microsoft.com/office/drawing/2014/main" id="{990CD3F2-3660-4B6D-9B8F-4EA58BD1157E}"/>
+              </a:ext>
+            </a:extLst>
+          </p:cNvPr>
+          <p:cNvSpPr/>
+          <p:nvPr/>
+        </p:nvSpPr>
+        <p:spPr>
+          <a:xfrm>
+            <a:off x="5594054" y="1787837"/>
+            <a:ext cx="1289786" cy="1203158"/>
+          </a:xfrm>
+          <a:prstGeom prst="ellipse">
+            <a:avLst/>
+          </a:prstGeom>
+        </p:spPr>
+        <p:style>
+          <a:lnRef idx="2">
+            <a:schemeClr val="accent6"/>
+          </a:lnRef>
+          <a:fillRef idx="1">
+            <a:schemeClr val="lt1"/>
+          </a:fillRef>
+          <a:effectRef idx="0">
+            <a:schemeClr val="accent6"/>
+          </a:effectRef>
+          <a:fontRef idx="minor">
+            <a:schemeClr val="dk1"/>
+          </a:fontRef>
+        </p:style>
+        <p:txBody>
+          <a:bodyPr rtlCol="0" anchor="ctr"/>
+          <a:lstStyle/>
+          <a:p>
+            <a:pPr algn="ctr"/>
+            <a:r>
+              <a:rPr lang="en-US" dirty="0"/>
+              <a:t>Active MQ</a:t>
+            </a:r>
+            <a:endParaRPr lang="en-IN" dirty="0"/>
+          </a:p>
+        </p:txBody>
+      </p:sp>
+      <p:cxnSp>
+        <p:nvCxnSpPr>
+          <p:cNvPr id="22" name="Straight Arrow Connector 21">
+            <a:extLst>
+              <a:ext uri="{FF2B5EF4-FFF2-40B4-BE49-F238E27FC236}">
+                <a16:creationId xmlns:a16="http://schemas.microsoft.com/office/drawing/2014/main" id="{BD3490DB-682C-4C11-9BB4-6D60C9F6CC6A}"/>
+              </a:ext>
+            </a:extLst>
+          </p:cNvPr>
+          <p:cNvCxnSpPr>
+            <a:cxnSpLocks/>
+          </p:cNvCxnSpPr>
+          <p:nvPr/>
+        </p:nvCxnSpPr>
+        <p:spPr>
+          <a:xfrm flipV="1">
+            <a:off x="5091764" y="2477588"/>
+            <a:ext cx="502290" cy="862378"/>
+          </a:xfrm>
+          <a:prstGeom prst="straightConnector1">
+            <a:avLst/>
+          </a:prstGeom>
+          <a:ln>
+            <a:tailEnd type="triangle"/>
+          </a:ln>
+        </p:spPr>
+        <p:style>
+          <a:lnRef idx="3">
+            <a:schemeClr val="accent3"/>
+          </a:lnRef>
+          <a:fillRef idx="0">
+            <a:schemeClr val="accent3"/>
+          </a:fillRef>
+          <a:effectRef idx="2">
+            <a:schemeClr val="accent3"/>
+          </a:effectRef>
+          <a:fontRef idx="minor">
+            <a:schemeClr val="tx1"/>
+          </a:fontRef>
+        </p:style>
+      </p:cxnSp>
+      <p:cxnSp>
+        <p:nvCxnSpPr>
+          <p:cNvPr id="28" name="Straight Arrow Connector 27">
+            <a:extLst>
+              <a:ext uri="{FF2B5EF4-FFF2-40B4-BE49-F238E27FC236}">
+                <a16:creationId xmlns:a16="http://schemas.microsoft.com/office/drawing/2014/main" id="{00E99D09-B02D-4DDD-8509-6CB1DA0DAA8F}"/>
+              </a:ext>
+            </a:extLst>
+          </p:cNvPr>
+          <p:cNvCxnSpPr>
+            <a:cxnSpLocks/>
+          </p:cNvCxnSpPr>
+          <p:nvPr/>
+        </p:nvCxnSpPr>
+        <p:spPr>
+          <a:xfrm>
+            <a:off x="6883840" y="2379791"/>
+            <a:ext cx="517987" cy="950550"/>
+          </a:xfrm>
+          <a:prstGeom prst="straightConnector1">
+            <a:avLst/>
+          </a:prstGeom>
+          <a:ln>
+            <a:tailEnd type="triangle"/>
+          </a:ln>
+        </p:spPr>
+        <p:style>
+          <a:lnRef idx="3">
+            <a:schemeClr val="accent3"/>
+          </a:lnRef>
+          <a:fillRef idx="0">
+            <a:schemeClr val="accent3"/>
+          </a:fillRef>
+          <a:effectRef idx="2">
+            <a:schemeClr val="accent3"/>
+          </a:effectRef>
+          <a:fontRef idx="minor">
+            <a:schemeClr val="tx1"/>
+          </a:fontRef>
+        </p:style>
+      </p:cxnSp>
+    </p:spTree>
+    <p:extLst>
+      <p:ext uri="{BB962C8B-B14F-4D97-AF65-F5344CB8AC3E}">
+        <p14:creationId xmlns:p14="http://schemas.microsoft.com/office/powerpoint/2010/main" val="3656649206"/>
+      </p:ext>
+    </p:extLst>
+  </p:cSld>
+  <p:clrMapOvr>
+    <a:masterClrMapping/>
+  </p:clrMapOvr>
+</p:sld>
+</file>
+
+<file path=ppt/slides/slide6.xml><?xml version="1.0" encoding="utf-8"?>
+<p:sld xmlns:a="http://schemas.openxmlformats.org/drawingml/2006/main" xmlns:r="http://schemas.openxmlformats.org/officeDocument/2006/relationships" xmlns:p="http://schemas.openxmlformats.org/presentationml/2006/main">
+  <p:cSld>
+    <p:spTree>
+      <p:nvGrpSpPr>
+        <p:cNvPr id="1" name=""/>
+        <p:cNvGrpSpPr/>
+        <p:nvPr/>
+      </p:nvGrpSpPr>
+      <p:grpSpPr>
+        <a:xfrm>
+          <a:off x="0" y="0"/>
+          <a:ext cx="0" cy="0"/>
+          <a:chOff x="0" y="0"/>
+          <a:chExt cx="0" cy="0"/>
+        </a:xfrm>
+      </p:grpSpPr>
+      <p:graphicFrame>
+        <p:nvGraphicFramePr>
+          <p:cNvPr id="6" name="Diagram 5">
+            <a:extLst>
+              <a:ext uri="{FF2B5EF4-FFF2-40B4-BE49-F238E27FC236}">
+                <a16:creationId xmlns:a16="http://schemas.microsoft.com/office/drawing/2014/main" id="{C7242D06-518B-4110-9EE0-964A0D83402A}"/>
+              </a:ext>
+            </a:extLst>
+          </p:cNvPr>
+          <p:cNvGraphicFramePr/>
+          <p:nvPr>
+            <p:extLst>
+              <p:ext uri="{D42A27DB-BD31-4B8C-83A1-F6EECF244321}">
+                <p14:modId xmlns:p14="http://schemas.microsoft.com/office/powerpoint/2010/main" val="161404902"/>
+              </p:ext>
+            </p:extLst>
+          </p:nvPr>
+        </p:nvGraphicFramePr>
+        <p:xfrm>
+          <a:off x="0" y="2623848"/>
+          <a:ext cx="11989869" cy="3257187"/>
+        </p:xfrm>
+        <a:graphic>
+          <a:graphicData uri="http://schemas.openxmlformats.org/drawingml/2006/diagram">
+            <dgm:relIds xmlns:dgm="http://schemas.openxmlformats.org/drawingml/2006/diagram" xmlns:r="http://schemas.openxmlformats.org/officeDocument/2006/relationships" r:dm="rId2" r:lo="rId3" r:qs="rId4" r:cs="rId5"/>
+          </a:graphicData>
+        </a:graphic>
+      </p:graphicFrame>
+      <p:sp>
+        <p:nvSpPr>
+          <p:cNvPr id="7" name="Rectangle 6">
+            <a:extLst>
+              <a:ext uri="{FF2B5EF4-FFF2-40B4-BE49-F238E27FC236}">
+                <a16:creationId xmlns:a16="http://schemas.microsoft.com/office/drawing/2014/main" id="{2A0D6AAD-D6FB-427D-A781-83528495E52A}"/>
+              </a:ext>
+            </a:extLst>
+          </p:cNvPr>
+          <p:cNvSpPr/>
+          <p:nvPr/>
+        </p:nvSpPr>
+        <p:spPr>
+          <a:xfrm>
+            <a:off x="-172675" y="-155511"/>
+            <a:ext cx="9983887" cy="1754326"/>
+          </a:xfrm>
+          <a:prstGeom prst="rect">
+            <a:avLst/>
+          </a:prstGeom>
+          <a:noFill/>
+        </p:spPr>
+        <p:txBody>
+          <a:bodyPr wrap="none" lIns="91440" tIns="45720" rIns="91440" bIns="45720">
+            <a:spAutoFit/>
+          </a:bodyPr>
+          <a:lstStyle/>
+          <a:p>
+            <a:pPr algn="ctr"/>
+            <a:r>
+              <a:rPr lang="en-US" sz="5400" b="1" cap="none" spc="0" dirty="0">
+                <a:ln w="13462">
+                  <a:solidFill>
+                    <a:schemeClr val="bg1"/>
+                  </a:solidFill>
+                  <a:prstDash val="solid"/>
+                </a:ln>
+                <a:solidFill>
+                  <a:schemeClr val="tx1">
+                    <a:lumMod val="85000"/>
+                    <a:lumOff val="15000"/>
+                  </a:schemeClr>
+                </a:solidFill>
+                <a:effectLst>
+                  <a:outerShdw dist="38100" dir="2700000" algn="bl" rotWithShape="0">
+                    <a:schemeClr val="accent5"/>
+                  </a:outerShdw>
+                </a:effectLst>
+              </a:rPr>
+              <a:t>Receiving/Consuming Messages   </a:t>
+            </a:r>
+          </a:p>
+          <a:p>
+            <a:pPr algn="ctr"/>
+            <a:r>
+              <a:rPr lang="en-US" sz="5400" b="1" cap="none" spc="0" dirty="0">
+                <a:ln w="13462">
+                  <a:solidFill>
+                    <a:schemeClr val="bg1"/>
+                  </a:solidFill>
+                  <a:prstDash val="solid"/>
+                </a:ln>
+                <a:solidFill>
+                  <a:schemeClr val="tx1">
+                    <a:lumMod val="85000"/>
+                    <a:lumOff val="15000"/>
+                  </a:schemeClr>
+                </a:solidFill>
+                <a:effectLst>
+                  <a:outerShdw dist="38100" dir="2700000" algn="bl" rotWithShape="0">
+                    <a:schemeClr val="accent5"/>
+                  </a:outerShdw>
+                </a:effectLst>
+              </a:rPr>
+              <a:t>From ActiveMQ Via WSS</a:t>
+            </a:r>
+          </a:p>
+        </p:txBody>
+      </p:sp>
+      <p:sp>
+        <p:nvSpPr>
+          <p:cNvPr id="8" name="Rectangle 7">
+            <a:extLst>
+              <a:ext uri="{FF2B5EF4-FFF2-40B4-BE49-F238E27FC236}">
+                <a16:creationId xmlns:a16="http://schemas.microsoft.com/office/drawing/2014/main" id="{33E8B576-B7BE-44D1-AE47-46E4C255DBCA}"/>
+              </a:ext>
+            </a:extLst>
+          </p:cNvPr>
+          <p:cNvSpPr/>
+          <p:nvPr/>
+        </p:nvSpPr>
+        <p:spPr>
+          <a:xfrm>
+            <a:off x="838869" y="5152270"/>
+            <a:ext cx="1066319" cy="646331"/>
+          </a:xfrm>
+          <a:prstGeom prst="rect">
+            <a:avLst/>
+          </a:prstGeom>
+          <a:noFill/>
+        </p:spPr>
+        <p:txBody>
+          <a:bodyPr wrap="none" lIns="91440" tIns="45720" rIns="91440" bIns="45720">
+            <a:spAutoFit/>
+          </a:bodyPr>
+          <a:lstStyle/>
+          <a:p>
+            <a:pPr algn="ctr"/>
+            <a:r>
+              <a:rPr lang="en-US" sz="3600" b="1" cap="none" spc="0" dirty="0">
+                <a:ln w="12700">
+                  <a:solidFill>
+                    <a:schemeClr val="accent1"/>
+                  </a:solidFill>
+                  <a:prstDash val="solid"/>
+                </a:ln>
+                <a:pattFill prst="pct50">
+                  <a:fgClr>
+                    <a:schemeClr val="accent1"/>
+                  </a:fgClr>
+                  <a:bgClr>
+                    <a:schemeClr val="accent1">
+                      <a:lumMod val="20000"/>
+                      <a:lumOff val="80000"/>
+                    </a:schemeClr>
+                  </a:bgClr>
+                </a:pattFill>
+                <a:effectLst>
+                  <a:outerShdw dist="38100" dir="2640000" algn="bl" rotWithShape="0">
+                    <a:schemeClr val="accent1"/>
+                  </a:outerShdw>
+                </a:effectLst>
+              </a:rPr>
+              <a:t>User</a:t>
+            </a:r>
+          </a:p>
+        </p:txBody>
+      </p:sp>
+      <p:sp>
+        <p:nvSpPr>
+          <p:cNvPr id="9" name="Rectangle 8">
+            <a:extLst>
+              <a:ext uri="{FF2B5EF4-FFF2-40B4-BE49-F238E27FC236}">
+                <a16:creationId xmlns:a16="http://schemas.microsoft.com/office/drawing/2014/main" id="{3BAC53E1-23A0-4385-899A-87AE4289281F}"/>
+              </a:ext>
+            </a:extLst>
+          </p:cNvPr>
+          <p:cNvSpPr/>
+          <p:nvPr/>
+        </p:nvSpPr>
+        <p:spPr>
+          <a:xfrm>
+            <a:off x="2536471" y="5152270"/>
+            <a:ext cx="1428596" cy="646331"/>
+          </a:xfrm>
+          <a:prstGeom prst="rect">
+            <a:avLst/>
+          </a:prstGeom>
+          <a:noFill/>
+        </p:spPr>
+        <p:txBody>
+          <a:bodyPr wrap="none" lIns="91440" tIns="45720" rIns="91440" bIns="45720">
+            <a:spAutoFit/>
+          </a:bodyPr>
+          <a:lstStyle/>
+          <a:p>
+            <a:pPr algn="ctr"/>
+            <a:r>
+              <a:rPr lang="en-US" sz="3600" b="1" cap="none" spc="0" dirty="0">
+                <a:ln w="12700">
+                  <a:solidFill>
+                    <a:schemeClr val="accent1"/>
+                  </a:solidFill>
+                  <a:prstDash val="solid"/>
+                </a:ln>
+                <a:pattFill prst="pct50">
+                  <a:fgClr>
+                    <a:schemeClr val="accent1"/>
+                  </a:fgClr>
+                  <a:bgClr>
+                    <a:schemeClr val="accent1">
+                      <a:lumMod val="20000"/>
+                      <a:lumOff val="80000"/>
+                    </a:schemeClr>
+                  </a:bgClr>
+                </a:pattFill>
+                <a:effectLst>
+                  <a:outerShdw dist="38100" dir="2640000" algn="bl" rotWithShape="0">
+                    <a:schemeClr val="accent1"/>
+                  </a:outerShdw>
+                </a:effectLst>
+              </a:rPr>
+              <a:t>Ui app</a:t>
+            </a:r>
+          </a:p>
+        </p:txBody>
+      </p:sp>
+      <p:sp>
+        <p:nvSpPr>
+          <p:cNvPr id="10" name="Rectangle 9">
+            <a:extLst>
+              <a:ext uri="{FF2B5EF4-FFF2-40B4-BE49-F238E27FC236}">
+                <a16:creationId xmlns:a16="http://schemas.microsoft.com/office/drawing/2014/main" id="{5D10CD32-4FE0-48DA-B2A4-4FF731DFDF28}"/>
+              </a:ext>
+            </a:extLst>
+          </p:cNvPr>
+          <p:cNvSpPr/>
+          <p:nvPr/>
+        </p:nvSpPr>
+        <p:spPr>
+          <a:xfrm>
+            <a:off x="4596350" y="5234704"/>
+            <a:ext cx="3285195" cy="646331"/>
+          </a:xfrm>
+          <a:prstGeom prst="rect">
+            <a:avLst/>
+          </a:prstGeom>
+          <a:noFill/>
+        </p:spPr>
+        <p:txBody>
+          <a:bodyPr wrap="none" lIns="91440" tIns="45720" rIns="91440" bIns="45720">
+            <a:spAutoFit/>
+          </a:bodyPr>
+          <a:lstStyle/>
+          <a:p>
+            <a:pPr algn="ctr"/>
+            <a:r>
+              <a:rPr lang="en-US" sz="3600" b="1" cap="none" spc="0" dirty="0">
+                <a:ln w="12700">
+                  <a:solidFill>
+                    <a:schemeClr val="accent1"/>
+                  </a:solidFill>
+                  <a:prstDash val="solid"/>
+                </a:ln>
+                <a:pattFill prst="pct50">
+                  <a:fgClr>
+                    <a:schemeClr val="accent1"/>
+                  </a:fgClr>
+                  <a:bgClr>
+                    <a:schemeClr val="accent1">
+                      <a:lumMod val="20000"/>
+                      <a:lumOff val="80000"/>
+                    </a:schemeClr>
+                  </a:bgClr>
+                </a:pattFill>
+                <a:effectLst>
+                  <a:outerShdw dist="38100" dir="2640000" algn="bl" rotWithShape="0">
+                    <a:schemeClr val="accent1"/>
+                  </a:outerShdw>
+                </a:effectLst>
+              </a:rPr>
+              <a:t>Backend Service</a:t>
+            </a:r>
+          </a:p>
+        </p:txBody>
+      </p:sp>
+      <p:sp>
+        <p:nvSpPr>
+          <p:cNvPr id="11" name="Rectangle 10">
+            <a:extLst>
+              <a:ext uri="{FF2B5EF4-FFF2-40B4-BE49-F238E27FC236}">
+                <a16:creationId xmlns:a16="http://schemas.microsoft.com/office/drawing/2014/main" id="{A0583248-6DE4-4E68-A3D7-1761CC4D75BF}"/>
+              </a:ext>
+            </a:extLst>
+          </p:cNvPr>
+          <p:cNvSpPr/>
+          <p:nvPr/>
+        </p:nvSpPr>
+        <p:spPr>
+          <a:xfrm>
+            <a:off x="8382616" y="5185139"/>
+            <a:ext cx="1428596" cy="646331"/>
+          </a:xfrm>
+          <a:prstGeom prst="rect">
+            <a:avLst/>
+          </a:prstGeom>
+          <a:noFill/>
+        </p:spPr>
+        <p:txBody>
+          <a:bodyPr wrap="none" lIns="91440" tIns="45720" rIns="91440" bIns="45720">
+            <a:spAutoFit/>
+          </a:bodyPr>
+          <a:lstStyle/>
+          <a:p>
+            <a:pPr algn="ctr"/>
+            <a:r>
+              <a:rPr lang="en-US" sz="3600" b="1" cap="none" spc="0" dirty="0">
+                <a:ln w="12700">
+                  <a:solidFill>
+                    <a:schemeClr val="accent1"/>
+                  </a:solidFill>
+                  <a:prstDash val="solid"/>
+                </a:ln>
+                <a:pattFill prst="pct50">
+                  <a:fgClr>
+                    <a:schemeClr val="accent1"/>
+                  </a:fgClr>
+                  <a:bgClr>
+                    <a:schemeClr val="accent1">
+                      <a:lumMod val="20000"/>
+                      <a:lumOff val="80000"/>
+                    </a:schemeClr>
+                  </a:bgClr>
+                </a:pattFill>
+                <a:effectLst>
+                  <a:outerShdw dist="38100" dir="2640000" algn="bl" rotWithShape="0">
+                    <a:schemeClr val="accent1"/>
+                  </a:outerShdw>
+                </a:effectLst>
+              </a:rPr>
+              <a:t>Ui app</a:t>
+            </a:r>
+          </a:p>
+        </p:txBody>
+      </p:sp>
+      <p:sp>
+        <p:nvSpPr>
+          <p:cNvPr id="12" name="Rectangle 11">
+            <a:extLst>
+              <a:ext uri="{FF2B5EF4-FFF2-40B4-BE49-F238E27FC236}">
+                <a16:creationId xmlns:a16="http://schemas.microsoft.com/office/drawing/2014/main" id="{61446C7C-1D47-44B3-8B95-327900942498}"/>
+              </a:ext>
+            </a:extLst>
+          </p:cNvPr>
+          <p:cNvSpPr/>
+          <p:nvPr/>
+        </p:nvSpPr>
+        <p:spPr>
+          <a:xfrm>
+            <a:off x="10493423" y="5185138"/>
+            <a:ext cx="1066318" cy="646331"/>
+          </a:xfrm>
+          <a:prstGeom prst="rect">
+            <a:avLst/>
+          </a:prstGeom>
+          <a:noFill/>
+        </p:spPr>
+        <p:txBody>
+          <a:bodyPr wrap="none" lIns="91440" tIns="45720" rIns="91440" bIns="45720">
+            <a:spAutoFit/>
+          </a:bodyPr>
+          <a:lstStyle/>
+          <a:p>
+            <a:pPr algn="ctr"/>
+            <a:r>
+              <a:rPr lang="en-US" sz="3600" b="1" cap="none" spc="0" dirty="0">
+                <a:ln w="12700">
+                  <a:solidFill>
+                    <a:schemeClr val="accent1"/>
+                  </a:solidFill>
+                  <a:prstDash val="solid"/>
+                </a:ln>
+                <a:pattFill prst="pct50">
+                  <a:fgClr>
+                    <a:schemeClr val="accent1"/>
+                  </a:fgClr>
+                  <a:bgClr>
+                    <a:schemeClr val="accent1">
+                      <a:lumMod val="20000"/>
+                      <a:lumOff val="80000"/>
+                    </a:schemeClr>
+                  </a:bgClr>
+                </a:pattFill>
+                <a:effectLst>
+                  <a:outerShdw dist="38100" dir="2640000" algn="bl" rotWithShape="0">
+                    <a:schemeClr val="accent1"/>
+                  </a:outerShdw>
+                </a:effectLst>
+              </a:rPr>
+              <a:t>User</a:t>
+            </a:r>
+          </a:p>
+        </p:txBody>
+      </p:sp>
+      <p:sp>
+        <p:nvSpPr>
+          <p:cNvPr id="15" name="Rectangle 14">
+            <a:extLst>
+              <a:ext uri="{FF2B5EF4-FFF2-40B4-BE49-F238E27FC236}">
+                <a16:creationId xmlns:a16="http://schemas.microsoft.com/office/drawing/2014/main" id="{6F27B7B8-F0D5-465E-8574-3E932C382946}"/>
+              </a:ext>
+            </a:extLst>
+          </p:cNvPr>
+          <p:cNvSpPr/>
+          <p:nvPr/>
+        </p:nvSpPr>
+        <p:spPr>
+          <a:xfrm>
+            <a:off x="1258044" y="5849735"/>
+            <a:ext cx="2556854" cy="923330"/>
+          </a:xfrm>
+          <a:prstGeom prst="rect">
+            <a:avLst/>
+          </a:prstGeom>
+          <a:noFill/>
+        </p:spPr>
+        <p:txBody>
+          <a:bodyPr wrap="none" lIns="91440" tIns="45720" rIns="91440" bIns="45720">
+            <a:spAutoFit/>
+          </a:bodyPr>
+          <a:lstStyle/>
+          <a:p>
+            <a:pPr algn="ctr"/>
+            <a:r>
+              <a:rPr lang="en-US" sz="5400" b="1" cap="none" spc="50" dirty="0">
+                <a:ln w="9525" cmpd="sng">
+                  <a:solidFill>
+                    <a:schemeClr val="accent1"/>
+                  </a:solidFill>
+                  <a:prstDash val="solid"/>
+                </a:ln>
+                <a:solidFill>
+                  <a:srgbClr val="70AD47">
+                    <a:tint val="1000"/>
+                  </a:srgbClr>
+                </a:solidFill>
+                <a:effectLst>
+                  <a:glow rad="38100">
+                    <a:schemeClr val="accent1">
+                      <a:alpha val="40000"/>
+                    </a:schemeClr>
+                  </a:glow>
+                </a:effectLst>
+              </a:rPr>
+              <a:t>Request</a:t>
+            </a:r>
+          </a:p>
+        </p:txBody>
+      </p:sp>
+      <p:sp>
+        <p:nvSpPr>
+          <p:cNvPr id="16" name="Rectangle 15">
+            <a:extLst>
+              <a:ext uri="{FF2B5EF4-FFF2-40B4-BE49-F238E27FC236}">
+                <a16:creationId xmlns:a16="http://schemas.microsoft.com/office/drawing/2014/main" id="{9B0996E6-DE67-4431-BD28-AB438761ED9C}"/>
+              </a:ext>
+            </a:extLst>
+          </p:cNvPr>
+          <p:cNvSpPr/>
+          <p:nvPr/>
+        </p:nvSpPr>
+        <p:spPr>
+          <a:xfrm>
+            <a:off x="8707483" y="5881035"/>
+            <a:ext cx="2978188" cy="923330"/>
+          </a:xfrm>
+          <a:prstGeom prst="rect">
+            <a:avLst/>
+          </a:prstGeom>
+          <a:noFill/>
+        </p:spPr>
+        <p:txBody>
+          <a:bodyPr wrap="none" lIns="91440" tIns="45720" rIns="91440" bIns="45720">
+            <a:spAutoFit/>
+          </a:bodyPr>
+          <a:lstStyle/>
+          <a:p>
+            <a:pPr algn="ctr"/>
+            <a:r>
+              <a:rPr lang="en-US" sz="5400" b="1" cap="none" spc="50" dirty="0">
+                <a:ln w="9525" cmpd="sng">
+                  <a:solidFill>
+                    <a:schemeClr val="accent1"/>
+                  </a:solidFill>
+                  <a:prstDash val="solid"/>
+                </a:ln>
+                <a:solidFill>
+                  <a:srgbClr val="70AD47">
+                    <a:tint val="1000"/>
+                  </a:srgbClr>
+                </a:solidFill>
+                <a:effectLst>
+                  <a:glow rad="38100">
+                    <a:schemeClr val="accent1">
+                      <a:alpha val="40000"/>
+                    </a:schemeClr>
+                  </a:glow>
+                </a:effectLst>
+              </a:rPr>
+              <a:t>Response</a:t>
+            </a:r>
+          </a:p>
+        </p:txBody>
+      </p:sp>
+      <p:cxnSp>
+        <p:nvCxnSpPr>
+          <p:cNvPr id="18" name="Straight Arrow Connector 17">
+            <a:extLst>
+              <a:ext uri="{FF2B5EF4-FFF2-40B4-BE49-F238E27FC236}">
+                <a16:creationId xmlns:a16="http://schemas.microsoft.com/office/drawing/2014/main" id="{0306F65F-82D4-4125-B7E1-6DE93D8B9BFA}"/>
+              </a:ext>
+            </a:extLst>
+          </p:cNvPr>
+          <p:cNvCxnSpPr>
+            <a:cxnSpLocks/>
+          </p:cNvCxnSpPr>
+          <p:nvPr/>
+        </p:nvCxnSpPr>
+        <p:spPr>
+          <a:xfrm>
+            <a:off x="3965067" y="6349900"/>
+            <a:ext cx="4742416" cy="31300"/>
+          </a:xfrm>
+          <a:prstGeom prst="straightConnector1">
+            <a:avLst/>
+          </a:prstGeom>
+          <a:ln>
+            <a:tailEnd type="triangle"/>
+          </a:ln>
+        </p:spPr>
+        <p:style>
+          <a:lnRef idx="3">
+            <a:schemeClr val="accent4"/>
+          </a:lnRef>
+          <a:fillRef idx="0">
+            <a:schemeClr val="accent4"/>
+          </a:fillRef>
+          <a:effectRef idx="2">
+            <a:schemeClr val="accent4"/>
+          </a:effectRef>
+          <a:fontRef idx="minor">
+            <a:schemeClr val="tx1"/>
+          </a:fontRef>
+        </p:style>
+      </p:cxnSp>
+      <p:sp>
+        <p:nvSpPr>
+          <p:cNvPr id="19" name="Rectangle 18">
+            <a:extLst>
+              <a:ext uri="{FF2B5EF4-FFF2-40B4-BE49-F238E27FC236}">
+                <a16:creationId xmlns:a16="http://schemas.microsoft.com/office/drawing/2014/main" id="{E39B85B7-FAAA-4F38-A0BD-D09172109A9D}"/>
+              </a:ext>
+            </a:extLst>
+          </p:cNvPr>
+          <p:cNvSpPr/>
+          <p:nvPr/>
+        </p:nvSpPr>
+        <p:spPr>
+          <a:xfrm>
+            <a:off x="5901124" y="5885127"/>
+            <a:ext cx="720134" cy="523220"/>
+          </a:xfrm>
+          <a:prstGeom prst="rect">
+            <a:avLst/>
+          </a:prstGeom>
+          <a:noFill/>
+        </p:spPr>
+        <p:txBody>
+          <a:bodyPr wrap="none" lIns="91440" tIns="45720" rIns="91440" bIns="45720">
+            <a:spAutoFit/>
+          </a:bodyPr>
+          <a:lstStyle/>
+          <a:p>
+            <a:pPr algn="ctr"/>
+            <a:r>
+              <a:rPr lang="en-US" sz="2800" b="0" cap="none" spc="0" dirty="0">
+                <a:ln w="0"/>
+                <a:solidFill>
+                  <a:schemeClr val="tx1"/>
+                </a:solidFill>
+                <a:effectLst>
+                  <a:outerShdw blurRad="38100" dist="19050" dir="2700000" algn="tl" rotWithShape="0">
+                    <a:schemeClr val="dk1">
+                      <a:alpha val="40000"/>
+                    </a:schemeClr>
+                  </a:outerShdw>
+                </a:effectLst>
+              </a:rPr>
+              <a:t>wss</a:t>
+            </a:r>
+          </a:p>
+        </p:txBody>
+      </p:sp>
+      <p:sp>
+        <p:nvSpPr>
+          <p:cNvPr id="3" name="Oval 2">
+            <a:extLst>
+              <a:ext uri="{FF2B5EF4-FFF2-40B4-BE49-F238E27FC236}">
+                <a16:creationId xmlns:a16="http://schemas.microsoft.com/office/drawing/2014/main" id="{9B461F52-82F2-4CEC-A293-E51BF6BD3B6E}"/>
+              </a:ext>
+            </a:extLst>
+          </p:cNvPr>
+          <p:cNvSpPr/>
+          <p:nvPr/>
+        </p:nvSpPr>
+        <p:spPr>
+          <a:xfrm>
+            <a:off x="9885145" y="731520"/>
+            <a:ext cx="1800526" cy="1754326"/>
+          </a:xfrm>
+          <a:prstGeom prst="ellipse">
+            <a:avLst/>
+          </a:prstGeom>
+        </p:spPr>
+        <p:style>
+          <a:lnRef idx="2">
+            <a:schemeClr val="accent6"/>
+          </a:lnRef>
+          <a:fillRef idx="1">
+            <a:schemeClr val="lt1"/>
+          </a:fillRef>
+          <a:effectRef idx="0">
+            <a:schemeClr val="accent6"/>
+          </a:effectRef>
+          <a:fontRef idx="minor">
+            <a:schemeClr val="dk1"/>
+          </a:fontRef>
+        </p:style>
+        <p:txBody>
+          <a:bodyPr rtlCol="0" anchor="ctr"/>
+          <a:lstStyle/>
+          <a:p>
+            <a:pPr algn="ctr"/>
+            <a:r>
+              <a:rPr lang="en-US" dirty="0"/>
+              <a:t>Producer</a:t>
+            </a:r>
+            <a:endParaRPr lang="en-IN" dirty="0"/>
+          </a:p>
+        </p:txBody>
+      </p:sp>
+      <p:sp>
+        <p:nvSpPr>
+          <p:cNvPr id="17" name="Oval 16">
+            <a:extLst>
+              <a:ext uri="{FF2B5EF4-FFF2-40B4-BE49-F238E27FC236}">
+                <a16:creationId xmlns:a16="http://schemas.microsoft.com/office/drawing/2014/main" id="{17FE9339-AC95-4AED-8557-BDA922818A53}"/>
+              </a:ext>
+            </a:extLst>
+          </p:cNvPr>
+          <p:cNvSpPr/>
+          <p:nvPr/>
+        </p:nvSpPr>
+        <p:spPr>
+          <a:xfrm>
+            <a:off x="5594054" y="1787837"/>
+            <a:ext cx="1289786" cy="1203158"/>
+          </a:xfrm>
+          <a:prstGeom prst="ellipse">
+            <a:avLst/>
+          </a:prstGeom>
+        </p:spPr>
+        <p:style>
+          <a:lnRef idx="2">
+            <a:schemeClr val="accent6"/>
+          </a:lnRef>
+          <a:fillRef idx="1">
+            <a:schemeClr val="lt1"/>
+          </a:fillRef>
+          <a:effectRef idx="0">
+            <a:schemeClr val="accent6"/>
+          </a:effectRef>
+          <a:fontRef idx="minor">
+            <a:schemeClr val="dk1"/>
+          </a:fontRef>
+        </p:style>
+        <p:txBody>
+          <a:bodyPr rtlCol="0" anchor="ctr"/>
+          <a:lstStyle/>
+          <a:p>
+            <a:pPr algn="ctr"/>
+            <a:r>
+              <a:rPr lang="en-US" dirty="0"/>
+              <a:t>Active MQ</a:t>
+            </a:r>
+            <a:endParaRPr lang="en-IN" dirty="0"/>
+          </a:p>
+        </p:txBody>
+      </p:sp>
+      <p:cxnSp>
+        <p:nvCxnSpPr>
+          <p:cNvPr id="20" name="Straight Arrow Connector 19">
+            <a:extLst>
+              <a:ext uri="{FF2B5EF4-FFF2-40B4-BE49-F238E27FC236}">
+                <a16:creationId xmlns:a16="http://schemas.microsoft.com/office/drawing/2014/main" id="{1355DA27-B1F8-4FA3-8576-EB2C45335DA5}"/>
+              </a:ext>
+            </a:extLst>
+          </p:cNvPr>
+          <p:cNvCxnSpPr>
+            <a:cxnSpLocks/>
+          </p:cNvCxnSpPr>
+          <p:nvPr/>
+        </p:nvCxnSpPr>
+        <p:spPr>
+          <a:xfrm flipV="1">
+            <a:off x="5091764" y="2477588"/>
+            <a:ext cx="502290" cy="862378"/>
+          </a:xfrm>
+          <a:prstGeom prst="straightConnector1">
+            <a:avLst/>
+          </a:prstGeom>
+          <a:ln>
+            <a:tailEnd type="triangle"/>
+          </a:ln>
+        </p:spPr>
+        <p:style>
+          <a:lnRef idx="3">
+            <a:schemeClr val="accent3"/>
+          </a:lnRef>
+          <a:fillRef idx="0">
+            <a:schemeClr val="accent3"/>
+          </a:fillRef>
+          <a:effectRef idx="2">
+            <a:schemeClr val="accent3"/>
+          </a:effectRef>
+          <a:fontRef idx="minor">
+            <a:schemeClr val="tx1"/>
+          </a:fontRef>
+        </p:style>
+      </p:cxnSp>
+      <p:cxnSp>
+        <p:nvCxnSpPr>
+          <p:cNvPr id="21" name="Straight Arrow Connector 20">
+            <a:extLst>
+              <a:ext uri="{FF2B5EF4-FFF2-40B4-BE49-F238E27FC236}">
+                <a16:creationId xmlns:a16="http://schemas.microsoft.com/office/drawing/2014/main" id="{6B9D9AEC-7C82-4A18-8476-D0FF9528C2BD}"/>
+              </a:ext>
+            </a:extLst>
+          </p:cNvPr>
+          <p:cNvCxnSpPr>
+            <a:cxnSpLocks/>
+          </p:cNvCxnSpPr>
+          <p:nvPr/>
+        </p:nvCxnSpPr>
+        <p:spPr>
+          <a:xfrm>
+            <a:off x="6883840" y="2379791"/>
+            <a:ext cx="517987" cy="950550"/>
+          </a:xfrm>
+          <a:prstGeom prst="straightConnector1">
+            <a:avLst/>
+          </a:prstGeom>
+          <a:ln>
+            <a:tailEnd type="triangle"/>
+          </a:ln>
+        </p:spPr>
+        <p:style>
+          <a:lnRef idx="3">
+            <a:schemeClr val="accent3"/>
+          </a:lnRef>
+          <a:fillRef idx="0">
+            <a:schemeClr val="accent3"/>
+          </a:fillRef>
+          <a:effectRef idx="2">
+            <a:schemeClr val="accent3"/>
+          </a:effectRef>
+          <a:fontRef idx="minor">
+            <a:schemeClr val="tx1"/>
+          </a:fontRef>
+        </p:style>
+      </p:cxnSp>
+      <p:cxnSp>
+        <p:nvCxnSpPr>
+          <p:cNvPr id="5" name="Straight Arrow Connector 4">
+            <a:extLst>
+              <a:ext uri="{FF2B5EF4-FFF2-40B4-BE49-F238E27FC236}">
+                <a16:creationId xmlns:a16="http://schemas.microsoft.com/office/drawing/2014/main" id="{03FB7EB3-71D9-495C-9FE8-879645CC8BB8}"/>
+              </a:ext>
+            </a:extLst>
+          </p:cNvPr>
+          <p:cNvCxnSpPr>
+            <a:stCxn id="3" idx="2"/>
+            <a:endCxn id="17" idx="7"/>
+          </p:cNvCxnSpPr>
+          <p:nvPr/>
+        </p:nvCxnSpPr>
+        <p:spPr>
+          <a:xfrm flipH="1">
+            <a:off x="6694955" y="1608683"/>
+            <a:ext cx="3190190" cy="355352"/>
+          </a:xfrm>
+          <a:prstGeom prst="straightConnector1">
+            <a:avLst/>
+          </a:prstGeom>
+          <a:ln>
+            <a:tailEnd type="triangle"/>
+          </a:ln>
+        </p:spPr>
+        <p:style>
+          <a:lnRef idx="3">
+            <a:schemeClr val="accent2"/>
+          </a:lnRef>
+          <a:fillRef idx="0">
+            <a:schemeClr val="accent2"/>
+          </a:fillRef>
+          <a:effectRef idx="2">
+            <a:schemeClr val="accent2"/>
+          </a:effectRef>
+          <a:fontRef idx="minor">
+            <a:schemeClr val="tx1"/>
+          </a:fontRef>
+        </p:style>
+      </p:cxnSp>
+    </p:spTree>
+    <p:extLst>
+      <p:ext uri="{BB962C8B-B14F-4D97-AF65-F5344CB8AC3E}">
+        <p14:creationId xmlns:p14="http://schemas.microsoft.com/office/powerpoint/2010/main" val="3035775415"/>
+      </p:ext>
+    </p:extLst>
+  </p:cSld>
+  <p:clrMapOvr>
+    <a:masterClrMapping/>
+  </p:clrMapOvr>
+</p:sld>
+</file>
+
+<file path=ppt/slides/slide7.xml><?xml version="1.0" encoding="utf-8"?>
+<p:sld xmlns:a="http://schemas.openxmlformats.org/drawingml/2006/main" xmlns:r="http://schemas.openxmlformats.org/officeDocument/2006/relationships" xmlns:p="http://schemas.openxmlformats.org/presentationml/2006/main">
+  <p:cSld>
+    <p:spTree>
+      <p:nvGrpSpPr>
+        <p:cNvPr id="1" name=""/>
+        <p:cNvGrpSpPr/>
+        <p:nvPr/>
+      </p:nvGrpSpPr>
+      <p:grpSpPr>
+        <a:xfrm>
+          <a:off x="0" y="0"/>
+          <a:ext cx="0" cy="0"/>
+          <a:chOff x="0" y="0"/>
+          <a:chExt cx="0" cy="0"/>
+        </a:xfrm>
+      </p:grpSpPr>
+      <p:sp>
+        <p:nvSpPr>
+          <p:cNvPr id="3" name="Rectangle 2">
+            <a:extLst>
+              <a:ext uri="{FF2B5EF4-FFF2-40B4-BE49-F238E27FC236}">
+                <a16:creationId xmlns:a16="http://schemas.microsoft.com/office/drawing/2014/main" id="{A22D7E99-5DE3-4E97-A8B2-327F59F6DD5A}"/>
+              </a:ext>
+            </a:extLst>
+          </p:cNvPr>
+          <p:cNvSpPr/>
+          <p:nvPr/>
+        </p:nvSpPr>
+        <p:spPr>
+          <a:xfrm>
+            <a:off x="0" y="112375"/>
+            <a:ext cx="12119013" cy="923330"/>
+          </a:xfrm>
+          <a:prstGeom prst="rect">
+            <a:avLst/>
+          </a:prstGeom>
+          <a:noFill/>
+        </p:spPr>
+        <p:txBody>
+          <a:bodyPr wrap="square" lIns="91440" tIns="45720" rIns="91440" bIns="45720">
+            <a:spAutoFit/>
+          </a:bodyPr>
+          <a:lstStyle/>
+          <a:p>
+            <a:r>
+              <a:rPr lang="en-US" sz="5400" b="1" dirty="0">
+                <a:ln w="9525">
+                  <a:solidFill>
+                    <a:schemeClr val="bg1"/>
+                  </a:solidFill>
+                  <a:prstDash val="solid"/>
+                </a:ln>
+                <a:effectLst>
+                  <a:outerShdw blurRad="12700" dist="38100" dir="2700000" algn="tl" rotWithShape="0">
+                    <a:schemeClr val="bg1">
+                      <a:lumMod val="50000"/>
+                    </a:schemeClr>
+                  </a:outerShdw>
+                </a:effectLst>
+              </a:rPr>
+              <a:t>Produces Message from UI</a:t>
+            </a:r>
+            <a:r>
+              <a:rPr lang="en-US" sz="5400" b="1" cap="none" spc="0" dirty="0">
+                <a:ln w="9525">
+                  <a:solidFill>
+                    <a:schemeClr val="bg1"/>
+                  </a:solidFill>
+                  <a:prstDash val="solid"/>
+                </a:ln>
+                <a:solidFill>
+                  <a:schemeClr val="tx1"/>
+                </a:solidFill>
+                <a:effectLst>
+                  <a:outerShdw blurRad="12700" dist="38100" dir="2700000" algn="tl" rotWithShape="0">
+                    <a:schemeClr val="bg1">
+                      <a:lumMod val="50000"/>
+                    </a:schemeClr>
+                  </a:outerShdw>
+                </a:effectLst>
+              </a:rPr>
+              <a:t> </a:t>
+            </a:r>
+          </a:p>
+        </p:txBody>
+      </p:sp>
+      <p:sp>
+        <p:nvSpPr>
+          <p:cNvPr id="4" name="TextBox 3">
+            <a:extLst>
+              <a:ext uri="{FF2B5EF4-FFF2-40B4-BE49-F238E27FC236}">
+                <a16:creationId xmlns:a16="http://schemas.microsoft.com/office/drawing/2014/main" id="{E0F1CFDA-B530-495C-A791-6ED71512AD10}"/>
+              </a:ext>
+            </a:extLst>
+          </p:cNvPr>
+          <p:cNvSpPr txBox="1"/>
+          <p:nvPr/>
+        </p:nvSpPr>
+        <p:spPr>
+          <a:xfrm>
+            <a:off x="5831841" y="2090172"/>
+            <a:ext cx="5381592" cy="2677656"/>
+          </a:xfrm>
+          <a:prstGeom prst="rect">
+            <a:avLst/>
+          </a:prstGeom>
+          <a:noFill/>
+        </p:spPr>
+        <p:txBody>
+          <a:bodyPr wrap="square" rtlCol="0">
+            <a:spAutoFit/>
+          </a:bodyPr>
+          <a:lstStyle/>
+          <a:p>
+            <a:pPr algn="ctr"/>
+            <a:r>
+              <a:rPr lang="en-US" sz="2400" dirty="0"/>
+              <a:t>Created an UI Application</a:t>
+            </a:r>
+            <a:r>
+              <a:rPr lang="en-IN" sz="2400" dirty="0"/>
+              <a:t> which generates or sends message to Active MQ via Spring boot.</a:t>
+            </a:r>
+          </a:p>
+          <a:p>
+            <a:pPr algn="ctr"/>
+            <a:endParaRPr lang="en-IN" sz="2400" dirty="0"/>
+          </a:p>
+          <a:p>
+            <a:pPr algn="ctr"/>
+            <a:r>
+              <a:rPr lang="en-IN" sz="2400" dirty="0"/>
+              <a:t>Eg: created patient entry form as an example to send message from UI (Web/Mobile)</a:t>
+            </a:r>
+            <a:endParaRPr lang="en-US" sz="2400" dirty="0"/>
+          </a:p>
+        </p:txBody>
+      </p:sp>
+      <p:pic>
+        <p:nvPicPr>
+          <p:cNvPr id="6" name="Picture 5">
+            <a:extLst>
+              <a:ext uri="{FF2B5EF4-FFF2-40B4-BE49-F238E27FC236}">
+                <a16:creationId xmlns:a16="http://schemas.microsoft.com/office/drawing/2014/main" id="{D386A749-3451-4F9B-9AC1-039D1AADEEA9}"/>
+              </a:ext>
+            </a:extLst>
+          </p:cNvPr>
+          <p:cNvPicPr>
+            <a:picLocks noChangeAspect="1"/>
+          </p:cNvPicPr>
+          <p:nvPr/>
+        </p:nvPicPr>
+        <p:blipFill>
+          <a:blip r:embed="rId2"/>
+          <a:stretch>
+            <a:fillRect/>
+          </a:stretch>
+        </p:blipFill>
+        <p:spPr>
+          <a:xfrm>
+            <a:off x="902406" y="1540042"/>
+            <a:ext cx="4304861" cy="5055312"/>
+          </a:xfrm>
+          <a:prstGeom prst="rect">
+            <a:avLst/>
+          </a:prstGeom>
+          <a:ln>
+            <a:noFill/>
+          </a:ln>
+          <a:effectLst>
+            <a:reflection blurRad="12700" stA="30000" endPos="30000" dist="5000" dir="5400000" sy="-100000" algn="bl" rotWithShape="0"/>
+          </a:effectLst>
+          <a:scene3d>
+            <a:camera prst="perspectiveContrastingLeftFacing">
+              <a:rot lat="300000" lon="19800000" rev="0"/>
+            </a:camera>
+            <a:lightRig rig="threePt" dir="t">
+              <a:rot lat="0" lon="0" rev="2700000"/>
+            </a:lightRig>
+          </a:scene3d>
+          <a:sp3d>
+            <a:bevelT w="63500" h="50800"/>
+          </a:sp3d>
+        </p:spPr>
+      </p:pic>
+    </p:spTree>
+    <p:extLst>
+      <p:ext uri="{BB962C8B-B14F-4D97-AF65-F5344CB8AC3E}">
+        <p14:creationId xmlns:p14="http://schemas.microsoft.com/office/powerpoint/2010/main" val="2649147336"/>
+      </p:ext>
+    </p:extLst>
+  </p:cSld>
+  <p:clrMapOvr>
+    <a:masterClrMapping/>
+  </p:clrMapOvr>
+</p:sld>
+</file>
+
+<file path=ppt/slides/slide8.xml><?xml version="1.0" encoding="utf-8"?>
+<p:sld xmlns:a="http://schemas.openxmlformats.org/drawingml/2006/main" xmlns:r="http://schemas.openxmlformats.org/officeDocument/2006/relationships" xmlns:p="http://schemas.openxmlformats.org/presentationml/2006/main">
+  <p:cSld>
+    <p:spTree>
+      <p:nvGrpSpPr>
+        <p:cNvPr id="1" name=""/>
+        <p:cNvGrpSpPr/>
+        <p:nvPr/>
+      </p:nvGrpSpPr>
+      <p:grpSpPr>
+        <a:xfrm>
+          <a:off x="0" y="0"/>
+          <a:ext cx="0" cy="0"/>
+          <a:chOff x="0" y="0"/>
+          <a:chExt cx="0" cy="0"/>
+        </a:xfrm>
+      </p:grpSpPr>
+      <p:sp>
+        <p:nvSpPr>
+          <p:cNvPr id="3" name="Rectangle 2">
+            <a:extLst>
+              <a:ext uri="{FF2B5EF4-FFF2-40B4-BE49-F238E27FC236}">
+                <a16:creationId xmlns:a16="http://schemas.microsoft.com/office/drawing/2014/main" id="{A22D7E99-5DE3-4E97-A8B2-327F59F6DD5A}"/>
+              </a:ext>
+            </a:extLst>
+          </p:cNvPr>
+          <p:cNvSpPr/>
+          <p:nvPr/>
+        </p:nvSpPr>
+        <p:spPr>
+          <a:xfrm>
+            <a:off x="0" y="112375"/>
+            <a:ext cx="12119013" cy="923330"/>
+          </a:xfrm>
+          <a:prstGeom prst="rect">
+            <a:avLst/>
+          </a:prstGeom>
+          <a:noFill/>
+        </p:spPr>
+        <p:txBody>
+          <a:bodyPr wrap="square" lIns="91440" tIns="45720" rIns="91440" bIns="45720">
+            <a:spAutoFit/>
+          </a:bodyPr>
+          <a:lstStyle/>
+          <a:p>
+            <a:r>
+              <a:rPr lang="en-US" sz="5400" b="1" dirty="0">
+                <a:ln w="9525">
+                  <a:solidFill>
+                    <a:schemeClr val="bg1"/>
+                  </a:solidFill>
+                  <a:prstDash val="solid"/>
+                </a:ln>
+                <a:effectLst>
+                  <a:outerShdw blurRad="12700" dist="38100" dir="2700000" algn="tl" rotWithShape="0">
+                    <a:schemeClr val="bg1">
+                      <a:lumMod val="50000"/>
+                    </a:schemeClr>
+                  </a:outerShdw>
+                </a:effectLst>
+              </a:rPr>
+              <a:t>Receives Message from Active MQ to UI</a:t>
+            </a:r>
+            <a:r>
+              <a:rPr lang="en-US" sz="5400" b="1" cap="none" spc="0" dirty="0">
+                <a:ln w="9525">
+                  <a:solidFill>
+                    <a:schemeClr val="bg1"/>
+                  </a:solidFill>
+                  <a:prstDash val="solid"/>
+                </a:ln>
+                <a:solidFill>
+                  <a:schemeClr val="tx1"/>
+                </a:solidFill>
+                <a:effectLst>
+                  <a:outerShdw blurRad="12700" dist="38100" dir="2700000" algn="tl" rotWithShape="0">
+                    <a:schemeClr val="bg1">
+                      <a:lumMod val="50000"/>
+                    </a:schemeClr>
+                  </a:outerShdw>
+                </a:effectLst>
+              </a:rPr>
+              <a:t> </a:t>
+            </a:r>
+          </a:p>
+        </p:txBody>
+      </p:sp>
+      <p:sp>
+        <p:nvSpPr>
+          <p:cNvPr id="4" name="TextBox 3">
+            <a:extLst>
+              <a:ext uri="{FF2B5EF4-FFF2-40B4-BE49-F238E27FC236}">
+                <a16:creationId xmlns:a16="http://schemas.microsoft.com/office/drawing/2014/main" id="{E0F1CFDA-B530-495C-A791-6ED71512AD10}"/>
+              </a:ext>
+            </a:extLst>
+          </p:cNvPr>
+          <p:cNvSpPr txBox="1"/>
+          <p:nvPr/>
+        </p:nvSpPr>
+        <p:spPr>
+          <a:xfrm>
+            <a:off x="6810408" y="1953802"/>
+            <a:ext cx="5381592" cy="3416320"/>
+          </a:xfrm>
+          <a:prstGeom prst="rect">
+            <a:avLst/>
+          </a:prstGeom>
+          <a:noFill/>
+        </p:spPr>
+        <p:txBody>
+          <a:bodyPr wrap="square" rtlCol="0">
+            <a:spAutoFit/>
+          </a:bodyPr>
+          <a:lstStyle/>
+          <a:p>
+            <a:pPr algn="ctr"/>
+            <a:r>
+              <a:rPr lang="en-US" sz="2400" dirty="0"/>
+              <a:t>Created an UI Application</a:t>
+            </a:r>
+            <a:r>
+              <a:rPr lang="en-IN" sz="2400" dirty="0"/>
+              <a:t> which receives message  from Active MQ via Spring boot with WebSocket.</a:t>
+            </a:r>
+          </a:p>
+          <a:p>
+            <a:pPr algn="ctr"/>
+            <a:endParaRPr lang="en-IN" sz="2400" dirty="0"/>
+          </a:p>
+          <a:p>
+            <a:pPr algn="ctr"/>
+            <a:r>
+              <a:rPr lang="en-IN" sz="2400" dirty="0"/>
+              <a:t>Eg: created patient list table which receives data from Active MQ (Spring boot).  when user sends Information form  Other UI App(Web/Mobile) this table will get that data without refresh</a:t>
+            </a:r>
+            <a:endParaRPr lang="en-US" sz="2400" dirty="0"/>
+          </a:p>
+        </p:txBody>
+      </p:sp>
+      <p:pic>
+        <p:nvPicPr>
+          <p:cNvPr id="5" name="Picture 4">
+            <a:extLst>
+              <a:ext uri="{FF2B5EF4-FFF2-40B4-BE49-F238E27FC236}">
+                <a16:creationId xmlns:a16="http://schemas.microsoft.com/office/drawing/2014/main" id="{6E05A84F-23BE-4DDC-A3E2-8AB550423C39}"/>
+              </a:ext>
+            </a:extLst>
+          </p:cNvPr>
+          <p:cNvPicPr>
+            <a:picLocks noChangeAspect="1"/>
+          </p:cNvPicPr>
+          <p:nvPr/>
+        </p:nvPicPr>
+        <p:blipFill>
+          <a:blip r:embed="rId2"/>
+          <a:stretch>
+            <a:fillRect/>
+          </a:stretch>
+        </p:blipFill>
+        <p:spPr>
+          <a:xfrm>
+            <a:off x="269705" y="1778000"/>
+            <a:ext cx="7153141" cy="3918677"/>
+          </a:xfrm>
+          <a:prstGeom prst="rect">
+            <a:avLst/>
+          </a:prstGeom>
+          <a:ln>
+            <a:noFill/>
+          </a:ln>
+          <a:effectLst>
+            <a:reflection blurRad="12700" stA="30000" endPos="30000" dist="5000" dir="5400000" sy="-100000" algn="bl" rotWithShape="0"/>
+          </a:effectLst>
+          <a:scene3d>
+            <a:camera prst="perspectiveContrastingLeftFacing">
+              <a:rot lat="300000" lon="19800000" rev="0"/>
+            </a:camera>
+            <a:lightRig rig="threePt" dir="t">
+              <a:rot lat="0" lon="0" rev="2700000"/>
+            </a:lightRig>
+          </a:scene3d>
+          <a:sp3d>
+            <a:bevelT w="63500" h="50800"/>
+          </a:sp3d>
+        </p:spPr>
+      </p:pic>
+    </p:spTree>
+    <p:extLst>
+      <p:ext uri="{BB962C8B-B14F-4D97-AF65-F5344CB8AC3E}">
+        <p14:creationId xmlns:p14="http://schemas.microsoft.com/office/powerpoint/2010/main" val="3899301916"/>
+      </p:ext>
+    </p:extLst>
+  </p:cSld>
+  <p:clrMapOvr>
+    <a:masterClrMapping/>
+  </p:clrMapOvr>
+</p:sld>
+</file>
+
+<file path=ppt/slides/slide9.xml><?xml version="1.0" encoding="utf-8"?>
+<p:sld xmlns:a="http://schemas.openxmlformats.org/drawingml/2006/main" xmlns:r="http://schemas.openxmlformats.org/officeDocument/2006/relationships" xmlns:p="http://schemas.openxmlformats.org/presentationml/2006/main">
+  <p:cSld>
+    <p:spTree>
+      <p:nvGrpSpPr>
+        <p:cNvPr id="1" name=""/>
+        <p:cNvGrpSpPr/>
+        <p:nvPr/>
+      </p:nvGrpSpPr>
+      <p:grpSpPr>
+        <a:xfrm>
+          <a:off x="0" y="0"/>
+          <a:ext cx="0" cy="0"/>
+          <a:chOff x="0" y="0"/>
+          <a:chExt cx="0" cy="0"/>
+        </a:xfrm>
+      </p:grpSpPr>
+      <p:pic>
+        <p:nvPicPr>
+          <p:cNvPr id="3" name="Picture 2">
+            <a:extLst>
+              <a:ext uri="{FF2B5EF4-FFF2-40B4-BE49-F238E27FC236}">
+                <a16:creationId xmlns:a16="http://schemas.microsoft.com/office/drawing/2014/main" id="{5C185E65-79B1-4F60-90D7-3B8AF5E1D925}"/>
+              </a:ext>
+            </a:extLst>
+          </p:cNvPr>
+          <p:cNvPicPr>
+            <a:picLocks noChangeAspect="1"/>
+          </p:cNvPicPr>
+          <p:nvPr/>
+        </p:nvPicPr>
+        <p:blipFill rotWithShape="1">
+          <a:blip r:embed="rId2"/>
+          <a:srcRect l="1250" t="11704" r="1250" b="10074"/>
+          <a:stretch/>
+        </p:blipFill>
+        <p:spPr>
+          <a:xfrm>
+            <a:off x="152400" y="1432560"/>
+            <a:ext cx="11887200" cy="5364480"/>
+          </a:xfrm>
+          <a:prstGeom prst="rect">
+            <a:avLst/>
+          </a:prstGeom>
+        </p:spPr>
+      </p:pic>
+      <p:sp>
+        <p:nvSpPr>
+          <p:cNvPr id="4" name="Rectangle 3">
+            <a:extLst>
+              <a:ext uri="{FF2B5EF4-FFF2-40B4-BE49-F238E27FC236}">
+                <a16:creationId xmlns:a16="http://schemas.microsoft.com/office/drawing/2014/main" id="{2F210049-46BC-4F06-8772-5A9773FCAD6A}"/>
+              </a:ext>
+            </a:extLst>
+          </p:cNvPr>
+          <p:cNvSpPr/>
+          <p:nvPr/>
+        </p:nvSpPr>
+        <p:spPr>
+          <a:xfrm>
+            <a:off x="0" y="0"/>
+            <a:ext cx="7229928" cy="830997"/>
+          </a:xfrm>
+          <a:prstGeom prst="rect">
+            <a:avLst/>
+          </a:prstGeom>
+          <a:noFill/>
+        </p:spPr>
+        <p:txBody>
+          <a:bodyPr wrap="none" lIns="91440" tIns="45720" rIns="91440" bIns="45720">
+            <a:spAutoFit/>
+          </a:bodyPr>
+          <a:lstStyle/>
+          <a:p>
+            <a:pPr algn="ctr"/>
+            <a:r>
+              <a:rPr lang="en-US" sz="4800" b="1" cap="none" spc="0">
+                <a:ln w="13462">
+                  <a:solidFill>
+                    <a:schemeClr val="bg1"/>
+                  </a:solidFill>
+                  <a:prstDash val="solid"/>
+                </a:ln>
+                <a:solidFill>
+                  <a:schemeClr val="tx1">
+                    <a:lumMod val="85000"/>
+                    <a:lumOff val="15000"/>
+                  </a:schemeClr>
+                </a:solidFill>
+                <a:effectLst>
+                  <a:outerShdw dist="38100" dir="2700000" algn="bl" rotWithShape="0">
+                    <a:schemeClr val="accent5"/>
+                  </a:outerShdw>
+                </a:effectLst>
+              </a:rPr>
+              <a:t>Sending and Receiving Data</a:t>
+            </a:r>
+            <a:endParaRPr lang="en-US" sz="4800" b="1" cap="none" spc="0" dirty="0">
+              <a:ln w="13462">
+                <a:solidFill>
+                  <a:schemeClr val="bg1"/>
+                </a:solidFill>
+                <a:prstDash val="solid"/>
+              </a:ln>
+              <a:solidFill>
+                <a:schemeClr val="tx1">
+                  <a:lumMod val="85000"/>
+                  <a:lumOff val="15000"/>
+                </a:schemeClr>
+              </a:solidFill>
+              <a:effectLst>
+                <a:outerShdw dist="38100" dir="2700000" algn="bl" rotWithShape="0">
+                  <a:schemeClr val="accent5"/>
+                </a:outerShdw>
+              </a:effectLst>
+            </a:endParaRPr>
+          </a:p>
+        </p:txBody>
+      </p:sp>
+      <p:sp>
+        <p:nvSpPr>
+          <p:cNvPr id="5" name="Rectangle 4">
+            <a:extLst>
+              <a:ext uri="{FF2B5EF4-FFF2-40B4-BE49-F238E27FC236}">
+                <a16:creationId xmlns:a16="http://schemas.microsoft.com/office/drawing/2014/main" id="{002A2D9B-B2AD-41DB-9C27-5BE2E2E4838A}"/>
+              </a:ext>
+            </a:extLst>
+          </p:cNvPr>
+          <p:cNvSpPr/>
+          <p:nvPr/>
+        </p:nvSpPr>
+        <p:spPr>
+          <a:xfrm>
+            <a:off x="152400" y="863767"/>
+            <a:ext cx="3392980" cy="523220"/>
+          </a:xfrm>
+          <a:prstGeom prst="rect">
+            <a:avLst/>
+          </a:prstGeom>
+          <a:noFill/>
+        </p:spPr>
+        <p:txBody>
+          <a:bodyPr wrap="none" lIns="91440" tIns="45720" rIns="91440" bIns="45720">
+            <a:spAutoFit/>
+          </a:bodyPr>
+          <a:lstStyle/>
+          <a:p>
+            <a:pPr algn="ctr"/>
+            <a:r>
+              <a:rPr lang="en-US" sz="2800" b="1" cap="none" spc="0" dirty="0">
+                <a:ln w="6600">
+                  <a:solidFill>
+                    <a:schemeClr val="accent2"/>
+                  </a:solidFill>
+                  <a:prstDash val="solid"/>
+                </a:ln>
+                <a:solidFill>
+                  <a:srgbClr val="FFFFFF"/>
+                </a:solidFill>
+                <a:effectLst>
+                  <a:outerShdw dist="38100" dir="2700000" algn="tl" rotWithShape="0">
+                    <a:schemeClr val="accent2"/>
+                  </a:outerShdw>
+                </a:effectLst>
+              </a:rPr>
+              <a:t>http://localhost:4200</a:t>
+            </a:r>
+          </a:p>
+        </p:txBody>
+      </p:sp>
+      <p:sp>
+        <p:nvSpPr>
+          <p:cNvPr id="7" name="Rectangle 6">
+            <a:extLst>
+              <a:ext uri="{FF2B5EF4-FFF2-40B4-BE49-F238E27FC236}">
+                <a16:creationId xmlns:a16="http://schemas.microsoft.com/office/drawing/2014/main" id="{0460A318-71EC-4DD1-B1C8-005332717D9F}"/>
+              </a:ext>
+            </a:extLst>
+          </p:cNvPr>
+          <p:cNvSpPr/>
+          <p:nvPr/>
+        </p:nvSpPr>
+        <p:spPr>
+          <a:xfrm>
+            <a:off x="5947483" y="870168"/>
+            <a:ext cx="5753306" cy="523220"/>
+          </a:xfrm>
+          <a:prstGeom prst="rect">
+            <a:avLst/>
+          </a:prstGeom>
+          <a:noFill/>
+        </p:spPr>
+        <p:txBody>
+          <a:bodyPr wrap="none" lIns="91440" tIns="45720" rIns="91440" bIns="45720">
+            <a:spAutoFit/>
+          </a:bodyPr>
+          <a:lstStyle/>
+          <a:p>
+            <a:pPr algn="ctr"/>
+            <a:r>
+              <a:rPr lang="en-US" sz="2800" b="1" cap="none" spc="0" dirty="0">
+                <a:ln w="6600">
+                  <a:solidFill>
+                    <a:schemeClr val="accent2"/>
+                  </a:solidFill>
+                  <a:prstDash val="solid"/>
+                </a:ln>
+                <a:solidFill>
+                  <a:srgbClr val="FFFFFF"/>
+                </a:solidFill>
+                <a:effectLst>
+                  <a:outerShdw dist="38100" dir="2700000" algn="tl" rotWithShape="0">
+                    <a:schemeClr val="accent2"/>
+                  </a:outerShdw>
+                </a:effectLst>
+              </a:rPr>
+              <a:t>http://localhost:4200/cpm-consumer</a:t>
+            </a:r>
+          </a:p>
+        </p:txBody>
+      </p:sp>
+    </p:spTree>
+    <p:extLst>
+      <p:ext uri="{BB962C8B-B14F-4D97-AF65-F5344CB8AC3E}">
+        <p14:creationId xmlns:p14="http://schemas.microsoft.com/office/powerpoint/2010/main" val="2020388959"/>
+      </p:ext>
+    </p:extLst>
+  </p:cSld>
+  <p:clrMapOvr>
+    <a:masterClrMapping/>
+  </p:clrMapOvr>
+</p:sld>
+</file>
+
 <file path=ppt/theme/theme1.xml><?xml version="1.0" encoding="utf-8"?>
 <a:theme xmlns:a="http://schemas.openxmlformats.org/drawingml/2006/main" name="Celestial">
   <a:themeElements>
